--- a/docs/virus306_presentation.pptx
+++ b/docs/virus306_presentation.pptx
@@ -171,7 +171,7 @@
           <a:noFill/>
           <a:extLst>
             <a:ext uri="{909E8E84-426E-40dd-AFC4-6F175D3DCCD1}">
-              <a14:hiddenFill xmlns="" xmlns:a14="http://schemas.microsoft.com/office/drawing/2010/main">
+              <a14:hiddenFill xmlns:a14="http://schemas.microsoft.com/office/drawing/2010/main" xmlns="">
                 <a:solidFill>
                   <a:srgbClr val="FFFFFF"/>
                 </a:solidFill>
@@ -231,7 +231,7 @@
             </a:ln>
             <a:extLst>
               <a:ext uri="{91240B29-F687-4f45-9708-019B960494DF}">
-                <a14:hiddenLine xmlns="" xmlns:a14="http://schemas.microsoft.com/office/drawing/2010/main" w="9525">
+                <a14:hiddenLine xmlns:a14="http://schemas.microsoft.com/office/drawing/2010/main" xmlns="" w="9525">
                   <a:solidFill>
                     <a:srgbClr val="000000"/>
                   </a:solidFill>
@@ -321,7 +321,7 @@
             </a:ln>
             <a:extLst>
               <a:ext uri="{91240B29-F687-4f45-9708-019B960494DF}">
-                <a14:hiddenLine xmlns="" xmlns:a14="http://schemas.microsoft.com/office/drawing/2010/main" w="9525">
+                <a14:hiddenLine xmlns:a14="http://schemas.microsoft.com/office/drawing/2010/main" xmlns="" w="9525">
                   <a:solidFill>
                     <a:srgbClr val="000000"/>
                   </a:solidFill>
@@ -411,7 +411,7 @@
             </a:ln>
             <a:extLst>
               <a:ext uri="{91240B29-F687-4f45-9708-019B960494DF}">
-                <a14:hiddenLine xmlns="" xmlns:a14="http://schemas.microsoft.com/office/drawing/2010/main" w="9525">
+                <a14:hiddenLine xmlns:a14="http://schemas.microsoft.com/office/drawing/2010/main" xmlns="" w="9525">
                   <a:solidFill>
                     <a:srgbClr val="000000"/>
                   </a:solidFill>
@@ -445,7 +445,7 @@
             </a:ln>
             <a:extLst>
               <a:ext uri="{91240B29-F687-4f45-9708-019B960494DF}">
-                <a14:hiddenLine xmlns="" xmlns:a14="http://schemas.microsoft.com/office/drawing/2010/main" w="9525">
+                <a14:hiddenLine xmlns:a14="http://schemas.microsoft.com/office/drawing/2010/main" xmlns="" w="9525">
                   <a:solidFill>
                     <a:srgbClr val="000000"/>
                   </a:solidFill>
@@ -535,7 +535,7 @@
             </a:ln>
             <a:extLst>
               <a:ext uri="{91240B29-F687-4f45-9708-019B960494DF}">
-                <a14:hiddenLine xmlns="" xmlns:a14="http://schemas.microsoft.com/office/drawing/2010/main" w="9525">
+                <a14:hiddenLine xmlns:a14="http://schemas.microsoft.com/office/drawing/2010/main" xmlns="" w="9525">
                   <a:solidFill>
                     <a:srgbClr val="000000"/>
                   </a:solidFill>
@@ -597,7 +597,7 @@
             </a:ln>
             <a:extLst>
               <a:ext uri="{91240B29-F687-4f45-9708-019B960494DF}">
-                <a14:hiddenLine xmlns="" xmlns:a14="http://schemas.microsoft.com/office/drawing/2010/main" w="9525">
+                <a14:hiddenLine xmlns:a14="http://schemas.microsoft.com/office/drawing/2010/main" xmlns="" w="9525">
                   <a:solidFill>
                     <a:srgbClr val="000000"/>
                   </a:solidFill>
@@ -659,7 +659,7 @@
             </a:ln>
             <a:extLst>
               <a:ext uri="{91240B29-F687-4f45-9708-019B960494DF}">
-                <a14:hiddenLine xmlns="" xmlns:a14="http://schemas.microsoft.com/office/drawing/2010/main" w="9525">
+                <a14:hiddenLine xmlns:a14="http://schemas.microsoft.com/office/drawing/2010/main" xmlns="" w="9525">
                   <a:solidFill>
                     <a:srgbClr val="000000"/>
                   </a:solidFill>
@@ -749,7 +749,7 @@
             </a:ln>
             <a:extLst>
               <a:ext uri="{91240B29-F687-4f45-9708-019B960494DF}">
-                <a14:hiddenLine xmlns="" xmlns:a14="http://schemas.microsoft.com/office/drawing/2010/main" w="9525">
+                <a14:hiddenLine xmlns:a14="http://schemas.microsoft.com/office/drawing/2010/main" xmlns="" w="9525">
                   <a:solidFill>
                     <a:srgbClr val="000000"/>
                   </a:solidFill>
@@ -811,7 +811,7 @@
             </a:ln>
             <a:extLst>
               <a:ext uri="{91240B29-F687-4f45-9708-019B960494DF}">
-                <a14:hiddenLine xmlns="" xmlns:a14="http://schemas.microsoft.com/office/drawing/2010/main" w="9525">
+                <a14:hiddenLine xmlns:a14="http://schemas.microsoft.com/office/drawing/2010/main" xmlns="" w="9525">
                   <a:solidFill>
                     <a:srgbClr val="000000"/>
                   </a:solidFill>
@@ -873,7 +873,7 @@
             </a:ln>
             <a:extLst>
               <a:ext uri="{91240B29-F687-4f45-9708-019B960494DF}">
-                <a14:hiddenLine xmlns="" xmlns:a14="http://schemas.microsoft.com/office/drawing/2010/main" w="9525">
+                <a14:hiddenLine xmlns:a14="http://schemas.microsoft.com/office/drawing/2010/main" xmlns="" w="9525">
                   <a:solidFill>
                     <a:srgbClr val="000000"/>
                   </a:solidFill>
@@ -963,7 +963,7 @@
             </a:ln>
             <a:extLst>
               <a:ext uri="{91240B29-F687-4f45-9708-019B960494DF}">
-                <a14:hiddenLine xmlns="" xmlns:a14="http://schemas.microsoft.com/office/drawing/2010/main" w="9525">
+                <a14:hiddenLine xmlns:a14="http://schemas.microsoft.com/office/drawing/2010/main" xmlns="" w="9525">
                   <a:solidFill>
                     <a:srgbClr val="000000"/>
                   </a:solidFill>
@@ -1053,7 +1053,7 @@
             </a:ln>
             <a:extLst>
               <a:ext uri="{91240B29-F687-4f45-9708-019B960494DF}">
-                <a14:hiddenLine xmlns="" xmlns:a14="http://schemas.microsoft.com/office/drawing/2010/main" w="9525">
+                <a14:hiddenLine xmlns:a14="http://schemas.microsoft.com/office/drawing/2010/main" xmlns="" w="9525">
                   <a:solidFill>
                     <a:srgbClr val="000000"/>
                   </a:solidFill>
@@ -1115,7 +1115,7 @@
             </a:ln>
             <a:extLst>
               <a:ext uri="{91240B29-F687-4f45-9708-019B960494DF}">
-                <a14:hiddenLine xmlns="" xmlns:a14="http://schemas.microsoft.com/office/drawing/2010/main" w="9525">
+                <a14:hiddenLine xmlns:a14="http://schemas.microsoft.com/office/drawing/2010/main" xmlns="" w="9525">
                   <a:solidFill>
                     <a:srgbClr val="000000"/>
                   </a:solidFill>
@@ -1225,7 +1225,7 @@
             </a:ln>
             <a:extLst>
               <a:ext uri="{91240B29-F687-4f45-9708-019B960494DF}">
-                <a14:hiddenLine xmlns="" xmlns:a14="http://schemas.microsoft.com/office/drawing/2010/main" w="9525">
+                <a14:hiddenLine xmlns:a14="http://schemas.microsoft.com/office/drawing/2010/main" xmlns="" w="9525">
                   <a:solidFill>
                     <a:srgbClr val="000000"/>
                   </a:solidFill>
@@ -1287,7 +1287,7 @@
             </a:ln>
             <a:extLst>
               <a:ext uri="{91240B29-F687-4f45-9708-019B960494DF}">
-                <a14:hiddenLine xmlns="" xmlns:a14="http://schemas.microsoft.com/office/drawing/2010/main" w="9525">
+                <a14:hiddenLine xmlns:a14="http://schemas.microsoft.com/office/drawing/2010/main" xmlns="" w="9525">
                   <a:solidFill>
                     <a:srgbClr val="000000"/>
                   </a:solidFill>
@@ -1377,7 +1377,7 @@
             </a:ln>
             <a:extLst>
               <a:ext uri="{91240B29-F687-4f45-9708-019B960494DF}">
-                <a14:hiddenLine xmlns="" xmlns:a14="http://schemas.microsoft.com/office/drawing/2010/main" w="9525">
+                <a14:hiddenLine xmlns:a14="http://schemas.microsoft.com/office/drawing/2010/main" xmlns="" w="9525">
                   <a:solidFill>
                     <a:srgbClr val="000000"/>
                   </a:solidFill>
@@ -1467,7 +1467,7 @@
             </a:ln>
             <a:extLst>
               <a:ext uri="{91240B29-F687-4f45-9708-019B960494DF}">
-                <a14:hiddenLine xmlns="" xmlns:a14="http://schemas.microsoft.com/office/drawing/2010/main" w="9525">
+                <a14:hiddenLine xmlns:a14="http://schemas.microsoft.com/office/drawing/2010/main" xmlns="" w="9525">
                   <a:solidFill>
                     <a:srgbClr val="000000"/>
                   </a:solidFill>
@@ -1529,7 +1529,7 @@
             </a:ln>
             <a:extLst>
               <a:ext uri="{91240B29-F687-4f45-9708-019B960494DF}">
-                <a14:hiddenLine xmlns="" xmlns:a14="http://schemas.microsoft.com/office/drawing/2010/main" w="9525">
+                <a14:hiddenLine xmlns:a14="http://schemas.microsoft.com/office/drawing/2010/main" xmlns="" w="9525">
                   <a:solidFill>
                     <a:srgbClr val="000000"/>
                   </a:solidFill>
@@ -1619,7 +1619,7 @@
             </a:ln>
             <a:extLst>
               <a:ext uri="{91240B29-F687-4f45-9708-019B960494DF}">
-                <a14:hiddenLine xmlns="" xmlns:a14="http://schemas.microsoft.com/office/drawing/2010/main" w="9525">
+                <a14:hiddenLine xmlns:a14="http://schemas.microsoft.com/office/drawing/2010/main" xmlns="" w="9525">
                   <a:solidFill>
                     <a:srgbClr val="000000"/>
                   </a:solidFill>
@@ -1709,7 +1709,7 @@
             </a:ln>
             <a:extLst>
               <a:ext uri="{91240B29-F687-4f45-9708-019B960494DF}">
-                <a14:hiddenLine xmlns="" xmlns:a14="http://schemas.microsoft.com/office/drawing/2010/main" w="9525">
+                <a14:hiddenLine xmlns:a14="http://schemas.microsoft.com/office/drawing/2010/main" xmlns="" w="9525">
                   <a:solidFill>
                     <a:srgbClr val="000000"/>
                   </a:solidFill>
@@ -1765,7 +1765,7 @@
             </a:ln>
             <a:extLst>
               <a:ext uri="{91240B29-F687-4f45-9708-019B960494DF}">
-                <a14:hiddenLine xmlns="" xmlns:a14="http://schemas.microsoft.com/office/drawing/2010/main" w="9525">
+                <a14:hiddenLine xmlns:a14="http://schemas.microsoft.com/office/drawing/2010/main" xmlns="" w="9525">
                   <a:solidFill>
                     <a:srgbClr val="000000"/>
                   </a:solidFill>
@@ -1855,7 +1855,7 @@
             </a:ln>
             <a:extLst>
               <a:ext uri="{91240B29-F687-4f45-9708-019B960494DF}">
-                <a14:hiddenLine xmlns="" xmlns:a14="http://schemas.microsoft.com/office/drawing/2010/main" w="9525">
+                <a14:hiddenLine xmlns:a14="http://schemas.microsoft.com/office/drawing/2010/main" xmlns="" w="9525">
                   <a:solidFill>
                     <a:srgbClr val="000000"/>
                   </a:solidFill>
@@ -1911,7 +1911,7 @@
             </a:ln>
             <a:extLst>
               <a:ext uri="{91240B29-F687-4f45-9708-019B960494DF}">
-                <a14:hiddenLine xmlns="" xmlns:a14="http://schemas.microsoft.com/office/drawing/2010/main" w="9525">
+                <a14:hiddenLine xmlns:a14="http://schemas.microsoft.com/office/drawing/2010/main" xmlns="" w="9525">
                   <a:solidFill>
                     <a:srgbClr val="000000"/>
                   </a:solidFill>
@@ -2001,7 +2001,7 @@
             </a:ln>
             <a:extLst>
               <a:ext uri="{91240B29-F687-4f45-9708-019B960494DF}">
-                <a14:hiddenLine xmlns="" xmlns:a14="http://schemas.microsoft.com/office/drawing/2010/main" w="9525">
+                <a14:hiddenLine xmlns:a14="http://schemas.microsoft.com/office/drawing/2010/main" xmlns="" w="9525">
                   <a:solidFill>
                     <a:srgbClr val="000000"/>
                   </a:solidFill>
@@ -2069,7 +2069,7 @@
             </a:ln>
             <a:extLst>
               <a:ext uri="{91240B29-F687-4f45-9708-019B960494DF}">
-                <a14:hiddenLine xmlns="" xmlns:a14="http://schemas.microsoft.com/office/drawing/2010/main" w="9525">
+                <a14:hiddenLine xmlns:a14="http://schemas.microsoft.com/office/drawing/2010/main" xmlns="" w="9525">
                   <a:solidFill>
                     <a:srgbClr val="000000"/>
                   </a:solidFill>
@@ -2159,7 +2159,7 @@
             </a:ln>
             <a:extLst>
               <a:ext uri="{91240B29-F687-4f45-9708-019B960494DF}">
-                <a14:hiddenLine xmlns="" xmlns:a14="http://schemas.microsoft.com/office/drawing/2010/main" w="9525">
+                <a14:hiddenLine xmlns:a14="http://schemas.microsoft.com/office/drawing/2010/main" xmlns="" w="9525">
                   <a:solidFill>
                     <a:srgbClr val="000000"/>
                   </a:solidFill>
@@ -2227,7 +2227,7 @@
             </a:ln>
             <a:extLst>
               <a:ext uri="{91240B29-F687-4f45-9708-019B960494DF}">
-                <a14:hiddenLine xmlns="" xmlns:a14="http://schemas.microsoft.com/office/drawing/2010/main" w="9525">
+                <a14:hiddenLine xmlns:a14="http://schemas.microsoft.com/office/drawing/2010/main" xmlns="" w="9525">
                   <a:solidFill>
                     <a:srgbClr val="000000"/>
                   </a:solidFill>
@@ -2317,7 +2317,7 @@
             </a:ln>
             <a:extLst>
               <a:ext uri="{91240B29-F687-4f45-9708-019B960494DF}">
-                <a14:hiddenLine xmlns="" xmlns:a14="http://schemas.microsoft.com/office/drawing/2010/main" w="9525">
+                <a14:hiddenLine xmlns:a14="http://schemas.microsoft.com/office/drawing/2010/main" xmlns="" w="9525">
                   <a:solidFill>
                     <a:srgbClr val="000000"/>
                   </a:solidFill>
@@ -2351,7 +2351,7 @@
             </a:ln>
             <a:extLst>
               <a:ext uri="{91240B29-F687-4f45-9708-019B960494DF}">
-                <a14:hiddenLine xmlns="" xmlns:a14="http://schemas.microsoft.com/office/drawing/2010/main" w="9525">
+                <a14:hiddenLine xmlns:a14="http://schemas.microsoft.com/office/drawing/2010/main" xmlns="" w="9525">
                   <a:solidFill>
                     <a:srgbClr val="000000"/>
                   </a:solidFill>
@@ -2441,7 +2441,7 @@
             </a:ln>
             <a:extLst>
               <a:ext uri="{91240B29-F687-4f45-9708-019B960494DF}">
-                <a14:hiddenLine xmlns="" xmlns:a14="http://schemas.microsoft.com/office/drawing/2010/main" w="9525">
+                <a14:hiddenLine xmlns:a14="http://schemas.microsoft.com/office/drawing/2010/main" xmlns="" w="9525">
                   <a:solidFill>
                     <a:srgbClr val="000000"/>
                   </a:solidFill>
@@ -2503,7 +2503,7 @@
             </a:ln>
             <a:extLst>
               <a:ext uri="{91240B29-F687-4f45-9708-019B960494DF}">
-                <a14:hiddenLine xmlns="" xmlns:a14="http://schemas.microsoft.com/office/drawing/2010/main" w="9525">
+                <a14:hiddenLine xmlns:a14="http://schemas.microsoft.com/office/drawing/2010/main" xmlns="" w="9525">
                   <a:solidFill>
                     <a:srgbClr val="000000"/>
                   </a:solidFill>
@@ -2565,7 +2565,7 @@
             </a:ln>
             <a:extLst>
               <a:ext uri="{91240B29-F687-4f45-9708-019B960494DF}">
-                <a14:hiddenLine xmlns="" xmlns:a14="http://schemas.microsoft.com/office/drawing/2010/main" w="9525">
+                <a14:hiddenLine xmlns:a14="http://schemas.microsoft.com/office/drawing/2010/main" xmlns="" w="9525">
                   <a:solidFill>
                     <a:srgbClr val="000000"/>
                   </a:solidFill>
@@ -2655,7 +2655,7 @@
             </a:ln>
             <a:extLst>
               <a:ext uri="{91240B29-F687-4f45-9708-019B960494DF}">
-                <a14:hiddenLine xmlns="" xmlns:a14="http://schemas.microsoft.com/office/drawing/2010/main" w="9525">
+                <a14:hiddenLine xmlns:a14="http://schemas.microsoft.com/office/drawing/2010/main" xmlns="" w="9525">
                   <a:solidFill>
                     <a:srgbClr val="000000"/>
                   </a:solidFill>
@@ -2723,7 +2723,7 @@
             </a:ln>
             <a:extLst>
               <a:ext uri="{91240B29-F687-4f45-9708-019B960494DF}">
-                <a14:hiddenLine xmlns="" xmlns:a14="http://schemas.microsoft.com/office/drawing/2010/main" w="9525">
+                <a14:hiddenLine xmlns:a14="http://schemas.microsoft.com/office/drawing/2010/main" xmlns="" w="9525">
                   <a:solidFill>
                     <a:srgbClr val="000000"/>
                   </a:solidFill>
@@ -2785,7 +2785,7 @@
             </a:ln>
             <a:extLst>
               <a:ext uri="{91240B29-F687-4f45-9708-019B960494DF}">
-                <a14:hiddenLine xmlns="" xmlns:a14="http://schemas.microsoft.com/office/drawing/2010/main" w="9525">
+                <a14:hiddenLine xmlns:a14="http://schemas.microsoft.com/office/drawing/2010/main" xmlns="" w="9525">
                   <a:solidFill>
                     <a:srgbClr val="000000"/>
                   </a:solidFill>
@@ -2875,7 +2875,7 @@
             </a:ln>
             <a:extLst>
               <a:ext uri="{91240B29-F687-4f45-9708-019B960494DF}">
-                <a14:hiddenLine xmlns="" xmlns:a14="http://schemas.microsoft.com/office/drawing/2010/main" w="9525">
+                <a14:hiddenLine xmlns:a14="http://schemas.microsoft.com/office/drawing/2010/main" xmlns="" w="9525">
                   <a:solidFill>
                     <a:srgbClr val="000000"/>
                   </a:solidFill>
@@ -2937,7 +2937,7 @@
             </a:ln>
             <a:extLst>
               <a:ext uri="{91240B29-F687-4f45-9708-019B960494DF}">
-                <a14:hiddenLine xmlns="" xmlns:a14="http://schemas.microsoft.com/office/drawing/2010/main" w="9525">
+                <a14:hiddenLine xmlns:a14="http://schemas.microsoft.com/office/drawing/2010/main" xmlns="" w="9525">
                   <a:solidFill>
                     <a:srgbClr val="000000"/>
                   </a:solidFill>
@@ -3027,7 +3027,7 @@
             </a:ln>
             <a:extLst>
               <a:ext uri="{91240B29-F687-4f45-9708-019B960494DF}">
-                <a14:hiddenLine xmlns="" xmlns:a14="http://schemas.microsoft.com/office/drawing/2010/main" w="9525">
+                <a14:hiddenLine xmlns:a14="http://schemas.microsoft.com/office/drawing/2010/main" xmlns="" w="9525">
                   <a:solidFill>
                     <a:srgbClr val="000000"/>
                   </a:solidFill>
@@ -3089,7 +3089,7 @@
             </a:ln>
             <a:extLst>
               <a:ext uri="{91240B29-F687-4f45-9708-019B960494DF}">
-                <a14:hiddenLine xmlns="" xmlns:a14="http://schemas.microsoft.com/office/drawing/2010/main" w="9525">
+                <a14:hiddenLine xmlns:a14="http://schemas.microsoft.com/office/drawing/2010/main" xmlns="" w="9525">
                   <a:solidFill>
                     <a:srgbClr val="000000"/>
                   </a:solidFill>
@@ -3179,7 +3179,7 @@
             </a:ln>
             <a:extLst>
               <a:ext uri="{91240B29-F687-4f45-9708-019B960494DF}">
-                <a14:hiddenLine xmlns="" xmlns:a14="http://schemas.microsoft.com/office/drawing/2010/main" w="9525">
+                <a14:hiddenLine xmlns:a14="http://schemas.microsoft.com/office/drawing/2010/main" xmlns="" w="9525">
                   <a:solidFill>
                     <a:srgbClr val="000000"/>
                   </a:solidFill>
@@ -3213,7 +3213,7 @@
             </a:ln>
             <a:extLst>
               <a:ext uri="{91240B29-F687-4f45-9708-019B960494DF}">
-                <a14:hiddenLine xmlns="" xmlns:a14="http://schemas.microsoft.com/office/drawing/2010/main" w="9525">
+                <a14:hiddenLine xmlns:a14="http://schemas.microsoft.com/office/drawing/2010/main" xmlns="" w="9525">
                   <a:solidFill>
                     <a:srgbClr val="000000"/>
                   </a:solidFill>
@@ -3278,7 +3278,7 @@
             </a:ln>
             <a:extLst>
               <a:ext uri="{91240B29-F687-4f45-9708-019B960494DF}">
-                <a14:hiddenLine xmlns="" xmlns:a14="http://schemas.microsoft.com/office/drawing/2010/main" w="9525">
+                <a14:hiddenLine xmlns:a14="http://schemas.microsoft.com/office/drawing/2010/main" xmlns="" w="9525">
                   <a:solidFill>
                     <a:srgbClr val="000000"/>
                   </a:solidFill>
@@ -3368,7 +3368,7 @@
             </a:ln>
             <a:extLst>
               <a:ext uri="{91240B29-F687-4f45-9708-019B960494DF}">
-                <a14:hiddenLine xmlns="" xmlns:a14="http://schemas.microsoft.com/office/drawing/2010/main" w="9525">
+                <a14:hiddenLine xmlns:a14="http://schemas.microsoft.com/office/drawing/2010/main" xmlns="" w="9525">
                   <a:solidFill>
                     <a:srgbClr val="000000"/>
                   </a:solidFill>
@@ -3430,7 +3430,7 @@
             </a:ln>
             <a:extLst>
               <a:ext uri="{91240B29-F687-4f45-9708-019B960494DF}">
-                <a14:hiddenLine xmlns="" xmlns:a14="http://schemas.microsoft.com/office/drawing/2010/main" w="9525">
+                <a14:hiddenLine xmlns:a14="http://schemas.microsoft.com/office/drawing/2010/main" xmlns="" w="9525">
                   <a:solidFill>
                     <a:srgbClr val="000000"/>
                   </a:solidFill>
@@ -3520,7 +3520,7 @@
             </a:ln>
             <a:extLst>
               <a:ext uri="{91240B29-F687-4f45-9708-019B960494DF}">
-                <a14:hiddenLine xmlns="" xmlns:a14="http://schemas.microsoft.com/office/drawing/2010/main" w="9525">
+                <a14:hiddenLine xmlns:a14="http://schemas.microsoft.com/office/drawing/2010/main" xmlns="" w="9525">
                   <a:solidFill>
                     <a:srgbClr val="000000"/>
                   </a:solidFill>
@@ -3610,7 +3610,7 @@
             </a:ln>
             <a:extLst>
               <a:ext uri="{91240B29-F687-4f45-9708-019B960494DF}">
-                <a14:hiddenLine xmlns="" xmlns:a14="http://schemas.microsoft.com/office/drawing/2010/main" w="9525">
+                <a14:hiddenLine xmlns:a14="http://schemas.microsoft.com/office/drawing/2010/main" xmlns="" w="9525">
                   <a:solidFill>
                     <a:srgbClr val="000000"/>
                   </a:solidFill>
@@ -3675,7 +3675,7 @@
             </a:ln>
             <a:extLst>
               <a:ext uri="{91240B29-F687-4f45-9708-019B960494DF}">
-                <a14:hiddenLine xmlns="" xmlns:a14="http://schemas.microsoft.com/office/drawing/2010/main" w="9525">
+                <a14:hiddenLine xmlns:a14="http://schemas.microsoft.com/office/drawing/2010/main" xmlns="" w="9525">
                   <a:solidFill>
                     <a:srgbClr val="000000"/>
                   </a:solidFill>
@@ -3737,7 +3737,7 @@
             </a:ln>
             <a:extLst>
               <a:ext uri="{91240B29-F687-4f45-9708-019B960494DF}">
-                <a14:hiddenLine xmlns="" xmlns:a14="http://schemas.microsoft.com/office/drawing/2010/main" w="9525">
+                <a14:hiddenLine xmlns:a14="http://schemas.microsoft.com/office/drawing/2010/main" xmlns="" w="9525">
                   <a:solidFill>
                     <a:srgbClr val="000000"/>
                   </a:solidFill>
@@ -3827,7 +3827,7 @@
             </a:ln>
             <a:extLst>
               <a:ext uri="{91240B29-F687-4f45-9708-019B960494DF}">
-                <a14:hiddenLine xmlns="" xmlns:a14="http://schemas.microsoft.com/office/drawing/2010/main" w="9525">
+                <a14:hiddenLine xmlns:a14="http://schemas.microsoft.com/office/drawing/2010/main" xmlns="" w="9525">
                   <a:solidFill>
                     <a:srgbClr val="000000"/>
                   </a:solidFill>
@@ -3917,7 +3917,7 @@
             </a:ln>
             <a:extLst>
               <a:ext uri="{91240B29-F687-4f45-9708-019B960494DF}">
-                <a14:hiddenLine xmlns="" xmlns:a14="http://schemas.microsoft.com/office/drawing/2010/main" w="9525">
+                <a14:hiddenLine xmlns:a14="http://schemas.microsoft.com/office/drawing/2010/main" xmlns="" w="9525">
                   <a:solidFill>
                     <a:srgbClr val="000000"/>
                   </a:solidFill>
@@ -3979,7 +3979,7 @@
             </a:ln>
             <a:extLst>
               <a:ext uri="{91240B29-F687-4f45-9708-019B960494DF}">
-                <a14:hiddenLine xmlns="" xmlns:a14="http://schemas.microsoft.com/office/drawing/2010/main" w="9525">
+                <a14:hiddenLine xmlns:a14="http://schemas.microsoft.com/office/drawing/2010/main" xmlns="" w="9525">
                   <a:solidFill>
                     <a:srgbClr val="000000"/>
                   </a:solidFill>
@@ -4099,7 +4099,7 @@
             </a:ln>
             <a:extLst>
               <a:ext uri="{91240B29-F687-4f45-9708-019B960494DF}">
-                <a14:hiddenLine xmlns="" xmlns:a14="http://schemas.microsoft.com/office/drawing/2010/main" w="9525">
+                <a14:hiddenLine xmlns:a14="http://schemas.microsoft.com/office/drawing/2010/main" xmlns="" w="9525">
                   <a:solidFill>
                     <a:srgbClr val="000000"/>
                   </a:solidFill>
@@ -4167,7 +4167,7 @@
             </a:ln>
             <a:extLst>
               <a:ext uri="{91240B29-F687-4f45-9708-019B960494DF}">
-                <a14:hiddenLine xmlns="" xmlns:a14="http://schemas.microsoft.com/office/drawing/2010/main" w="9525">
+                <a14:hiddenLine xmlns:a14="http://schemas.microsoft.com/office/drawing/2010/main" xmlns="" w="9525">
                   <a:solidFill>
                     <a:srgbClr val="000000"/>
                   </a:solidFill>
@@ -4257,7 +4257,7 @@
             </a:ln>
             <a:extLst>
               <a:ext uri="{91240B29-F687-4f45-9708-019B960494DF}">
-                <a14:hiddenLine xmlns="" xmlns:a14="http://schemas.microsoft.com/office/drawing/2010/main" w="9525">
+                <a14:hiddenLine xmlns:a14="http://schemas.microsoft.com/office/drawing/2010/main" xmlns="" w="9525">
                   <a:solidFill>
                     <a:srgbClr val="000000"/>
                   </a:solidFill>
@@ -9064,7 +9064,7 @@
           <a:noFill/>
           <a:extLst>
             <a:ext uri="{909E8E84-426E-40dd-AFC4-6F175D3DCCD1}">
-              <a14:hiddenFill xmlns="" xmlns:a14="http://schemas.microsoft.com/office/drawing/2010/main">
+              <a14:hiddenFill xmlns:a14="http://schemas.microsoft.com/office/drawing/2010/main" xmlns="">
                 <a:solidFill>
                   <a:srgbClr val="FFFFFF"/>
                 </a:solidFill>
@@ -9138,7 +9138,7 @@
               </a:ln>
               <a:extLst>
                 <a:ext uri="{91240B29-F687-4f45-9708-019B960494DF}">
-                  <a14:hiddenLine xmlns="" xmlns:a14="http://schemas.microsoft.com/office/drawing/2010/main" w="9525">
+                  <a14:hiddenLine xmlns:a14="http://schemas.microsoft.com/office/drawing/2010/main" xmlns="" w="9525">
                     <a:solidFill>
                       <a:srgbClr val="000000"/>
                     </a:solidFill>
@@ -9228,7 +9228,7 @@
               </a:ln>
               <a:extLst>
                 <a:ext uri="{91240B29-F687-4f45-9708-019B960494DF}">
-                  <a14:hiddenLine xmlns="" xmlns:a14="http://schemas.microsoft.com/office/drawing/2010/main" w="9525">
+                  <a14:hiddenLine xmlns:a14="http://schemas.microsoft.com/office/drawing/2010/main" xmlns="" w="9525">
                     <a:solidFill>
                       <a:srgbClr val="000000"/>
                     </a:solidFill>
@@ -9318,7 +9318,7 @@
               </a:ln>
               <a:extLst>
                 <a:ext uri="{91240B29-F687-4f45-9708-019B960494DF}">
-                  <a14:hiddenLine xmlns="" xmlns:a14="http://schemas.microsoft.com/office/drawing/2010/main" w="9525">
+                  <a14:hiddenLine xmlns:a14="http://schemas.microsoft.com/office/drawing/2010/main" xmlns="" w="9525">
                     <a:solidFill>
                       <a:srgbClr val="000000"/>
                     </a:solidFill>
@@ -9380,7 +9380,7 @@
               </a:ln>
               <a:extLst>
                 <a:ext uri="{91240B29-F687-4f45-9708-019B960494DF}">
-                  <a14:hiddenLine xmlns="" xmlns:a14="http://schemas.microsoft.com/office/drawing/2010/main" w="9525">
+                  <a14:hiddenLine xmlns:a14="http://schemas.microsoft.com/office/drawing/2010/main" xmlns="" w="9525">
                     <a:solidFill>
                       <a:srgbClr val="000000"/>
                     </a:solidFill>
@@ -9470,7 +9470,7 @@
               </a:ln>
               <a:extLst>
                 <a:ext uri="{91240B29-F687-4f45-9708-019B960494DF}">
-                  <a14:hiddenLine xmlns="" xmlns:a14="http://schemas.microsoft.com/office/drawing/2010/main" w="9525">
+                  <a14:hiddenLine xmlns:a14="http://schemas.microsoft.com/office/drawing/2010/main" xmlns="" w="9525">
                     <a:solidFill>
                       <a:srgbClr val="000000"/>
                     </a:solidFill>
@@ -9532,7 +9532,7 @@
               </a:ln>
               <a:extLst>
                 <a:ext uri="{91240B29-F687-4f45-9708-019B960494DF}">
-                  <a14:hiddenLine xmlns="" xmlns:a14="http://schemas.microsoft.com/office/drawing/2010/main" w="9525">
+                  <a14:hiddenLine xmlns:a14="http://schemas.microsoft.com/office/drawing/2010/main" xmlns="" w="9525">
                     <a:solidFill>
                       <a:srgbClr val="000000"/>
                     </a:solidFill>
@@ -9594,7 +9594,7 @@
               </a:ln>
               <a:extLst>
                 <a:ext uri="{91240B29-F687-4f45-9708-019B960494DF}">
-                  <a14:hiddenLine xmlns="" xmlns:a14="http://schemas.microsoft.com/office/drawing/2010/main" w="9525">
+                  <a14:hiddenLine xmlns:a14="http://schemas.microsoft.com/office/drawing/2010/main" xmlns="" w="9525">
                     <a:solidFill>
                       <a:srgbClr val="000000"/>
                     </a:solidFill>
@@ -9684,7 +9684,7 @@
               </a:ln>
               <a:extLst>
                 <a:ext uri="{91240B29-F687-4f45-9708-019B960494DF}">
-                  <a14:hiddenLine xmlns="" xmlns:a14="http://schemas.microsoft.com/office/drawing/2010/main" w="9525">
+                  <a14:hiddenLine xmlns:a14="http://schemas.microsoft.com/office/drawing/2010/main" xmlns="" w="9525">
                     <a:solidFill>
                       <a:srgbClr val="000000"/>
                     </a:solidFill>
@@ -9774,7 +9774,7 @@
               </a:ln>
               <a:extLst>
                 <a:ext uri="{91240B29-F687-4f45-9708-019B960494DF}">
-                  <a14:hiddenLine xmlns="" xmlns:a14="http://schemas.microsoft.com/office/drawing/2010/main" w="9525">
+                  <a14:hiddenLine xmlns:a14="http://schemas.microsoft.com/office/drawing/2010/main" xmlns="" w="9525">
                     <a:solidFill>
                       <a:srgbClr val="000000"/>
                     </a:solidFill>
@@ -9836,7 +9836,7 @@
               </a:ln>
               <a:extLst>
                 <a:ext uri="{91240B29-F687-4f45-9708-019B960494DF}">
-                  <a14:hiddenLine xmlns="" xmlns:a14="http://schemas.microsoft.com/office/drawing/2010/main" w="9525">
+                  <a14:hiddenLine xmlns:a14="http://schemas.microsoft.com/office/drawing/2010/main" xmlns="" w="9525">
                     <a:solidFill>
                       <a:srgbClr val="000000"/>
                     </a:solidFill>
@@ -9946,7 +9946,7 @@
               </a:ln>
               <a:extLst>
                 <a:ext uri="{91240B29-F687-4f45-9708-019B960494DF}">
-                  <a14:hiddenLine xmlns="" xmlns:a14="http://schemas.microsoft.com/office/drawing/2010/main" w="9525">
+                  <a14:hiddenLine xmlns:a14="http://schemas.microsoft.com/office/drawing/2010/main" xmlns="" w="9525">
                     <a:solidFill>
                       <a:srgbClr val="000000"/>
                     </a:solidFill>
@@ -10030,7 +10030,7 @@
               </a:ln>
               <a:extLst>
                 <a:ext uri="{91240B29-F687-4f45-9708-019B960494DF}">
-                  <a14:hiddenLine xmlns="" xmlns:a14="http://schemas.microsoft.com/office/drawing/2010/main" w="9525">
+                  <a14:hiddenLine xmlns:a14="http://schemas.microsoft.com/office/drawing/2010/main" xmlns="" w="9525">
                     <a:solidFill>
                       <a:srgbClr val="000000"/>
                     </a:solidFill>
@@ -10092,7 +10092,7 @@
               </a:ln>
               <a:extLst>
                 <a:ext uri="{91240B29-F687-4f45-9708-019B960494DF}">
-                  <a14:hiddenLine xmlns="" xmlns:a14="http://schemas.microsoft.com/office/drawing/2010/main" w="9525">
+                  <a14:hiddenLine xmlns:a14="http://schemas.microsoft.com/office/drawing/2010/main" xmlns="" w="9525">
                     <a:solidFill>
                       <a:srgbClr val="000000"/>
                     </a:solidFill>
@@ -10154,7 +10154,7 @@
               </a:ln>
               <a:extLst>
                 <a:ext uri="{91240B29-F687-4f45-9708-019B960494DF}">
-                  <a14:hiddenLine xmlns="" xmlns:a14="http://schemas.microsoft.com/office/drawing/2010/main" w="9525">
+                  <a14:hiddenLine xmlns:a14="http://schemas.microsoft.com/office/drawing/2010/main" xmlns="" w="9525">
                     <a:solidFill>
                       <a:srgbClr val="000000"/>
                     </a:solidFill>
@@ -10244,7 +10244,7 @@
               </a:ln>
               <a:extLst>
                 <a:ext uri="{91240B29-F687-4f45-9708-019B960494DF}">
-                  <a14:hiddenLine xmlns="" xmlns:a14="http://schemas.microsoft.com/office/drawing/2010/main" w="9525">
+                  <a14:hiddenLine xmlns:a14="http://schemas.microsoft.com/office/drawing/2010/main" xmlns="" w="9525">
                     <a:solidFill>
                       <a:srgbClr val="000000"/>
                     </a:solidFill>
@@ -10278,7 +10278,7 @@
               </a:ln>
               <a:extLst>
                 <a:ext uri="{91240B29-F687-4f45-9708-019B960494DF}">
-                  <a14:hiddenLine xmlns="" xmlns:a14="http://schemas.microsoft.com/office/drawing/2010/main" w="9525">
+                  <a14:hiddenLine xmlns:a14="http://schemas.microsoft.com/office/drawing/2010/main" xmlns="" w="9525">
                     <a:solidFill>
                       <a:srgbClr val="000000"/>
                     </a:solidFill>
@@ -10343,7 +10343,7 @@
               </a:ln>
               <a:extLst>
                 <a:ext uri="{91240B29-F687-4f45-9708-019B960494DF}">
-                  <a14:hiddenLine xmlns="" xmlns:a14="http://schemas.microsoft.com/office/drawing/2010/main" w="9525">
+                  <a14:hiddenLine xmlns:a14="http://schemas.microsoft.com/office/drawing/2010/main" xmlns="" w="9525">
                     <a:solidFill>
                       <a:srgbClr val="000000"/>
                     </a:solidFill>
@@ -10433,7 +10433,7 @@
               </a:ln>
               <a:extLst>
                 <a:ext uri="{91240B29-F687-4f45-9708-019B960494DF}">
-                  <a14:hiddenLine xmlns="" xmlns:a14="http://schemas.microsoft.com/office/drawing/2010/main" w="9525">
+                  <a14:hiddenLine xmlns:a14="http://schemas.microsoft.com/office/drawing/2010/main" xmlns="" w="9525">
                     <a:solidFill>
                       <a:srgbClr val="000000"/>
                     </a:solidFill>
@@ -10495,7 +10495,7 @@
               </a:ln>
               <a:extLst>
                 <a:ext uri="{91240B29-F687-4f45-9708-019B960494DF}">
-                  <a14:hiddenLine xmlns="" xmlns:a14="http://schemas.microsoft.com/office/drawing/2010/main" w="9525">
+                  <a14:hiddenLine xmlns:a14="http://schemas.microsoft.com/office/drawing/2010/main" xmlns="" w="9525">
                     <a:solidFill>
                       <a:srgbClr val="000000"/>
                     </a:solidFill>
@@ -10585,7 +10585,7 @@
               </a:ln>
               <a:extLst>
                 <a:ext uri="{91240B29-F687-4f45-9708-019B960494DF}">
-                  <a14:hiddenLine xmlns="" xmlns:a14="http://schemas.microsoft.com/office/drawing/2010/main" w="9525">
+                  <a14:hiddenLine xmlns:a14="http://schemas.microsoft.com/office/drawing/2010/main" xmlns="" w="9525">
                     <a:solidFill>
                       <a:srgbClr val="000000"/>
                     </a:solidFill>
@@ -10650,7 +10650,7 @@
               </a:ln>
               <a:extLst>
                 <a:ext uri="{91240B29-F687-4f45-9708-019B960494DF}">
-                  <a14:hiddenLine xmlns="" xmlns:a14="http://schemas.microsoft.com/office/drawing/2010/main" w="9525">
+                  <a14:hiddenLine xmlns:a14="http://schemas.microsoft.com/office/drawing/2010/main" xmlns="" w="9525">
                     <a:solidFill>
                       <a:srgbClr val="000000"/>
                     </a:solidFill>
@@ -10712,7 +10712,7 @@
               </a:ln>
               <a:extLst>
                 <a:ext uri="{91240B29-F687-4f45-9708-019B960494DF}">
-                  <a14:hiddenLine xmlns="" xmlns:a14="http://schemas.microsoft.com/office/drawing/2010/main" w="9525">
+                  <a14:hiddenLine xmlns:a14="http://schemas.microsoft.com/office/drawing/2010/main" xmlns="" w="9525">
                     <a:solidFill>
                       <a:srgbClr val="000000"/>
                     </a:solidFill>
@@ -10802,7 +10802,7 @@
               </a:ln>
               <a:extLst>
                 <a:ext uri="{91240B29-F687-4f45-9708-019B960494DF}">
-                  <a14:hiddenLine xmlns="" xmlns:a14="http://schemas.microsoft.com/office/drawing/2010/main" w="9525">
+                  <a14:hiddenLine xmlns:a14="http://schemas.microsoft.com/office/drawing/2010/main" xmlns="" w="9525">
                     <a:solidFill>
                       <a:srgbClr val="000000"/>
                     </a:solidFill>
@@ -10892,7 +10892,7 @@
               </a:ln>
               <a:extLst>
                 <a:ext uri="{91240B29-F687-4f45-9708-019B960494DF}">
-                  <a14:hiddenLine xmlns="" xmlns:a14="http://schemas.microsoft.com/office/drawing/2010/main" w="9525">
+                  <a14:hiddenLine xmlns:a14="http://schemas.microsoft.com/office/drawing/2010/main" xmlns="" w="9525">
                     <a:solidFill>
                       <a:srgbClr val="000000"/>
                     </a:solidFill>
@@ -10957,7 +10957,7 @@
               </a:ln>
               <a:extLst>
                 <a:ext uri="{91240B29-F687-4f45-9708-019B960494DF}">
-                  <a14:hiddenLine xmlns="" xmlns:a14="http://schemas.microsoft.com/office/drawing/2010/main" w="9525">
+                  <a14:hiddenLine xmlns:a14="http://schemas.microsoft.com/office/drawing/2010/main" xmlns="" w="9525">
                     <a:solidFill>
                       <a:srgbClr val="000000"/>
                     </a:solidFill>
@@ -11077,7 +11077,7 @@
               </a:ln>
               <a:extLst>
                 <a:ext uri="{91240B29-F687-4f45-9708-019B960494DF}">
-                  <a14:hiddenLine xmlns="" xmlns:a14="http://schemas.microsoft.com/office/drawing/2010/main" w="9525">
+                  <a14:hiddenLine xmlns:a14="http://schemas.microsoft.com/office/drawing/2010/main" xmlns="" w="9525">
                     <a:solidFill>
                       <a:srgbClr val="000000"/>
                     </a:solidFill>
@@ -11175,7 +11175,7 @@
               </a:ln>
               <a:extLst>
                 <a:ext uri="{91240B29-F687-4f45-9708-019B960494DF}">
-                  <a14:hiddenLine xmlns="" xmlns:a14="http://schemas.microsoft.com/office/drawing/2010/main" w="9525">
+                  <a14:hiddenLine xmlns:a14="http://schemas.microsoft.com/office/drawing/2010/main" xmlns="" w="9525">
                     <a:solidFill>
                       <a:srgbClr val="000000"/>
                     </a:solidFill>
@@ -11290,7 +11290,7 @@
               </a:ln>
               <a:extLst>
                 <a:ext uri="{91240B29-F687-4f45-9708-019B960494DF}">
-                  <a14:hiddenLine xmlns="" xmlns:a14="http://schemas.microsoft.com/office/drawing/2010/main" w="9525">
+                  <a14:hiddenLine xmlns:a14="http://schemas.microsoft.com/office/drawing/2010/main" xmlns="" w="9525">
                     <a:solidFill>
                       <a:srgbClr val="000000"/>
                     </a:solidFill>
@@ -11380,7 +11380,7 @@
               </a:ln>
               <a:extLst>
                 <a:ext uri="{91240B29-F687-4f45-9708-019B960494DF}">
-                  <a14:hiddenLine xmlns="" xmlns:a14="http://schemas.microsoft.com/office/drawing/2010/main" w="9525">
+                  <a14:hiddenLine xmlns:a14="http://schemas.microsoft.com/office/drawing/2010/main" xmlns="" w="9525">
                     <a:solidFill>
                       <a:srgbClr val="000000"/>
                     </a:solidFill>
@@ -11445,7 +11445,7 @@
               </a:ln>
               <a:extLst>
                 <a:ext uri="{91240B29-F687-4f45-9708-019B960494DF}">
-                  <a14:hiddenLine xmlns="" xmlns:a14="http://schemas.microsoft.com/office/drawing/2010/main" w="9525">
+                  <a14:hiddenLine xmlns:a14="http://schemas.microsoft.com/office/drawing/2010/main" xmlns="" w="9525">
                     <a:solidFill>
                       <a:srgbClr val="000000"/>
                     </a:solidFill>
@@ -11535,7 +11535,7 @@
               </a:ln>
               <a:extLst>
                 <a:ext uri="{91240B29-F687-4f45-9708-019B960494DF}">
-                  <a14:hiddenLine xmlns="" xmlns:a14="http://schemas.microsoft.com/office/drawing/2010/main" w="9525">
+                  <a14:hiddenLine xmlns:a14="http://schemas.microsoft.com/office/drawing/2010/main" xmlns="" w="9525">
                     <a:solidFill>
                       <a:srgbClr val="000000"/>
                     </a:solidFill>
@@ -11603,7 +11603,7 @@
               </a:ln>
               <a:extLst>
                 <a:ext uri="{91240B29-F687-4f45-9708-019B960494DF}">
-                  <a14:hiddenLine xmlns="" xmlns:a14="http://schemas.microsoft.com/office/drawing/2010/main" w="9525">
+                  <a14:hiddenLine xmlns:a14="http://schemas.microsoft.com/office/drawing/2010/main" xmlns="" w="9525">
                     <a:solidFill>
                       <a:srgbClr val="000000"/>
                     </a:solidFill>
@@ -11693,7 +11693,7 @@
               </a:ln>
               <a:extLst>
                 <a:ext uri="{91240B29-F687-4f45-9708-019B960494DF}">
-                  <a14:hiddenLine xmlns="" xmlns:a14="http://schemas.microsoft.com/office/drawing/2010/main" w="9525">
+                  <a14:hiddenLine xmlns:a14="http://schemas.microsoft.com/office/drawing/2010/main" xmlns="" w="9525">
                     <a:solidFill>
                       <a:srgbClr val="000000"/>
                     </a:solidFill>
@@ -11761,7 +11761,7 @@
               </a:ln>
               <a:extLst>
                 <a:ext uri="{91240B29-F687-4f45-9708-019B960494DF}">
-                  <a14:hiddenLine xmlns="" xmlns:a14="http://schemas.microsoft.com/office/drawing/2010/main" w="9525">
+                  <a14:hiddenLine xmlns:a14="http://schemas.microsoft.com/office/drawing/2010/main" xmlns="" w="9525">
                     <a:solidFill>
                       <a:srgbClr val="000000"/>
                     </a:solidFill>
@@ -11851,7 +11851,7 @@
               </a:ln>
               <a:extLst>
                 <a:ext uri="{91240B29-F687-4f45-9708-019B960494DF}">
-                  <a14:hiddenLine xmlns="" xmlns:a14="http://schemas.microsoft.com/office/drawing/2010/main" w="9525">
+                  <a14:hiddenLine xmlns:a14="http://schemas.microsoft.com/office/drawing/2010/main" xmlns="" w="9525">
                     <a:solidFill>
                       <a:srgbClr val="000000"/>
                     </a:solidFill>
@@ -11885,7 +11885,7 @@
               </a:ln>
               <a:extLst>
                 <a:ext uri="{91240B29-F687-4f45-9708-019B960494DF}">
-                  <a14:hiddenLine xmlns="" xmlns:a14="http://schemas.microsoft.com/office/drawing/2010/main" w="9525">
+                  <a14:hiddenLine xmlns:a14="http://schemas.microsoft.com/office/drawing/2010/main" xmlns="" w="9525">
                     <a:solidFill>
                       <a:srgbClr val="000000"/>
                     </a:solidFill>
@@ -13170,8 +13170,8 @@
         </p:blipFill>
         <p:spPr>
           <a:xfrm>
-            <a:off x="2482700" y="2339976"/>
-            <a:ext cx="7223424" cy="3908425"/>
+            <a:off x="1589989" y="2375412"/>
+            <a:ext cx="6318400" cy="3418738"/>
           </a:xfrm>
           <a:prstGeom prst="rect">
             <a:avLst/>
@@ -13221,6 +13221,30 @@
           </a:p>
         </p:txBody>
       </p:sp>
+      <p:pic>
+        <p:nvPicPr>
+          <p:cNvPr id="4" name="Image 3"/>
+          <p:cNvPicPr>
+            <a:picLocks noChangeAspect="1"/>
+          </p:cNvPicPr>
+          <p:nvPr/>
+        </p:nvPicPr>
+        <p:blipFill>
+          <a:blip r:embed="rId3"/>
+          <a:stretch>
+            <a:fillRect/>
+          </a:stretch>
+        </p:blipFill>
+        <p:spPr>
+          <a:xfrm>
+            <a:off x="8152676" y="2375412"/>
+            <a:ext cx="2448393" cy="869180"/>
+          </a:xfrm>
+          <a:prstGeom prst="rect">
+            <a:avLst/>
+          </a:prstGeom>
+        </p:spPr>
+      </p:pic>
     </p:spTree>
     <p:extLst>
       <p:ext uri="{BB962C8B-B14F-4D97-AF65-F5344CB8AC3E}">

--- a/docs/virus306_presentation.pptx
+++ b/docs/virus306_presentation.pptx
@@ -9,9 +9,9 @@
     <p:sldId id="257" r:id="rId3"/>
     <p:sldId id="258" r:id="rId4"/>
     <p:sldId id="259" r:id="rId5"/>
-    <p:sldId id="260" r:id="rId6"/>
+    <p:sldId id="265" r:id="rId6"/>
     <p:sldId id="264" r:id="rId7"/>
-    <p:sldId id="265" r:id="rId8"/>
+    <p:sldId id="260" r:id="rId8"/>
     <p:sldId id="261" r:id="rId9"/>
     <p:sldId id="262" r:id="rId10"/>
     <p:sldId id="263" r:id="rId11"/>
@@ -171,7 +171,7 @@
           <a:noFill/>
           <a:extLst>
             <a:ext uri="{909E8E84-426E-40dd-AFC4-6F175D3DCCD1}">
-              <a14:hiddenFill xmlns:a14="http://schemas.microsoft.com/office/drawing/2010/main" xmlns="">
+              <a14:hiddenFill xmlns="" xmlns:a14="http://schemas.microsoft.com/office/drawing/2010/main">
                 <a:solidFill>
                   <a:srgbClr val="FFFFFF"/>
                 </a:solidFill>
@@ -231,7 +231,7 @@
             </a:ln>
             <a:extLst>
               <a:ext uri="{91240B29-F687-4f45-9708-019B960494DF}">
-                <a14:hiddenLine xmlns:a14="http://schemas.microsoft.com/office/drawing/2010/main" xmlns="" w="9525">
+                <a14:hiddenLine xmlns="" xmlns:a14="http://schemas.microsoft.com/office/drawing/2010/main" w="9525">
                   <a:solidFill>
                     <a:srgbClr val="000000"/>
                   </a:solidFill>
@@ -321,7 +321,7 @@
             </a:ln>
             <a:extLst>
               <a:ext uri="{91240B29-F687-4f45-9708-019B960494DF}">
-                <a14:hiddenLine xmlns:a14="http://schemas.microsoft.com/office/drawing/2010/main" xmlns="" w="9525">
+                <a14:hiddenLine xmlns="" xmlns:a14="http://schemas.microsoft.com/office/drawing/2010/main" w="9525">
                   <a:solidFill>
                     <a:srgbClr val="000000"/>
                   </a:solidFill>
@@ -411,7 +411,7 @@
             </a:ln>
             <a:extLst>
               <a:ext uri="{91240B29-F687-4f45-9708-019B960494DF}">
-                <a14:hiddenLine xmlns:a14="http://schemas.microsoft.com/office/drawing/2010/main" xmlns="" w="9525">
+                <a14:hiddenLine xmlns="" xmlns:a14="http://schemas.microsoft.com/office/drawing/2010/main" w="9525">
                   <a:solidFill>
                     <a:srgbClr val="000000"/>
                   </a:solidFill>
@@ -445,7 +445,7 @@
             </a:ln>
             <a:extLst>
               <a:ext uri="{91240B29-F687-4f45-9708-019B960494DF}">
-                <a14:hiddenLine xmlns:a14="http://schemas.microsoft.com/office/drawing/2010/main" xmlns="" w="9525">
+                <a14:hiddenLine xmlns="" xmlns:a14="http://schemas.microsoft.com/office/drawing/2010/main" w="9525">
                   <a:solidFill>
                     <a:srgbClr val="000000"/>
                   </a:solidFill>
@@ -535,7 +535,7 @@
             </a:ln>
             <a:extLst>
               <a:ext uri="{91240B29-F687-4f45-9708-019B960494DF}">
-                <a14:hiddenLine xmlns:a14="http://schemas.microsoft.com/office/drawing/2010/main" xmlns="" w="9525">
+                <a14:hiddenLine xmlns="" xmlns:a14="http://schemas.microsoft.com/office/drawing/2010/main" w="9525">
                   <a:solidFill>
                     <a:srgbClr val="000000"/>
                   </a:solidFill>
@@ -597,7 +597,7 @@
             </a:ln>
             <a:extLst>
               <a:ext uri="{91240B29-F687-4f45-9708-019B960494DF}">
-                <a14:hiddenLine xmlns:a14="http://schemas.microsoft.com/office/drawing/2010/main" xmlns="" w="9525">
+                <a14:hiddenLine xmlns="" xmlns:a14="http://schemas.microsoft.com/office/drawing/2010/main" w="9525">
                   <a:solidFill>
                     <a:srgbClr val="000000"/>
                   </a:solidFill>
@@ -659,7 +659,7 @@
             </a:ln>
             <a:extLst>
               <a:ext uri="{91240B29-F687-4f45-9708-019B960494DF}">
-                <a14:hiddenLine xmlns:a14="http://schemas.microsoft.com/office/drawing/2010/main" xmlns="" w="9525">
+                <a14:hiddenLine xmlns="" xmlns:a14="http://schemas.microsoft.com/office/drawing/2010/main" w="9525">
                   <a:solidFill>
                     <a:srgbClr val="000000"/>
                   </a:solidFill>
@@ -749,7 +749,7 @@
             </a:ln>
             <a:extLst>
               <a:ext uri="{91240B29-F687-4f45-9708-019B960494DF}">
-                <a14:hiddenLine xmlns:a14="http://schemas.microsoft.com/office/drawing/2010/main" xmlns="" w="9525">
+                <a14:hiddenLine xmlns="" xmlns:a14="http://schemas.microsoft.com/office/drawing/2010/main" w="9525">
                   <a:solidFill>
                     <a:srgbClr val="000000"/>
                   </a:solidFill>
@@ -811,7 +811,7 @@
             </a:ln>
             <a:extLst>
               <a:ext uri="{91240B29-F687-4f45-9708-019B960494DF}">
-                <a14:hiddenLine xmlns:a14="http://schemas.microsoft.com/office/drawing/2010/main" xmlns="" w="9525">
+                <a14:hiddenLine xmlns="" xmlns:a14="http://schemas.microsoft.com/office/drawing/2010/main" w="9525">
                   <a:solidFill>
                     <a:srgbClr val="000000"/>
                   </a:solidFill>
@@ -873,7 +873,7 @@
             </a:ln>
             <a:extLst>
               <a:ext uri="{91240B29-F687-4f45-9708-019B960494DF}">
-                <a14:hiddenLine xmlns:a14="http://schemas.microsoft.com/office/drawing/2010/main" xmlns="" w="9525">
+                <a14:hiddenLine xmlns="" xmlns:a14="http://schemas.microsoft.com/office/drawing/2010/main" w="9525">
                   <a:solidFill>
                     <a:srgbClr val="000000"/>
                   </a:solidFill>
@@ -963,7 +963,7 @@
             </a:ln>
             <a:extLst>
               <a:ext uri="{91240B29-F687-4f45-9708-019B960494DF}">
-                <a14:hiddenLine xmlns:a14="http://schemas.microsoft.com/office/drawing/2010/main" xmlns="" w="9525">
+                <a14:hiddenLine xmlns="" xmlns:a14="http://schemas.microsoft.com/office/drawing/2010/main" w="9525">
                   <a:solidFill>
                     <a:srgbClr val="000000"/>
                   </a:solidFill>
@@ -1053,7 +1053,7 @@
             </a:ln>
             <a:extLst>
               <a:ext uri="{91240B29-F687-4f45-9708-019B960494DF}">
-                <a14:hiddenLine xmlns:a14="http://schemas.microsoft.com/office/drawing/2010/main" xmlns="" w="9525">
+                <a14:hiddenLine xmlns="" xmlns:a14="http://schemas.microsoft.com/office/drawing/2010/main" w="9525">
                   <a:solidFill>
                     <a:srgbClr val="000000"/>
                   </a:solidFill>
@@ -1115,7 +1115,7 @@
             </a:ln>
             <a:extLst>
               <a:ext uri="{91240B29-F687-4f45-9708-019B960494DF}">
-                <a14:hiddenLine xmlns:a14="http://schemas.microsoft.com/office/drawing/2010/main" xmlns="" w="9525">
+                <a14:hiddenLine xmlns="" xmlns:a14="http://schemas.microsoft.com/office/drawing/2010/main" w="9525">
                   <a:solidFill>
                     <a:srgbClr val="000000"/>
                   </a:solidFill>
@@ -1225,7 +1225,7 @@
             </a:ln>
             <a:extLst>
               <a:ext uri="{91240B29-F687-4f45-9708-019B960494DF}">
-                <a14:hiddenLine xmlns:a14="http://schemas.microsoft.com/office/drawing/2010/main" xmlns="" w="9525">
+                <a14:hiddenLine xmlns="" xmlns:a14="http://schemas.microsoft.com/office/drawing/2010/main" w="9525">
                   <a:solidFill>
                     <a:srgbClr val="000000"/>
                   </a:solidFill>
@@ -1287,7 +1287,7 @@
             </a:ln>
             <a:extLst>
               <a:ext uri="{91240B29-F687-4f45-9708-019B960494DF}">
-                <a14:hiddenLine xmlns:a14="http://schemas.microsoft.com/office/drawing/2010/main" xmlns="" w="9525">
+                <a14:hiddenLine xmlns="" xmlns:a14="http://schemas.microsoft.com/office/drawing/2010/main" w="9525">
                   <a:solidFill>
                     <a:srgbClr val="000000"/>
                   </a:solidFill>
@@ -1377,7 +1377,7 @@
             </a:ln>
             <a:extLst>
               <a:ext uri="{91240B29-F687-4f45-9708-019B960494DF}">
-                <a14:hiddenLine xmlns:a14="http://schemas.microsoft.com/office/drawing/2010/main" xmlns="" w="9525">
+                <a14:hiddenLine xmlns="" xmlns:a14="http://schemas.microsoft.com/office/drawing/2010/main" w="9525">
                   <a:solidFill>
                     <a:srgbClr val="000000"/>
                   </a:solidFill>
@@ -1467,7 +1467,7 @@
             </a:ln>
             <a:extLst>
               <a:ext uri="{91240B29-F687-4f45-9708-019B960494DF}">
-                <a14:hiddenLine xmlns:a14="http://schemas.microsoft.com/office/drawing/2010/main" xmlns="" w="9525">
+                <a14:hiddenLine xmlns="" xmlns:a14="http://schemas.microsoft.com/office/drawing/2010/main" w="9525">
                   <a:solidFill>
                     <a:srgbClr val="000000"/>
                   </a:solidFill>
@@ -1529,7 +1529,7 @@
             </a:ln>
             <a:extLst>
               <a:ext uri="{91240B29-F687-4f45-9708-019B960494DF}">
-                <a14:hiddenLine xmlns:a14="http://schemas.microsoft.com/office/drawing/2010/main" xmlns="" w="9525">
+                <a14:hiddenLine xmlns="" xmlns:a14="http://schemas.microsoft.com/office/drawing/2010/main" w="9525">
                   <a:solidFill>
                     <a:srgbClr val="000000"/>
                   </a:solidFill>
@@ -1619,7 +1619,7 @@
             </a:ln>
             <a:extLst>
               <a:ext uri="{91240B29-F687-4f45-9708-019B960494DF}">
-                <a14:hiddenLine xmlns:a14="http://schemas.microsoft.com/office/drawing/2010/main" xmlns="" w="9525">
+                <a14:hiddenLine xmlns="" xmlns:a14="http://schemas.microsoft.com/office/drawing/2010/main" w="9525">
                   <a:solidFill>
                     <a:srgbClr val="000000"/>
                   </a:solidFill>
@@ -1709,7 +1709,7 @@
             </a:ln>
             <a:extLst>
               <a:ext uri="{91240B29-F687-4f45-9708-019B960494DF}">
-                <a14:hiddenLine xmlns:a14="http://schemas.microsoft.com/office/drawing/2010/main" xmlns="" w="9525">
+                <a14:hiddenLine xmlns="" xmlns:a14="http://schemas.microsoft.com/office/drawing/2010/main" w="9525">
                   <a:solidFill>
                     <a:srgbClr val="000000"/>
                   </a:solidFill>
@@ -1765,7 +1765,7 @@
             </a:ln>
             <a:extLst>
               <a:ext uri="{91240B29-F687-4f45-9708-019B960494DF}">
-                <a14:hiddenLine xmlns:a14="http://schemas.microsoft.com/office/drawing/2010/main" xmlns="" w="9525">
+                <a14:hiddenLine xmlns="" xmlns:a14="http://schemas.microsoft.com/office/drawing/2010/main" w="9525">
                   <a:solidFill>
                     <a:srgbClr val="000000"/>
                   </a:solidFill>
@@ -1855,7 +1855,7 @@
             </a:ln>
             <a:extLst>
               <a:ext uri="{91240B29-F687-4f45-9708-019B960494DF}">
-                <a14:hiddenLine xmlns:a14="http://schemas.microsoft.com/office/drawing/2010/main" xmlns="" w="9525">
+                <a14:hiddenLine xmlns="" xmlns:a14="http://schemas.microsoft.com/office/drawing/2010/main" w="9525">
                   <a:solidFill>
                     <a:srgbClr val="000000"/>
                   </a:solidFill>
@@ -1911,7 +1911,7 @@
             </a:ln>
             <a:extLst>
               <a:ext uri="{91240B29-F687-4f45-9708-019B960494DF}">
-                <a14:hiddenLine xmlns:a14="http://schemas.microsoft.com/office/drawing/2010/main" xmlns="" w="9525">
+                <a14:hiddenLine xmlns="" xmlns:a14="http://schemas.microsoft.com/office/drawing/2010/main" w="9525">
                   <a:solidFill>
                     <a:srgbClr val="000000"/>
                   </a:solidFill>
@@ -2001,7 +2001,7 @@
             </a:ln>
             <a:extLst>
               <a:ext uri="{91240B29-F687-4f45-9708-019B960494DF}">
-                <a14:hiddenLine xmlns:a14="http://schemas.microsoft.com/office/drawing/2010/main" xmlns="" w="9525">
+                <a14:hiddenLine xmlns="" xmlns:a14="http://schemas.microsoft.com/office/drawing/2010/main" w="9525">
                   <a:solidFill>
                     <a:srgbClr val="000000"/>
                   </a:solidFill>
@@ -2069,7 +2069,7 @@
             </a:ln>
             <a:extLst>
               <a:ext uri="{91240B29-F687-4f45-9708-019B960494DF}">
-                <a14:hiddenLine xmlns:a14="http://schemas.microsoft.com/office/drawing/2010/main" xmlns="" w="9525">
+                <a14:hiddenLine xmlns="" xmlns:a14="http://schemas.microsoft.com/office/drawing/2010/main" w="9525">
                   <a:solidFill>
                     <a:srgbClr val="000000"/>
                   </a:solidFill>
@@ -2159,7 +2159,7 @@
             </a:ln>
             <a:extLst>
               <a:ext uri="{91240B29-F687-4f45-9708-019B960494DF}">
-                <a14:hiddenLine xmlns:a14="http://schemas.microsoft.com/office/drawing/2010/main" xmlns="" w="9525">
+                <a14:hiddenLine xmlns="" xmlns:a14="http://schemas.microsoft.com/office/drawing/2010/main" w="9525">
                   <a:solidFill>
                     <a:srgbClr val="000000"/>
                   </a:solidFill>
@@ -2227,7 +2227,7 @@
             </a:ln>
             <a:extLst>
               <a:ext uri="{91240B29-F687-4f45-9708-019B960494DF}">
-                <a14:hiddenLine xmlns:a14="http://schemas.microsoft.com/office/drawing/2010/main" xmlns="" w="9525">
+                <a14:hiddenLine xmlns="" xmlns:a14="http://schemas.microsoft.com/office/drawing/2010/main" w="9525">
                   <a:solidFill>
                     <a:srgbClr val="000000"/>
                   </a:solidFill>
@@ -2317,7 +2317,7 @@
             </a:ln>
             <a:extLst>
               <a:ext uri="{91240B29-F687-4f45-9708-019B960494DF}">
-                <a14:hiddenLine xmlns:a14="http://schemas.microsoft.com/office/drawing/2010/main" xmlns="" w="9525">
+                <a14:hiddenLine xmlns="" xmlns:a14="http://schemas.microsoft.com/office/drawing/2010/main" w="9525">
                   <a:solidFill>
                     <a:srgbClr val="000000"/>
                   </a:solidFill>
@@ -2351,7 +2351,7 @@
             </a:ln>
             <a:extLst>
               <a:ext uri="{91240B29-F687-4f45-9708-019B960494DF}">
-                <a14:hiddenLine xmlns:a14="http://schemas.microsoft.com/office/drawing/2010/main" xmlns="" w="9525">
+                <a14:hiddenLine xmlns="" xmlns:a14="http://schemas.microsoft.com/office/drawing/2010/main" w="9525">
                   <a:solidFill>
                     <a:srgbClr val="000000"/>
                   </a:solidFill>
@@ -2441,7 +2441,7 @@
             </a:ln>
             <a:extLst>
               <a:ext uri="{91240B29-F687-4f45-9708-019B960494DF}">
-                <a14:hiddenLine xmlns:a14="http://schemas.microsoft.com/office/drawing/2010/main" xmlns="" w="9525">
+                <a14:hiddenLine xmlns="" xmlns:a14="http://schemas.microsoft.com/office/drawing/2010/main" w="9525">
                   <a:solidFill>
                     <a:srgbClr val="000000"/>
                   </a:solidFill>
@@ -2503,7 +2503,7 @@
             </a:ln>
             <a:extLst>
               <a:ext uri="{91240B29-F687-4f45-9708-019B960494DF}">
-                <a14:hiddenLine xmlns:a14="http://schemas.microsoft.com/office/drawing/2010/main" xmlns="" w="9525">
+                <a14:hiddenLine xmlns="" xmlns:a14="http://schemas.microsoft.com/office/drawing/2010/main" w="9525">
                   <a:solidFill>
                     <a:srgbClr val="000000"/>
                   </a:solidFill>
@@ -2565,7 +2565,7 @@
             </a:ln>
             <a:extLst>
               <a:ext uri="{91240B29-F687-4f45-9708-019B960494DF}">
-                <a14:hiddenLine xmlns:a14="http://schemas.microsoft.com/office/drawing/2010/main" xmlns="" w="9525">
+                <a14:hiddenLine xmlns="" xmlns:a14="http://schemas.microsoft.com/office/drawing/2010/main" w="9525">
                   <a:solidFill>
                     <a:srgbClr val="000000"/>
                   </a:solidFill>
@@ -2655,7 +2655,7 @@
             </a:ln>
             <a:extLst>
               <a:ext uri="{91240B29-F687-4f45-9708-019B960494DF}">
-                <a14:hiddenLine xmlns:a14="http://schemas.microsoft.com/office/drawing/2010/main" xmlns="" w="9525">
+                <a14:hiddenLine xmlns="" xmlns:a14="http://schemas.microsoft.com/office/drawing/2010/main" w="9525">
                   <a:solidFill>
                     <a:srgbClr val="000000"/>
                   </a:solidFill>
@@ -2723,7 +2723,7 @@
             </a:ln>
             <a:extLst>
               <a:ext uri="{91240B29-F687-4f45-9708-019B960494DF}">
-                <a14:hiddenLine xmlns:a14="http://schemas.microsoft.com/office/drawing/2010/main" xmlns="" w="9525">
+                <a14:hiddenLine xmlns="" xmlns:a14="http://schemas.microsoft.com/office/drawing/2010/main" w="9525">
                   <a:solidFill>
                     <a:srgbClr val="000000"/>
                   </a:solidFill>
@@ -2785,7 +2785,7 @@
             </a:ln>
             <a:extLst>
               <a:ext uri="{91240B29-F687-4f45-9708-019B960494DF}">
-                <a14:hiddenLine xmlns:a14="http://schemas.microsoft.com/office/drawing/2010/main" xmlns="" w="9525">
+                <a14:hiddenLine xmlns="" xmlns:a14="http://schemas.microsoft.com/office/drawing/2010/main" w="9525">
                   <a:solidFill>
                     <a:srgbClr val="000000"/>
                   </a:solidFill>
@@ -2875,7 +2875,7 @@
             </a:ln>
             <a:extLst>
               <a:ext uri="{91240B29-F687-4f45-9708-019B960494DF}">
-                <a14:hiddenLine xmlns:a14="http://schemas.microsoft.com/office/drawing/2010/main" xmlns="" w="9525">
+                <a14:hiddenLine xmlns="" xmlns:a14="http://schemas.microsoft.com/office/drawing/2010/main" w="9525">
                   <a:solidFill>
                     <a:srgbClr val="000000"/>
                   </a:solidFill>
@@ -2937,7 +2937,7 @@
             </a:ln>
             <a:extLst>
               <a:ext uri="{91240B29-F687-4f45-9708-019B960494DF}">
-                <a14:hiddenLine xmlns:a14="http://schemas.microsoft.com/office/drawing/2010/main" xmlns="" w="9525">
+                <a14:hiddenLine xmlns="" xmlns:a14="http://schemas.microsoft.com/office/drawing/2010/main" w="9525">
                   <a:solidFill>
                     <a:srgbClr val="000000"/>
                   </a:solidFill>
@@ -3027,7 +3027,7 @@
             </a:ln>
             <a:extLst>
               <a:ext uri="{91240B29-F687-4f45-9708-019B960494DF}">
-                <a14:hiddenLine xmlns:a14="http://schemas.microsoft.com/office/drawing/2010/main" xmlns="" w="9525">
+                <a14:hiddenLine xmlns="" xmlns:a14="http://schemas.microsoft.com/office/drawing/2010/main" w="9525">
                   <a:solidFill>
                     <a:srgbClr val="000000"/>
                   </a:solidFill>
@@ -3089,7 +3089,7 @@
             </a:ln>
             <a:extLst>
               <a:ext uri="{91240B29-F687-4f45-9708-019B960494DF}">
-                <a14:hiddenLine xmlns:a14="http://schemas.microsoft.com/office/drawing/2010/main" xmlns="" w="9525">
+                <a14:hiddenLine xmlns="" xmlns:a14="http://schemas.microsoft.com/office/drawing/2010/main" w="9525">
                   <a:solidFill>
                     <a:srgbClr val="000000"/>
                   </a:solidFill>
@@ -3179,7 +3179,7 @@
             </a:ln>
             <a:extLst>
               <a:ext uri="{91240B29-F687-4f45-9708-019B960494DF}">
-                <a14:hiddenLine xmlns:a14="http://schemas.microsoft.com/office/drawing/2010/main" xmlns="" w="9525">
+                <a14:hiddenLine xmlns="" xmlns:a14="http://schemas.microsoft.com/office/drawing/2010/main" w="9525">
                   <a:solidFill>
                     <a:srgbClr val="000000"/>
                   </a:solidFill>
@@ -3213,7 +3213,7 @@
             </a:ln>
             <a:extLst>
               <a:ext uri="{91240B29-F687-4f45-9708-019B960494DF}">
-                <a14:hiddenLine xmlns:a14="http://schemas.microsoft.com/office/drawing/2010/main" xmlns="" w="9525">
+                <a14:hiddenLine xmlns="" xmlns:a14="http://schemas.microsoft.com/office/drawing/2010/main" w="9525">
                   <a:solidFill>
                     <a:srgbClr val="000000"/>
                   </a:solidFill>
@@ -3278,7 +3278,7 @@
             </a:ln>
             <a:extLst>
               <a:ext uri="{91240B29-F687-4f45-9708-019B960494DF}">
-                <a14:hiddenLine xmlns:a14="http://schemas.microsoft.com/office/drawing/2010/main" xmlns="" w="9525">
+                <a14:hiddenLine xmlns="" xmlns:a14="http://schemas.microsoft.com/office/drawing/2010/main" w="9525">
                   <a:solidFill>
                     <a:srgbClr val="000000"/>
                   </a:solidFill>
@@ -3368,7 +3368,7 @@
             </a:ln>
             <a:extLst>
               <a:ext uri="{91240B29-F687-4f45-9708-019B960494DF}">
-                <a14:hiddenLine xmlns:a14="http://schemas.microsoft.com/office/drawing/2010/main" xmlns="" w="9525">
+                <a14:hiddenLine xmlns="" xmlns:a14="http://schemas.microsoft.com/office/drawing/2010/main" w="9525">
                   <a:solidFill>
                     <a:srgbClr val="000000"/>
                   </a:solidFill>
@@ -3430,7 +3430,7 @@
             </a:ln>
             <a:extLst>
               <a:ext uri="{91240B29-F687-4f45-9708-019B960494DF}">
-                <a14:hiddenLine xmlns:a14="http://schemas.microsoft.com/office/drawing/2010/main" xmlns="" w="9525">
+                <a14:hiddenLine xmlns="" xmlns:a14="http://schemas.microsoft.com/office/drawing/2010/main" w="9525">
                   <a:solidFill>
                     <a:srgbClr val="000000"/>
                   </a:solidFill>
@@ -3520,7 +3520,7 @@
             </a:ln>
             <a:extLst>
               <a:ext uri="{91240B29-F687-4f45-9708-019B960494DF}">
-                <a14:hiddenLine xmlns:a14="http://schemas.microsoft.com/office/drawing/2010/main" xmlns="" w="9525">
+                <a14:hiddenLine xmlns="" xmlns:a14="http://schemas.microsoft.com/office/drawing/2010/main" w="9525">
                   <a:solidFill>
                     <a:srgbClr val="000000"/>
                   </a:solidFill>
@@ -3610,7 +3610,7 @@
             </a:ln>
             <a:extLst>
               <a:ext uri="{91240B29-F687-4f45-9708-019B960494DF}">
-                <a14:hiddenLine xmlns:a14="http://schemas.microsoft.com/office/drawing/2010/main" xmlns="" w="9525">
+                <a14:hiddenLine xmlns="" xmlns:a14="http://schemas.microsoft.com/office/drawing/2010/main" w="9525">
                   <a:solidFill>
                     <a:srgbClr val="000000"/>
                   </a:solidFill>
@@ -3675,7 +3675,7 @@
             </a:ln>
             <a:extLst>
               <a:ext uri="{91240B29-F687-4f45-9708-019B960494DF}">
-                <a14:hiddenLine xmlns:a14="http://schemas.microsoft.com/office/drawing/2010/main" xmlns="" w="9525">
+                <a14:hiddenLine xmlns="" xmlns:a14="http://schemas.microsoft.com/office/drawing/2010/main" w="9525">
                   <a:solidFill>
                     <a:srgbClr val="000000"/>
                   </a:solidFill>
@@ -3737,7 +3737,7 @@
             </a:ln>
             <a:extLst>
               <a:ext uri="{91240B29-F687-4f45-9708-019B960494DF}">
-                <a14:hiddenLine xmlns:a14="http://schemas.microsoft.com/office/drawing/2010/main" xmlns="" w="9525">
+                <a14:hiddenLine xmlns="" xmlns:a14="http://schemas.microsoft.com/office/drawing/2010/main" w="9525">
                   <a:solidFill>
                     <a:srgbClr val="000000"/>
                   </a:solidFill>
@@ -3827,7 +3827,7 @@
             </a:ln>
             <a:extLst>
               <a:ext uri="{91240B29-F687-4f45-9708-019B960494DF}">
-                <a14:hiddenLine xmlns:a14="http://schemas.microsoft.com/office/drawing/2010/main" xmlns="" w="9525">
+                <a14:hiddenLine xmlns="" xmlns:a14="http://schemas.microsoft.com/office/drawing/2010/main" w="9525">
                   <a:solidFill>
                     <a:srgbClr val="000000"/>
                   </a:solidFill>
@@ -3917,7 +3917,7 @@
             </a:ln>
             <a:extLst>
               <a:ext uri="{91240B29-F687-4f45-9708-019B960494DF}">
-                <a14:hiddenLine xmlns:a14="http://schemas.microsoft.com/office/drawing/2010/main" xmlns="" w="9525">
+                <a14:hiddenLine xmlns="" xmlns:a14="http://schemas.microsoft.com/office/drawing/2010/main" w="9525">
                   <a:solidFill>
                     <a:srgbClr val="000000"/>
                   </a:solidFill>
@@ -3979,7 +3979,7 @@
             </a:ln>
             <a:extLst>
               <a:ext uri="{91240B29-F687-4f45-9708-019B960494DF}">
-                <a14:hiddenLine xmlns:a14="http://schemas.microsoft.com/office/drawing/2010/main" xmlns="" w="9525">
+                <a14:hiddenLine xmlns="" xmlns:a14="http://schemas.microsoft.com/office/drawing/2010/main" w="9525">
                   <a:solidFill>
                     <a:srgbClr val="000000"/>
                   </a:solidFill>
@@ -4099,7 +4099,7 @@
             </a:ln>
             <a:extLst>
               <a:ext uri="{91240B29-F687-4f45-9708-019B960494DF}">
-                <a14:hiddenLine xmlns:a14="http://schemas.microsoft.com/office/drawing/2010/main" xmlns="" w="9525">
+                <a14:hiddenLine xmlns="" xmlns:a14="http://schemas.microsoft.com/office/drawing/2010/main" w="9525">
                   <a:solidFill>
                     <a:srgbClr val="000000"/>
                   </a:solidFill>
@@ -4167,7 +4167,7 @@
             </a:ln>
             <a:extLst>
               <a:ext uri="{91240B29-F687-4f45-9708-019B960494DF}">
-                <a14:hiddenLine xmlns:a14="http://schemas.microsoft.com/office/drawing/2010/main" xmlns="" w="9525">
+                <a14:hiddenLine xmlns="" xmlns:a14="http://schemas.microsoft.com/office/drawing/2010/main" w="9525">
                   <a:solidFill>
                     <a:srgbClr val="000000"/>
                   </a:solidFill>
@@ -4257,7 +4257,7 @@
             </a:ln>
             <a:extLst>
               <a:ext uri="{91240B29-F687-4f45-9708-019B960494DF}">
-                <a14:hiddenLine xmlns:a14="http://schemas.microsoft.com/office/drawing/2010/main" xmlns="" w="9525">
+                <a14:hiddenLine xmlns="" xmlns:a14="http://schemas.microsoft.com/office/drawing/2010/main" w="9525">
                   <a:solidFill>
                     <a:srgbClr val="000000"/>
                   </a:solidFill>
@@ -9064,7 +9064,7 @@
           <a:noFill/>
           <a:extLst>
             <a:ext uri="{909E8E84-426E-40dd-AFC4-6F175D3DCCD1}">
-              <a14:hiddenFill xmlns:a14="http://schemas.microsoft.com/office/drawing/2010/main" xmlns="">
+              <a14:hiddenFill xmlns="" xmlns:a14="http://schemas.microsoft.com/office/drawing/2010/main">
                 <a:solidFill>
                   <a:srgbClr val="FFFFFF"/>
                 </a:solidFill>
@@ -9138,7 +9138,7 @@
               </a:ln>
               <a:extLst>
                 <a:ext uri="{91240B29-F687-4f45-9708-019B960494DF}">
-                  <a14:hiddenLine xmlns:a14="http://schemas.microsoft.com/office/drawing/2010/main" xmlns="" w="9525">
+                  <a14:hiddenLine xmlns="" xmlns:a14="http://schemas.microsoft.com/office/drawing/2010/main" w="9525">
                     <a:solidFill>
                       <a:srgbClr val="000000"/>
                     </a:solidFill>
@@ -9228,7 +9228,7 @@
               </a:ln>
               <a:extLst>
                 <a:ext uri="{91240B29-F687-4f45-9708-019B960494DF}">
-                  <a14:hiddenLine xmlns:a14="http://schemas.microsoft.com/office/drawing/2010/main" xmlns="" w="9525">
+                  <a14:hiddenLine xmlns="" xmlns:a14="http://schemas.microsoft.com/office/drawing/2010/main" w="9525">
                     <a:solidFill>
                       <a:srgbClr val="000000"/>
                     </a:solidFill>
@@ -9318,7 +9318,7 @@
               </a:ln>
               <a:extLst>
                 <a:ext uri="{91240B29-F687-4f45-9708-019B960494DF}">
-                  <a14:hiddenLine xmlns:a14="http://schemas.microsoft.com/office/drawing/2010/main" xmlns="" w="9525">
+                  <a14:hiddenLine xmlns="" xmlns:a14="http://schemas.microsoft.com/office/drawing/2010/main" w="9525">
                     <a:solidFill>
                       <a:srgbClr val="000000"/>
                     </a:solidFill>
@@ -9380,7 +9380,7 @@
               </a:ln>
               <a:extLst>
                 <a:ext uri="{91240B29-F687-4f45-9708-019B960494DF}">
-                  <a14:hiddenLine xmlns:a14="http://schemas.microsoft.com/office/drawing/2010/main" xmlns="" w="9525">
+                  <a14:hiddenLine xmlns="" xmlns:a14="http://schemas.microsoft.com/office/drawing/2010/main" w="9525">
                     <a:solidFill>
                       <a:srgbClr val="000000"/>
                     </a:solidFill>
@@ -9470,7 +9470,7 @@
               </a:ln>
               <a:extLst>
                 <a:ext uri="{91240B29-F687-4f45-9708-019B960494DF}">
-                  <a14:hiddenLine xmlns:a14="http://schemas.microsoft.com/office/drawing/2010/main" xmlns="" w="9525">
+                  <a14:hiddenLine xmlns="" xmlns:a14="http://schemas.microsoft.com/office/drawing/2010/main" w="9525">
                     <a:solidFill>
                       <a:srgbClr val="000000"/>
                     </a:solidFill>
@@ -9532,7 +9532,7 @@
               </a:ln>
               <a:extLst>
                 <a:ext uri="{91240B29-F687-4f45-9708-019B960494DF}">
-                  <a14:hiddenLine xmlns:a14="http://schemas.microsoft.com/office/drawing/2010/main" xmlns="" w="9525">
+                  <a14:hiddenLine xmlns="" xmlns:a14="http://schemas.microsoft.com/office/drawing/2010/main" w="9525">
                     <a:solidFill>
                       <a:srgbClr val="000000"/>
                     </a:solidFill>
@@ -9594,7 +9594,7 @@
               </a:ln>
               <a:extLst>
                 <a:ext uri="{91240B29-F687-4f45-9708-019B960494DF}">
-                  <a14:hiddenLine xmlns:a14="http://schemas.microsoft.com/office/drawing/2010/main" xmlns="" w="9525">
+                  <a14:hiddenLine xmlns="" xmlns:a14="http://schemas.microsoft.com/office/drawing/2010/main" w="9525">
                     <a:solidFill>
                       <a:srgbClr val="000000"/>
                     </a:solidFill>
@@ -9684,7 +9684,7 @@
               </a:ln>
               <a:extLst>
                 <a:ext uri="{91240B29-F687-4f45-9708-019B960494DF}">
-                  <a14:hiddenLine xmlns:a14="http://schemas.microsoft.com/office/drawing/2010/main" xmlns="" w="9525">
+                  <a14:hiddenLine xmlns="" xmlns:a14="http://schemas.microsoft.com/office/drawing/2010/main" w="9525">
                     <a:solidFill>
                       <a:srgbClr val="000000"/>
                     </a:solidFill>
@@ -9774,7 +9774,7 @@
               </a:ln>
               <a:extLst>
                 <a:ext uri="{91240B29-F687-4f45-9708-019B960494DF}">
-                  <a14:hiddenLine xmlns:a14="http://schemas.microsoft.com/office/drawing/2010/main" xmlns="" w="9525">
+                  <a14:hiddenLine xmlns="" xmlns:a14="http://schemas.microsoft.com/office/drawing/2010/main" w="9525">
                     <a:solidFill>
                       <a:srgbClr val="000000"/>
                     </a:solidFill>
@@ -9836,7 +9836,7 @@
               </a:ln>
               <a:extLst>
                 <a:ext uri="{91240B29-F687-4f45-9708-019B960494DF}">
-                  <a14:hiddenLine xmlns:a14="http://schemas.microsoft.com/office/drawing/2010/main" xmlns="" w="9525">
+                  <a14:hiddenLine xmlns="" xmlns:a14="http://schemas.microsoft.com/office/drawing/2010/main" w="9525">
                     <a:solidFill>
                       <a:srgbClr val="000000"/>
                     </a:solidFill>
@@ -9946,7 +9946,7 @@
               </a:ln>
               <a:extLst>
                 <a:ext uri="{91240B29-F687-4f45-9708-019B960494DF}">
-                  <a14:hiddenLine xmlns:a14="http://schemas.microsoft.com/office/drawing/2010/main" xmlns="" w="9525">
+                  <a14:hiddenLine xmlns="" xmlns:a14="http://schemas.microsoft.com/office/drawing/2010/main" w="9525">
                     <a:solidFill>
                       <a:srgbClr val="000000"/>
                     </a:solidFill>
@@ -10030,7 +10030,7 @@
               </a:ln>
               <a:extLst>
                 <a:ext uri="{91240B29-F687-4f45-9708-019B960494DF}">
-                  <a14:hiddenLine xmlns:a14="http://schemas.microsoft.com/office/drawing/2010/main" xmlns="" w="9525">
+                  <a14:hiddenLine xmlns="" xmlns:a14="http://schemas.microsoft.com/office/drawing/2010/main" w="9525">
                     <a:solidFill>
                       <a:srgbClr val="000000"/>
                     </a:solidFill>
@@ -10092,7 +10092,7 @@
               </a:ln>
               <a:extLst>
                 <a:ext uri="{91240B29-F687-4f45-9708-019B960494DF}">
-                  <a14:hiddenLine xmlns:a14="http://schemas.microsoft.com/office/drawing/2010/main" xmlns="" w="9525">
+                  <a14:hiddenLine xmlns="" xmlns:a14="http://schemas.microsoft.com/office/drawing/2010/main" w="9525">
                     <a:solidFill>
                       <a:srgbClr val="000000"/>
                     </a:solidFill>
@@ -10154,7 +10154,7 @@
               </a:ln>
               <a:extLst>
                 <a:ext uri="{91240B29-F687-4f45-9708-019B960494DF}">
-                  <a14:hiddenLine xmlns:a14="http://schemas.microsoft.com/office/drawing/2010/main" xmlns="" w="9525">
+                  <a14:hiddenLine xmlns="" xmlns:a14="http://schemas.microsoft.com/office/drawing/2010/main" w="9525">
                     <a:solidFill>
                       <a:srgbClr val="000000"/>
                     </a:solidFill>
@@ -10244,7 +10244,7 @@
               </a:ln>
               <a:extLst>
                 <a:ext uri="{91240B29-F687-4f45-9708-019B960494DF}">
-                  <a14:hiddenLine xmlns:a14="http://schemas.microsoft.com/office/drawing/2010/main" xmlns="" w="9525">
+                  <a14:hiddenLine xmlns="" xmlns:a14="http://schemas.microsoft.com/office/drawing/2010/main" w="9525">
                     <a:solidFill>
                       <a:srgbClr val="000000"/>
                     </a:solidFill>
@@ -10278,7 +10278,7 @@
               </a:ln>
               <a:extLst>
                 <a:ext uri="{91240B29-F687-4f45-9708-019B960494DF}">
-                  <a14:hiddenLine xmlns:a14="http://schemas.microsoft.com/office/drawing/2010/main" xmlns="" w="9525">
+                  <a14:hiddenLine xmlns="" xmlns:a14="http://schemas.microsoft.com/office/drawing/2010/main" w="9525">
                     <a:solidFill>
                       <a:srgbClr val="000000"/>
                     </a:solidFill>
@@ -10343,7 +10343,7 @@
               </a:ln>
               <a:extLst>
                 <a:ext uri="{91240B29-F687-4f45-9708-019B960494DF}">
-                  <a14:hiddenLine xmlns:a14="http://schemas.microsoft.com/office/drawing/2010/main" xmlns="" w="9525">
+                  <a14:hiddenLine xmlns="" xmlns:a14="http://schemas.microsoft.com/office/drawing/2010/main" w="9525">
                     <a:solidFill>
                       <a:srgbClr val="000000"/>
                     </a:solidFill>
@@ -10433,7 +10433,7 @@
               </a:ln>
               <a:extLst>
                 <a:ext uri="{91240B29-F687-4f45-9708-019B960494DF}">
-                  <a14:hiddenLine xmlns:a14="http://schemas.microsoft.com/office/drawing/2010/main" xmlns="" w="9525">
+                  <a14:hiddenLine xmlns="" xmlns:a14="http://schemas.microsoft.com/office/drawing/2010/main" w="9525">
                     <a:solidFill>
                       <a:srgbClr val="000000"/>
                     </a:solidFill>
@@ -10495,7 +10495,7 @@
               </a:ln>
               <a:extLst>
                 <a:ext uri="{91240B29-F687-4f45-9708-019B960494DF}">
-                  <a14:hiddenLine xmlns:a14="http://schemas.microsoft.com/office/drawing/2010/main" xmlns="" w="9525">
+                  <a14:hiddenLine xmlns="" xmlns:a14="http://schemas.microsoft.com/office/drawing/2010/main" w="9525">
                     <a:solidFill>
                       <a:srgbClr val="000000"/>
                     </a:solidFill>
@@ -10585,7 +10585,7 @@
               </a:ln>
               <a:extLst>
                 <a:ext uri="{91240B29-F687-4f45-9708-019B960494DF}">
-                  <a14:hiddenLine xmlns:a14="http://schemas.microsoft.com/office/drawing/2010/main" xmlns="" w="9525">
+                  <a14:hiddenLine xmlns="" xmlns:a14="http://schemas.microsoft.com/office/drawing/2010/main" w="9525">
                     <a:solidFill>
                       <a:srgbClr val="000000"/>
                     </a:solidFill>
@@ -10650,7 +10650,7 @@
               </a:ln>
               <a:extLst>
                 <a:ext uri="{91240B29-F687-4f45-9708-019B960494DF}">
-                  <a14:hiddenLine xmlns:a14="http://schemas.microsoft.com/office/drawing/2010/main" xmlns="" w="9525">
+                  <a14:hiddenLine xmlns="" xmlns:a14="http://schemas.microsoft.com/office/drawing/2010/main" w="9525">
                     <a:solidFill>
                       <a:srgbClr val="000000"/>
                     </a:solidFill>
@@ -10712,7 +10712,7 @@
               </a:ln>
               <a:extLst>
                 <a:ext uri="{91240B29-F687-4f45-9708-019B960494DF}">
-                  <a14:hiddenLine xmlns:a14="http://schemas.microsoft.com/office/drawing/2010/main" xmlns="" w="9525">
+                  <a14:hiddenLine xmlns="" xmlns:a14="http://schemas.microsoft.com/office/drawing/2010/main" w="9525">
                     <a:solidFill>
                       <a:srgbClr val="000000"/>
                     </a:solidFill>
@@ -10802,7 +10802,7 @@
               </a:ln>
               <a:extLst>
                 <a:ext uri="{91240B29-F687-4f45-9708-019B960494DF}">
-                  <a14:hiddenLine xmlns:a14="http://schemas.microsoft.com/office/drawing/2010/main" xmlns="" w="9525">
+                  <a14:hiddenLine xmlns="" xmlns:a14="http://schemas.microsoft.com/office/drawing/2010/main" w="9525">
                     <a:solidFill>
                       <a:srgbClr val="000000"/>
                     </a:solidFill>
@@ -10892,7 +10892,7 @@
               </a:ln>
               <a:extLst>
                 <a:ext uri="{91240B29-F687-4f45-9708-019B960494DF}">
-                  <a14:hiddenLine xmlns:a14="http://schemas.microsoft.com/office/drawing/2010/main" xmlns="" w="9525">
+                  <a14:hiddenLine xmlns="" xmlns:a14="http://schemas.microsoft.com/office/drawing/2010/main" w="9525">
                     <a:solidFill>
                       <a:srgbClr val="000000"/>
                     </a:solidFill>
@@ -10957,7 +10957,7 @@
               </a:ln>
               <a:extLst>
                 <a:ext uri="{91240B29-F687-4f45-9708-019B960494DF}">
-                  <a14:hiddenLine xmlns:a14="http://schemas.microsoft.com/office/drawing/2010/main" xmlns="" w="9525">
+                  <a14:hiddenLine xmlns="" xmlns:a14="http://schemas.microsoft.com/office/drawing/2010/main" w="9525">
                     <a:solidFill>
                       <a:srgbClr val="000000"/>
                     </a:solidFill>
@@ -11077,7 +11077,7 @@
               </a:ln>
               <a:extLst>
                 <a:ext uri="{91240B29-F687-4f45-9708-019B960494DF}">
-                  <a14:hiddenLine xmlns:a14="http://schemas.microsoft.com/office/drawing/2010/main" xmlns="" w="9525">
+                  <a14:hiddenLine xmlns="" xmlns:a14="http://schemas.microsoft.com/office/drawing/2010/main" w="9525">
                     <a:solidFill>
                       <a:srgbClr val="000000"/>
                     </a:solidFill>
@@ -11175,7 +11175,7 @@
               </a:ln>
               <a:extLst>
                 <a:ext uri="{91240B29-F687-4f45-9708-019B960494DF}">
-                  <a14:hiddenLine xmlns:a14="http://schemas.microsoft.com/office/drawing/2010/main" xmlns="" w="9525">
+                  <a14:hiddenLine xmlns="" xmlns:a14="http://schemas.microsoft.com/office/drawing/2010/main" w="9525">
                     <a:solidFill>
                       <a:srgbClr val="000000"/>
                     </a:solidFill>
@@ -11290,7 +11290,7 @@
               </a:ln>
               <a:extLst>
                 <a:ext uri="{91240B29-F687-4f45-9708-019B960494DF}">
-                  <a14:hiddenLine xmlns:a14="http://schemas.microsoft.com/office/drawing/2010/main" xmlns="" w="9525">
+                  <a14:hiddenLine xmlns="" xmlns:a14="http://schemas.microsoft.com/office/drawing/2010/main" w="9525">
                     <a:solidFill>
                       <a:srgbClr val="000000"/>
                     </a:solidFill>
@@ -11380,7 +11380,7 @@
               </a:ln>
               <a:extLst>
                 <a:ext uri="{91240B29-F687-4f45-9708-019B960494DF}">
-                  <a14:hiddenLine xmlns:a14="http://schemas.microsoft.com/office/drawing/2010/main" xmlns="" w="9525">
+                  <a14:hiddenLine xmlns="" xmlns:a14="http://schemas.microsoft.com/office/drawing/2010/main" w="9525">
                     <a:solidFill>
                       <a:srgbClr val="000000"/>
                     </a:solidFill>
@@ -11445,7 +11445,7 @@
               </a:ln>
               <a:extLst>
                 <a:ext uri="{91240B29-F687-4f45-9708-019B960494DF}">
-                  <a14:hiddenLine xmlns:a14="http://schemas.microsoft.com/office/drawing/2010/main" xmlns="" w="9525">
+                  <a14:hiddenLine xmlns="" xmlns:a14="http://schemas.microsoft.com/office/drawing/2010/main" w="9525">
                     <a:solidFill>
                       <a:srgbClr val="000000"/>
                     </a:solidFill>
@@ -11535,7 +11535,7 @@
               </a:ln>
               <a:extLst>
                 <a:ext uri="{91240B29-F687-4f45-9708-019B960494DF}">
-                  <a14:hiddenLine xmlns:a14="http://schemas.microsoft.com/office/drawing/2010/main" xmlns="" w="9525">
+                  <a14:hiddenLine xmlns="" xmlns:a14="http://schemas.microsoft.com/office/drawing/2010/main" w="9525">
                     <a:solidFill>
                       <a:srgbClr val="000000"/>
                     </a:solidFill>
@@ -11603,7 +11603,7 @@
               </a:ln>
               <a:extLst>
                 <a:ext uri="{91240B29-F687-4f45-9708-019B960494DF}">
-                  <a14:hiddenLine xmlns:a14="http://schemas.microsoft.com/office/drawing/2010/main" xmlns="" w="9525">
+                  <a14:hiddenLine xmlns="" xmlns:a14="http://schemas.microsoft.com/office/drawing/2010/main" w="9525">
                     <a:solidFill>
                       <a:srgbClr val="000000"/>
                     </a:solidFill>
@@ -11693,7 +11693,7 @@
               </a:ln>
               <a:extLst>
                 <a:ext uri="{91240B29-F687-4f45-9708-019B960494DF}">
-                  <a14:hiddenLine xmlns:a14="http://schemas.microsoft.com/office/drawing/2010/main" xmlns="" w="9525">
+                  <a14:hiddenLine xmlns="" xmlns:a14="http://schemas.microsoft.com/office/drawing/2010/main" w="9525">
                     <a:solidFill>
                       <a:srgbClr val="000000"/>
                     </a:solidFill>
@@ -11761,7 +11761,7 @@
               </a:ln>
               <a:extLst>
                 <a:ext uri="{91240B29-F687-4f45-9708-019B960494DF}">
-                  <a14:hiddenLine xmlns:a14="http://schemas.microsoft.com/office/drawing/2010/main" xmlns="" w="9525">
+                  <a14:hiddenLine xmlns="" xmlns:a14="http://schemas.microsoft.com/office/drawing/2010/main" w="9525">
                     <a:solidFill>
                       <a:srgbClr val="000000"/>
                     </a:solidFill>
@@ -11851,7 +11851,7 @@
               </a:ln>
               <a:extLst>
                 <a:ext uri="{91240B29-F687-4f45-9708-019B960494DF}">
-                  <a14:hiddenLine xmlns:a14="http://schemas.microsoft.com/office/drawing/2010/main" xmlns="" w="9525">
+                  <a14:hiddenLine xmlns="" xmlns:a14="http://schemas.microsoft.com/office/drawing/2010/main" w="9525">
                     <a:solidFill>
                       <a:srgbClr val="000000"/>
                     </a:solidFill>
@@ -11885,7 +11885,7 @@
               </a:ln>
               <a:extLst>
                 <a:ext uri="{91240B29-F687-4f45-9708-019B960494DF}">
-                  <a14:hiddenLine xmlns:a14="http://schemas.microsoft.com/office/drawing/2010/main" xmlns="" w="9525">
+                  <a14:hiddenLine xmlns="" xmlns:a14="http://schemas.microsoft.com/office/drawing/2010/main" w="9525">
                     <a:solidFill>
                       <a:srgbClr val="000000"/>
                     </a:solidFill>
@@ -12510,15 +12510,7 @@
           <a:p>
             <a:r>
               <a:rPr lang="fr-CH" dirty="0" smtClean="0"/>
-              <a:t>Ivan </a:t>
-            </a:r>
-            <a:r>
-              <a:rPr lang="fr-CH" dirty="0" err="1" smtClean="0"/>
-              <a:t>Callau</a:t>
-            </a:r>
-            <a:r>
-              <a:rPr lang="fr-CH" dirty="0" smtClean="0"/>
-              <a:t> </a:t>
+              <a:t>Ivan Callau </a:t>
             </a:r>
             <a:r>
               <a:rPr lang="fr-CH" dirty="0" err="1" smtClean="0"/>
@@ -12703,6 +12695,7 @@
           </a:bodyPr>
           <a:lstStyle/>
           <a:p>
+            <a:pPr algn="ctr"/>
             <a:r>
               <a:rPr lang="fr-CH" sz="6000" dirty="0" smtClean="0"/>
               <a:t>Table des matières</a:t>
@@ -12844,6 +12837,7 @@
           </a:bodyPr>
           <a:lstStyle/>
           <a:p>
+            <a:pPr algn="ctr"/>
             <a:r>
               <a:rPr lang="fr-CH" sz="6000" dirty="0" smtClean="0"/>
               <a:t>Explication du projet</a:t>
@@ -12862,9 +12856,16 @@
             <p:ph idx="1"/>
           </p:nvPr>
         </p:nvSpPr>
-        <p:spPr/>
+        <p:spPr>
+          <a:xfrm>
+            <a:off x="1141412" y="2249487"/>
+            <a:ext cx="9905999" cy="3043482"/>
+          </a:xfrm>
+        </p:spPr>
         <p:txBody>
-          <a:bodyPr/>
+          <a:bodyPr>
+            <a:normAutofit lnSpcReduction="10000"/>
+          </a:bodyPr>
           <a:lstStyle/>
           <a:p>
             <a:r>
@@ -12876,8 +12877,14 @@
             <a:pPr lvl="1"/>
             <a:r>
               <a:rPr lang="fr-CH" dirty="0" smtClean="0"/>
-              <a:t>Dernier survivant d’une épidémie</a:t>
-            </a:r>
+              <a:t>Qui jouons-nous?</a:t>
+            </a:r>
+          </a:p>
+          <a:p>
+            <a:pPr marL="457200" lvl="1" indent="0">
+              <a:buNone/>
+            </a:pPr>
+            <a:endParaRPr lang="fr-CH" dirty="0" smtClean="0"/>
           </a:p>
           <a:p>
             <a:r>
@@ -12888,29 +12895,39 @@
           <a:p>
             <a:pPr lvl="1"/>
             <a:r>
+              <a:rPr lang="fr-CH" dirty="0" err="1" smtClean="0"/>
+              <a:t>Shoot‘em</a:t>
+            </a:r>
+            <a:r>
               <a:rPr lang="fr-CH" dirty="0" smtClean="0"/>
-              <a:t>Shoot ‘</a:t>
-            </a:r>
-            <a:r>
-              <a:rPr lang="fr-CH" dirty="0" err="1" smtClean="0"/>
-              <a:t>em</a:t>
+              <a:t> up 2D </a:t>
             </a:r>
             <a:r>
               <a:rPr lang="fr-CH" dirty="0" smtClean="0"/>
-              <a:t> up, survivre à des vagues d’attaques</a:t>
-            </a:r>
-          </a:p>
-          <a:p>
+              <a:t>en vue de dessus.</a:t>
+            </a:r>
+          </a:p>
+          <a:p>
+            <a:pPr lvl="1"/>
             <a:r>
               <a:rPr lang="fr-CH" dirty="0" smtClean="0"/>
-              <a:t>Les mécaniques</a:t>
-            </a:r>
-            <a:endParaRPr lang="fr-CH" dirty="0"/>
-          </a:p>
-          <a:p>
-            <a:pPr marL="457200" lvl="1" indent="0">
-              <a:buNone/>
-            </a:pPr>
+              <a:t>Survivre </a:t>
+            </a:r>
+            <a:r>
+              <a:rPr lang="fr-CH" dirty="0" smtClean="0"/>
+              <a:t>à des vagues </a:t>
+            </a:r>
+            <a:r>
+              <a:rPr lang="fr-CH" dirty="0" smtClean="0"/>
+              <a:t>d’attaques</a:t>
+            </a:r>
+          </a:p>
+          <a:p>
+            <a:pPr lvl="1"/>
+            <a:r>
+              <a:rPr lang="fr-CH" dirty="0" smtClean="0"/>
+              <a:t>Score final</a:t>
+            </a:r>
             <a:endParaRPr lang="fr-CH" dirty="0" smtClean="0"/>
           </a:p>
         </p:txBody>
@@ -12997,6 +13014,7 @@
           <a:bodyPr/>
           <a:lstStyle/>
           <a:p>
+            <a:pPr algn="ctr"/>
             <a:r>
               <a:rPr lang="fr-CH" sz="6000" dirty="0" smtClean="0"/>
               <a:t>Organisation</a:t>
@@ -13015,43 +13033,120 @@
             <p:ph idx="1"/>
           </p:nvPr>
         </p:nvSpPr>
-        <p:spPr/>
+        <p:spPr>
+          <a:xfrm>
+            <a:off x="1141412" y="2031023"/>
+            <a:ext cx="9905999" cy="4528039"/>
+          </a:xfrm>
+        </p:spPr>
         <p:txBody>
-          <a:bodyPr/>
+          <a:bodyPr>
+            <a:normAutofit fontScale="85000" lnSpcReduction="20000"/>
+          </a:bodyPr>
           <a:lstStyle/>
           <a:p>
             <a:r>
               <a:rPr lang="fr-CH" dirty="0" smtClean="0"/>
-              <a:t>Répartition du travail en 3 parties</a:t>
+              <a:t>Choix de l’outil </a:t>
+            </a:r>
+            <a:r>
+              <a:rPr lang="fr-CH" dirty="0"/>
+              <a:t>de travail</a:t>
             </a:r>
           </a:p>
           <a:p>
             <a:pPr lvl="1"/>
             <a:r>
-              <a:rPr lang="fr-CH" dirty="0"/>
-              <a:t>Ennemis</a:t>
+              <a:rPr lang="fr-CH" dirty="0" smtClean="0"/>
+              <a:t>Construct3</a:t>
+            </a:r>
+            <a:endParaRPr lang="fr-CH" dirty="0" smtClean="0"/>
+          </a:p>
+          <a:p>
+            <a:r>
+              <a:rPr lang="fr-CH" dirty="0" smtClean="0"/>
+              <a:t>Répartition </a:t>
+            </a:r>
+            <a:r>
+              <a:rPr lang="fr-CH" dirty="0" smtClean="0"/>
+              <a:t>du travail en 3 </a:t>
+            </a:r>
+            <a:r>
+              <a:rPr lang="fr-CH" dirty="0" smtClean="0"/>
+              <a:t>parties</a:t>
             </a:r>
           </a:p>
           <a:p>
             <a:pPr lvl="1"/>
             <a:r>
-              <a:rPr lang="fr-CH" dirty="0"/>
-              <a:t>Joueur</a:t>
-            </a:r>
+              <a:rPr lang="fr-CH" dirty="0" smtClean="0"/>
+              <a:t>Terrain =&gt; Ivan</a:t>
+            </a:r>
+            <a:endParaRPr lang="fr-CH" dirty="0"/>
           </a:p>
           <a:p>
             <a:pPr lvl="1"/>
             <a:r>
               <a:rPr lang="fr-CH" dirty="0" smtClean="0"/>
-              <a:t>Terrain</a:t>
+              <a:t>Joueur =&gt; Erblin</a:t>
+            </a:r>
+          </a:p>
+          <a:p>
+            <a:pPr lvl="1"/>
+            <a:r>
+              <a:rPr lang="fr-CH" dirty="0" smtClean="0"/>
+              <a:t>Ennemis =&gt; Gaëtan</a:t>
             </a:r>
             <a:endParaRPr lang="fr-CH" dirty="0"/>
           </a:p>
           <a:p>
             <a:r>
               <a:rPr lang="fr-CH" dirty="0" smtClean="0"/>
-              <a:t>Documentation du projet</a:t>
-            </a:r>
+              <a:t>Documentation </a:t>
+            </a:r>
+            <a:r>
+              <a:rPr lang="fr-CH" dirty="0" smtClean="0"/>
+              <a:t>du </a:t>
+            </a:r>
+            <a:r>
+              <a:rPr lang="fr-CH" dirty="0" smtClean="0"/>
+              <a:t>projet</a:t>
+            </a:r>
+          </a:p>
+          <a:p>
+            <a:pPr lvl="1"/>
+            <a:r>
+              <a:rPr lang="fr-CH" dirty="0" smtClean="0"/>
+              <a:t>Word - Documentation</a:t>
+            </a:r>
+          </a:p>
+          <a:p>
+            <a:pPr lvl="1"/>
+            <a:r>
+              <a:rPr lang="fr-CH" dirty="0" smtClean="0"/>
+              <a:t>Excel - Emploi du temps</a:t>
+            </a:r>
+          </a:p>
+          <a:p>
+            <a:pPr lvl="1"/>
+            <a:r>
+              <a:rPr lang="fr-CH" dirty="0" smtClean="0"/>
+              <a:t>Power point - Présentation</a:t>
+            </a:r>
+          </a:p>
+          <a:p>
+            <a:r>
+              <a:rPr lang="fr-CH" dirty="0" smtClean="0"/>
+              <a:t>Partage de fichiers</a:t>
+            </a:r>
+          </a:p>
+          <a:p>
+            <a:pPr lvl="1"/>
+            <a:r>
+              <a:rPr lang="fr-CH" dirty="0" smtClean="0"/>
+              <a:t>GitHub</a:t>
+            </a:r>
+            <a:endParaRPr lang="fr-CH" dirty="0" smtClean="0"/>
           </a:p>
         </p:txBody>
       </p:sp>
@@ -13132,46 +13227,172 @@
             <p:ph type="title"/>
           </p:nvPr>
         </p:nvSpPr>
-        <p:spPr/>
+        <p:spPr>
+          <a:xfrm>
+            <a:off x="1141413" y="345957"/>
+            <a:ext cx="9905998" cy="1478570"/>
+          </a:xfrm>
+        </p:spPr>
+        <p:txBody>
+          <a:bodyPr>
+            <a:normAutofit/>
+          </a:bodyPr>
+          <a:lstStyle/>
+          <a:p>
+            <a:pPr algn="ctr"/>
+            <a:r>
+              <a:rPr lang="fr-CH" sz="6000" dirty="0"/>
+              <a:t>Explications</a:t>
+            </a:r>
+            <a:r>
+              <a:rPr lang="fr-CH" dirty="0"/>
+              <a:t> </a:t>
+            </a:r>
+            <a:r>
+              <a:rPr lang="fr-CH" sz="6000" dirty="0" smtClean="0"/>
+              <a:t>détaillées</a:t>
+            </a:r>
+            <a:endParaRPr lang="fr-CH" sz="6000" dirty="0"/>
+          </a:p>
+        </p:txBody>
+      </p:sp>
+      <p:sp>
+        <p:nvSpPr>
+          <p:cNvPr id="3" name="Espace réservé du contenu 2"/>
+          <p:cNvSpPr>
+            <a:spLocks noGrp="1"/>
+          </p:cNvSpPr>
+          <p:nvPr>
+            <p:ph idx="1"/>
+          </p:nvPr>
+        </p:nvSpPr>
+        <p:spPr>
+          <a:xfrm>
+            <a:off x="1141412" y="2249487"/>
+            <a:ext cx="9905999" cy="4397498"/>
+          </a:xfrm>
+        </p:spPr>
         <p:txBody>
           <a:bodyPr/>
           <a:lstStyle/>
           <a:p>
-            <a:pPr algn="ctr"/>
-            <a:r>
-              <a:rPr lang="fr-CH" sz="6000" dirty="0"/>
-              <a:t>Explications</a:t>
-            </a:r>
+            <a:pPr marL="457200" lvl="1" indent="0">
+              <a:buNone/>
+            </a:pPr>
+            <a:r>
+              <a:rPr lang="fr-CH" dirty="0" smtClean="0"/>
+              <a:t>Les limites</a:t>
+            </a:r>
+          </a:p>
+          <a:p>
+            <a:pPr marL="457200" lvl="1" indent="0">
+              <a:buNone/>
+            </a:pPr>
+            <a:r>
+              <a:rPr lang="fr-CH" dirty="0" smtClean="0"/>
+              <a:t>	- 1700 x 1700px</a:t>
+            </a:r>
+          </a:p>
+          <a:p>
+            <a:pPr marL="457200" lvl="1" indent="0">
+              <a:buNone/>
+            </a:pPr>
+            <a:endParaRPr lang="fr-CH" dirty="0" smtClean="0"/>
+          </a:p>
+          <a:p>
+            <a:pPr marL="457200" lvl="1" indent="0">
+              <a:buNone/>
+            </a:pPr>
+            <a:r>
+              <a:rPr lang="fr-CH" dirty="0" smtClean="0"/>
+              <a:t>Les o</a:t>
+            </a:r>
+            <a:r>
+              <a:rPr lang="fr-CH" dirty="0" smtClean="0"/>
+              <a:t>bstacles</a:t>
+            </a:r>
+          </a:p>
+          <a:p>
+            <a:pPr marL="457200" lvl="1" indent="0">
+              <a:buNone/>
+            </a:pPr>
+            <a:r>
+              <a:rPr lang="fr-CH" dirty="0" smtClean="0"/>
+              <a:t>	- Murs</a:t>
+            </a:r>
+          </a:p>
+          <a:p>
+            <a:pPr marL="457200" lvl="1" indent="0">
+              <a:buNone/>
+            </a:pPr>
+            <a:r>
+              <a:rPr lang="fr-CH" dirty="0" smtClean="0"/>
+              <a:t>	- Trous</a:t>
+            </a:r>
+          </a:p>
+          <a:p>
+            <a:pPr marL="457200" lvl="1" indent="0">
+              <a:buNone/>
+            </a:pPr>
+            <a:endParaRPr lang="fr-CH" dirty="0" smtClean="0"/>
+          </a:p>
+          <a:p>
+            <a:pPr marL="457200" lvl="1" indent="0">
+              <a:buNone/>
+            </a:pPr>
+            <a:r>
+              <a:rPr lang="fr-CH" dirty="0" smtClean="0"/>
+              <a:t>Les p</a:t>
+            </a:r>
+            <a:r>
+              <a:rPr lang="fr-CH" dirty="0" smtClean="0"/>
+              <a:t>oints d’apparition</a:t>
+            </a:r>
+            <a:endParaRPr lang="fr-CH" dirty="0"/>
+          </a:p>
+          <a:p>
+            <a:pPr marL="457200" lvl="1" indent="0">
+              <a:buNone/>
+            </a:pPr>
             <a:r>
               <a:rPr lang="fr-CH" dirty="0"/>
-              <a:t> </a:t>
-            </a:r>
-            <a:r>
-              <a:rPr lang="fr-CH" sz="6000" dirty="0" smtClean="0"/>
-              <a:t>détaillées</a:t>
-            </a:r>
-            <a:endParaRPr lang="fr-CH" sz="6000" dirty="0"/>
+              <a:t>	</a:t>
+            </a:r>
+            <a:r>
+              <a:rPr lang="fr-CH" dirty="0" smtClean="0"/>
+              <a:t>- Répartis sur toute la map</a:t>
+            </a:r>
+            <a:endParaRPr lang="fr-CH" dirty="0" smtClean="0"/>
+          </a:p>
+          <a:p>
+            <a:endParaRPr lang="fr-CH" dirty="0"/>
           </a:p>
         </p:txBody>
       </p:sp>
       <p:pic>
         <p:nvPicPr>
-          <p:cNvPr id="6" name="Image 5"/>
+          <p:cNvPr id="5" name="Image 4"/>
           <p:cNvPicPr>
             <a:picLocks noChangeAspect="1"/>
           </p:cNvPicPr>
           <p:nvPr/>
         </p:nvPicPr>
         <p:blipFill>
-          <a:blip r:embed="rId2"/>
+          <a:blip r:embed="rId2" cstate="print">
+            <a:extLst>
+              <a:ext uri="{28A0092B-C50C-407E-A947-70E740481C1C}">
+                <a14:useLocalDpi xmlns:a14="http://schemas.microsoft.com/office/drawing/2010/main" val="0"/>
+              </a:ext>
+            </a:extLst>
+          </a:blip>
           <a:stretch>
             <a:fillRect/>
           </a:stretch>
         </p:blipFill>
         <p:spPr>
           <a:xfrm>
-            <a:off x="1589989" y="2375412"/>
-            <a:ext cx="6318400" cy="3418738"/>
+            <a:off x="6094410" y="1912449"/>
+            <a:ext cx="4553075" cy="4565151"/>
           </a:xfrm>
           <a:prstGeom prst="rect">
             <a:avLst/>
@@ -13190,65 +13411,217 @@
       </p:pic>
       <p:sp>
         <p:nvSpPr>
-          <p:cNvPr id="7" name="Espace réservé du contenu 6"/>
-          <p:cNvSpPr>
-            <a:spLocks noGrp="1"/>
+          <p:cNvPr id="6" name="Espace réservé du contenu 2"/>
+          <p:cNvSpPr txBox="1">
+            <a:spLocks/>
           </p:cNvSpPr>
-          <p:nvPr>
-            <p:ph idx="1"/>
-          </p:nvPr>
+          <p:nvPr/>
         </p:nvSpPr>
         <p:spPr>
           <a:xfrm>
-            <a:off x="5291501" y="1679357"/>
-            <a:ext cx="1605822" cy="539175"/>
-          </a:xfrm>
-        </p:spPr>
-        <p:txBody>
-          <a:bodyPr>
-            <a:noAutofit/>
-          </a:bodyPr>
-          <a:lstStyle/>
-          <a:p>
-            <a:pPr marL="0" indent="0">
-              <a:buNone/>
-            </a:pPr>
-            <a:r>
-              <a:rPr lang="fr-CH" sz="3600" dirty="0" smtClean="0"/>
-              <a:t>Ennemis</a:t>
-            </a:r>
-            <a:endParaRPr lang="fr-CH" sz="3600" dirty="0"/>
-          </a:p>
-        </p:txBody>
-      </p:sp>
-      <p:pic>
-        <p:nvPicPr>
-          <p:cNvPr id="4" name="Image 3"/>
-          <p:cNvPicPr>
-            <a:picLocks noChangeAspect="1"/>
-          </p:cNvPicPr>
-          <p:nvPr/>
-        </p:nvPicPr>
-        <p:blipFill>
-          <a:blip r:embed="rId3"/>
-          <a:stretch>
-            <a:fillRect/>
-          </a:stretch>
-        </p:blipFill>
-        <p:spPr>
-          <a:xfrm>
-            <a:off x="8152676" y="2375412"/>
-            <a:ext cx="2448393" cy="869180"/>
+            <a:off x="4721619" y="1277816"/>
+            <a:ext cx="2745583" cy="819272"/>
           </a:xfrm>
           <a:prstGeom prst="rect">
             <a:avLst/>
           </a:prstGeom>
         </p:spPr>
-      </p:pic>
+        <p:txBody>
+          <a:bodyPr vert="horz" lIns="91440" tIns="45720" rIns="91440" bIns="45720" rtlCol="0">
+            <a:noAutofit/>
+          </a:bodyPr>
+          <a:lstStyle>
+            <a:lvl1pPr marL="228600" indent="-228600" algn="l" defTabSz="914400" rtl="0" eaLnBrk="1" latinLnBrk="0" hangingPunct="1">
+              <a:lnSpc>
+                <a:spcPct val="120000"/>
+              </a:lnSpc>
+              <a:spcBef>
+                <a:spcPts val="1000"/>
+              </a:spcBef>
+              <a:buSzPct val="125000"/>
+              <a:buFont typeface="Arial" panose="020B0604020202020204" pitchFamily="34" charset="0"/>
+              <a:buChar char="•"/>
+              <a:defRPr sz="2400" kern="1200">
+                <a:solidFill>
+                  <a:schemeClr val="tx1"/>
+                </a:solidFill>
+                <a:latin typeface="+mn-lt"/>
+                <a:ea typeface="+mn-ea"/>
+                <a:cs typeface="+mn-cs"/>
+              </a:defRPr>
+            </a:lvl1pPr>
+            <a:lvl2pPr marL="685800" indent="-228600" algn="l" defTabSz="914400" rtl="0" eaLnBrk="1" latinLnBrk="0" hangingPunct="1">
+              <a:lnSpc>
+                <a:spcPct val="120000"/>
+              </a:lnSpc>
+              <a:spcBef>
+                <a:spcPts val="500"/>
+              </a:spcBef>
+              <a:buSzPct val="125000"/>
+              <a:buFont typeface="Arial" panose="020B0604020202020204" pitchFamily="34" charset="0"/>
+              <a:buChar char="•"/>
+              <a:defRPr sz="2000" kern="1200">
+                <a:solidFill>
+                  <a:schemeClr val="tx1"/>
+                </a:solidFill>
+                <a:latin typeface="+mn-lt"/>
+                <a:ea typeface="+mn-ea"/>
+                <a:cs typeface="+mn-cs"/>
+              </a:defRPr>
+            </a:lvl2pPr>
+            <a:lvl3pPr marL="1143000" indent="-228600" algn="l" defTabSz="914400" rtl="0" eaLnBrk="1" latinLnBrk="0" hangingPunct="1">
+              <a:lnSpc>
+                <a:spcPct val="120000"/>
+              </a:lnSpc>
+              <a:spcBef>
+                <a:spcPts val="500"/>
+              </a:spcBef>
+              <a:buSzPct val="125000"/>
+              <a:buFont typeface="Arial" panose="020B0604020202020204" pitchFamily="34" charset="0"/>
+              <a:buChar char="•"/>
+              <a:defRPr sz="1800" kern="1200">
+                <a:solidFill>
+                  <a:schemeClr val="tx1"/>
+                </a:solidFill>
+                <a:latin typeface="+mn-lt"/>
+                <a:ea typeface="+mn-ea"/>
+                <a:cs typeface="+mn-cs"/>
+              </a:defRPr>
+            </a:lvl3pPr>
+            <a:lvl4pPr marL="1600200" indent="-228600" algn="l" defTabSz="914400" rtl="0" eaLnBrk="1" latinLnBrk="0" hangingPunct="1">
+              <a:lnSpc>
+                <a:spcPct val="120000"/>
+              </a:lnSpc>
+              <a:spcBef>
+                <a:spcPts val="500"/>
+              </a:spcBef>
+              <a:buSzPct val="125000"/>
+              <a:buFont typeface="Arial" panose="020B0604020202020204" pitchFamily="34" charset="0"/>
+              <a:buChar char="•"/>
+              <a:defRPr sz="1600" kern="1200">
+                <a:solidFill>
+                  <a:schemeClr val="tx1"/>
+                </a:solidFill>
+                <a:latin typeface="+mn-lt"/>
+                <a:ea typeface="+mn-ea"/>
+                <a:cs typeface="+mn-cs"/>
+              </a:defRPr>
+            </a:lvl4pPr>
+            <a:lvl5pPr marL="2057400" indent="-228600" algn="l" defTabSz="914400" rtl="0" eaLnBrk="1" latinLnBrk="0" hangingPunct="1">
+              <a:lnSpc>
+                <a:spcPct val="120000"/>
+              </a:lnSpc>
+              <a:spcBef>
+                <a:spcPts val="500"/>
+              </a:spcBef>
+              <a:buSzPct val="125000"/>
+              <a:buFont typeface="Arial" panose="020B0604020202020204" pitchFamily="34" charset="0"/>
+              <a:buChar char="•"/>
+              <a:defRPr sz="1600" kern="1200">
+                <a:solidFill>
+                  <a:schemeClr val="tx1"/>
+                </a:solidFill>
+                <a:latin typeface="+mn-lt"/>
+                <a:ea typeface="+mn-ea"/>
+                <a:cs typeface="+mn-cs"/>
+              </a:defRPr>
+            </a:lvl5pPr>
+            <a:lvl6pPr marL="2514600" indent="-228600" algn="l" defTabSz="914400" rtl="0" eaLnBrk="1" latinLnBrk="0" hangingPunct="1">
+              <a:lnSpc>
+                <a:spcPct val="120000"/>
+              </a:lnSpc>
+              <a:spcBef>
+                <a:spcPts val="500"/>
+              </a:spcBef>
+              <a:buSzPct val="125000"/>
+              <a:buFont typeface="Arial" panose="020B0604020202020204" pitchFamily="34" charset="0"/>
+              <a:buChar char="•"/>
+              <a:defRPr sz="1400" kern="1200">
+                <a:solidFill>
+                  <a:schemeClr val="tx1"/>
+                </a:solidFill>
+                <a:latin typeface="+mn-lt"/>
+                <a:ea typeface="+mn-ea"/>
+                <a:cs typeface="+mn-cs"/>
+              </a:defRPr>
+            </a:lvl6pPr>
+            <a:lvl7pPr marL="2971800" indent="-228600" algn="l" defTabSz="914400" rtl="0" eaLnBrk="1" latinLnBrk="0" hangingPunct="1">
+              <a:lnSpc>
+                <a:spcPct val="120000"/>
+              </a:lnSpc>
+              <a:spcBef>
+                <a:spcPts val="500"/>
+              </a:spcBef>
+              <a:buSzPct val="125000"/>
+              <a:buFont typeface="Arial" panose="020B0604020202020204" pitchFamily="34" charset="0"/>
+              <a:buChar char="•"/>
+              <a:defRPr sz="1400" kern="1200">
+                <a:solidFill>
+                  <a:schemeClr val="tx1"/>
+                </a:solidFill>
+                <a:latin typeface="+mn-lt"/>
+                <a:ea typeface="+mn-ea"/>
+                <a:cs typeface="+mn-cs"/>
+              </a:defRPr>
+            </a:lvl7pPr>
+            <a:lvl8pPr marL="3429000" indent="-228600" algn="l" defTabSz="914400" rtl="0" eaLnBrk="1" latinLnBrk="0" hangingPunct="1">
+              <a:lnSpc>
+                <a:spcPct val="120000"/>
+              </a:lnSpc>
+              <a:spcBef>
+                <a:spcPts val="500"/>
+              </a:spcBef>
+              <a:buSzPct val="125000"/>
+              <a:buFont typeface="Arial" panose="020B0604020202020204" pitchFamily="34" charset="0"/>
+              <a:buChar char="•"/>
+              <a:defRPr sz="1400" kern="1200">
+                <a:solidFill>
+                  <a:schemeClr val="tx1"/>
+                </a:solidFill>
+                <a:latin typeface="+mn-lt"/>
+                <a:ea typeface="+mn-ea"/>
+                <a:cs typeface="+mn-cs"/>
+              </a:defRPr>
+            </a:lvl8pPr>
+            <a:lvl9pPr marL="3886200" indent="-228600" algn="l" defTabSz="914400" rtl="0" eaLnBrk="1" latinLnBrk="0" hangingPunct="1">
+              <a:lnSpc>
+                <a:spcPct val="120000"/>
+              </a:lnSpc>
+              <a:spcBef>
+                <a:spcPts val="500"/>
+              </a:spcBef>
+              <a:buSzPct val="125000"/>
+              <a:buFont typeface="Arial" panose="020B0604020202020204" pitchFamily="34" charset="0"/>
+              <a:buChar char="•"/>
+              <a:defRPr sz="1400" kern="1200">
+                <a:solidFill>
+                  <a:schemeClr val="tx1"/>
+                </a:solidFill>
+                <a:latin typeface="+mn-lt"/>
+                <a:ea typeface="+mn-ea"/>
+                <a:cs typeface="+mn-cs"/>
+              </a:defRPr>
+            </a:lvl9pPr>
+          </a:lstStyle>
+          <a:p>
+            <a:pPr marL="457200" lvl="1" indent="0">
+              <a:buFont typeface="Arial" panose="020B0604020202020204" pitchFamily="34" charset="0"/>
+              <a:buNone/>
+            </a:pPr>
+            <a:r>
+              <a:rPr lang="fr-CH" sz="3600" dirty="0" smtClean="0"/>
+              <a:t>Le terrain</a:t>
+            </a:r>
+          </a:p>
+          <a:p>
+            <a:endParaRPr lang="fr-CH" sz="3600" dirty="0"/>
+          </a:p>
+        </p:txBody>
+      </p:sp>
     </p:spTree>
     <p:extLst>
       <p:ext uri="{BB962C8B-B14F-4D97-AF65-F5344CB8AC3E}">
-        <p14:creationId xmlns:p14="http://schemas.microsoft.com/office/powerpoint/2010/main" val="4006505722"/>
+        <p14:creationId xmlns:p14="http://schemas.microsoft.com/office/powerpoint/2010/main" val="2838069425"/>
       </p:ext>
     </p:extLst>
   </p:cSld>
@@ -13297,6 +13670,7 @@
           <a:bodyPr/>
           <a:lstStyle/>
           <a:p>
+            <a:pPr algn="ctr"/>
             <a:r>
               <a:rPr lang="fr-CH" sz="6000" dirty="0"/>
               <a:t>Explications</a:t>
@@ -13323,40 +13697,97 @@
             <p:ph idx="1"/>
           </p:nvPr>
         </p:nvSpPr>
-        <p:spPr/>
+        <p:spPr>
+          <a:xfrm>
+            <a:off x="1141411" y="2803403"/>
+            <a:ext cx="9905999" cy="3541714"/>
+          </a:xfrm>
+        </p:spPr>
         <p:txBody>
           <a:bodyPr/>
           <a:lstStyle/>
           <a:p>
+            <a:pPr marL="457200" lvl="1" indent="0">
+              <a:buNone/>
+            </a:pPr>
             <a:r>
               <a:rPr lang="fr-CH" dirty="0" smtClean="0"/>
-              <a:t>Joueur</a:t>
+              <a:t>Comportements</a:t>
+            </a:r>
+          </a:p>
+          <a:p>
+            <a:pPr marL="457200" lvl="1" indent="0">
+              <a:buNone/>
+            </a:pPr>
+            <a:r>
+              <a:rPr lang="fr-CH" dirty="0" smtClean="0"/>
+              <a:t>- Que peut-il faire?</a:t>
             </a:r>
             <a:endParaRPr lang="fr-CH" dirty="0"/>
           </a:p>
           <a:p>
-            <a:pPr lvl="1"/>
+            <a:pPr marL="457200" lvl="1" indent="0">
+              <a:buNone/>
+            </a:pPr>
+            <a:r>
+              <a:rPr lang="fr-CH" dirty="0" smtClean="0"/>
+              <a:t>	Déplacement</a:t>
+            </a:r>
+          </a:p>
+          <a:p>
+            <a:pPr marL="457200" lvl="1" indent="0">
+              <a:buNone/>
+            </a:pPr>
+            <a:r>
+              <a:rPr lang="fr-CH" dirty="0" smtClean="0"/>
+              <a:t>		- Touches</a:t>
+            </a:r>
+          </a:p>
+          <a:p>
+            <a:pPr marL="457200" lvl="1" indent="0">
+              <a:buNone/>
+            </a:pPr>
             <a:r>
               <a:rPr lang="fr-CH" dirty="0"/>
-              <a:t>Comportements</a:t>
-            </a:r>
-          </a:p>
-          <a:p>
-            <a:pPr lvl="1"/>
+              <a:t>	</a:t>
+            </a:r>
+            <a:r>
+              <a:rPr lang="fr-CH" dirty="0" smtClean="0"/>
+              <a:t>	- Direction</a:t>
+            </a:r>
+            <a:endParaRPr lang="fr-CH" dirty="0"/>
+          </a:p>
+          <a:p>
+            <a:pPr marL="457200" lvl="1" indent="0">
+              <a:buNone/>
+            </a:pPr>
+            <a:r>
+              <a:rPr lang="fr-CH" dirty="0" smtClean="0"/>
+              <a:t>	Attaque</a:t>
+            </a:r>
+          </a:p>
+          <a:p>
+            <a:pPr marL="457200" lvl="1" indent="0">
+              <a:buNone/>
+            </a:pPr>
             <a:r>
               <a:rPr lang="fr-CH" dirty="0"/>
-              <a:t>Déplacement</a:t>
-            </a:r>
-          </a:p>
-          <a:p>
-            <a:pPr lvl="1"/>
-            <a:r>
-              <a:rPr lang="fr-CH" dirty="0"/>
-              <a:t>Attaque</a:t>
-            </a:r>
-          </a:p>
-          <a:p>
-            <a:pPr lvl="1"/>
+              <a:t>	</a:t>
+            </a:r>
+            <a:r>
+              <a:rPr lang="fr-CH" dirty="0" smtClean="0"/>
+              <a:t>	- Comment viser?</a:t>
+            </a:r>
+            <a:endParaRPr lang="fr-CH" dirty="0"/>
+          </a:p>
+          <a:p>
+            <a:pPr marL="914400" lvl="2" indent="0">
+              <a:buNone/>
+            </a:pPr>
+            <a:r>
+              <a:rPr lang="fr-CH" dirty="0" smtClean="0"/>
+              <a:t>	- Mode de tir</a:t>
+            </a:r>
             <a:endParaRPr lang="fr-CH" dirty="0" smtClean="0"/>
           </a:p>
           <a:p>
@@ -13380,7 +13811,7 @@
         </p:blipFill>
         <p:spPr>
           <a:xfrm>
-            <a:off x="3889457" y="2249487"/>
+            <a:off x="3643272" y="2202000"/>
             <a:ext cx="7231106" cy="841185"/>
           </a:xfrm>
           <a:prstGeom prst="rect">
@@ -13465,6 +13896,219 @@
           </a:extLst>
         </p:spPr>
       </p:pic>
+      <p:sp>
+        <p:nvSpPr>
+          <p:cNvPr id="7" name="Espace réservé du contenu 2"/>
+          <p:cNvSpPr txBox="1">
+            <a:spLocks/>
+          </p:cNvSpPr>
+          <p:nvPr/>
+        </p:nvSpPr>
+        <p:spPr>
+          <a:xfrm>
+            <a:off x="4648748" y="1473087"/>
+            <a:ext cx="2891326" cy="624001"/>
+          </a:xfrm>
+          <a:prstGeom prst="rect">
+            <a:avLst/>
+          </a:prstGeom>
+        </p:spPr>
+        <p:txBody>
+          <a:bodyPr vert="horz" lIns="91440" tIns="45720" rIns="91440" bIns="45720" rtlCol="0">
+            <a:noAutofit/>
+          </a:bodyPr>
+          <a:lstStyle>
+            <a:lvl1pPr marL="228600" indent="-228600" algn="l" defTabSz="914400" rtl="0" eaLnBrk="1" latinLnBrk="0" hangingPunct="1">
+              <a:lnSpc>
+                <a:spcPct val="120000"/>
+              </a:lnSpc>
+              <a:spcBef>
+                <a:spcPts val="1000"/>
+              </a:spcBef>
+              <a:buSzPct val="125000"/>
+              <a:buFont typeface="Arial" panose="020B0604020202020204" pitchFamily="34" charset="0"/>
+              <a:buChar char="•"/>
+              <a:defRPr sz="2400" kern="1200">
+                <a:solidFill>
+                  <a:schemeClr val="tx1"/>
+                </a:solidFill>
+                <a:latin typeface="+mn-lt"/>
+                <a:ea typeface="+mn-ea"/>
+                <a:cs typeface="+mn-cs"/>
+              </a:defRPr>
+            </a:lvl1pPr>
+            <a:lvl2pPr marL="685800" indent="-228600" algn="l" defTabSz="914400" rtl="0" eaLnBrk="1" latinLnBrk="0" hangingPunct="1">
+              <a:lnSpc>
+                <a:spcPct val="120000"/>
+              </a:lnSpc>
+              <a:spcBef>
+                <a:spcPts val="500"/>
+              </a:spcBef>
+              <a:buSzPct val="125000"/>
+              <a:buFont typeface="Arial" panose="020B0604020202020204" pitchFamily="34" charset="0"/>
+              <a:buChar char="•"/>
+              <a:defRPr sz="2000" kern="1200">
+                <a:solidFill>
+                  <a:schemeClr val="tx1"/>
+                </a:solidFill>
+                <a:latin typeface="+mn-lt"/>
+                <a:ea typeface="+mn-ea"/>
+                <a:cs typeface="+mn-cs"/>
+              </a:defRPr>
+            </a:lvl2pPr>
+            <a:lvl3pPr marL="1143000" indent="-228600" algn="l" defTabSz="914400" rtl="0" eaLnBrk="1" latinLnBrk="0" hangingPunct="1">
+              <a:lnSpc>
+                <a:spcPct val="120000"/>
+              </a:lnSpc>
+              <a:spcBef>
+                <a:spcPts val="500"/>
+              </a:spcBef>
+              <a:buSzPct val="125000"/>
+              <a:buFont typeface="Arial" panose="020B0604020202020204" pitchFamily="34" charset="0"/>
+              <a:buChar char="•"/>
+              <a:defRPr sz="1800" kern="1200">
+                <a:solidFill>
+                  <a:schemeClr val="tx1"/>
+                </a:solidFill>
+                <a:latin typeface="+mn-lt"/>
+                <a:ea typeface="+mn-ea"/>
+                <a:cs typeface="+mn-cs"/>
+              </a:defRPr>
+            </a:lvl3pPr>
+            <a:lvl4pPr marL="1600200" indent="-228600" algn="l" defTabSz="914400" rtl="0" eaLnBrk="1" latinLnBrk="0" hangingPunct="1">
+              <a:lnSpc>
+                <a:spcPct val="120000"/>
+              </a:lnSpc>
+              <a:spcBef>
+                <a:spcPts val="500"/>
+              </a:spcBef>
+              <a:buSzPct val="125000"/>
+              <a:buFont typeface="Arial" panose="020B0604020202020204" pitchFamily="34" charset="0"/>
+              <a:buChar char="•"/>
+              <a:defRPr sz="1600" kern="1200">
+                <a:solidFill>
+                  <a:schemeClr val="tx1"/>
+                </a:solidFill>
+                <a:latin typeface="+mn-lt"/>
+                <a:ea typeface="+mn-ea"/>
+                <a:cs typeface="+mn-cs"/>
+              </a:defRPr>
+            </a:lvl4pPr>
+            <a:lvl5pPr marL="2057400" indent="-228600" algn="l" defTabSz="914400" rtl="0" eaLnBrk="1" latinLnBrk="0" hangingPunct="1">
+              <a:lnSpc>
+                <a:spcPct val="120000"/>
+              </a:lnSpc>
+              <a:spcBef>
+                <a:spcPts val="500"/>
+              </a:spcBef>
+              <a:buSzPct val="125000"/>
+              <a:buFont typeface="Arial" panose="020B0604020202020204" pitchFamily="34" charset="0"/>
+              <a:buChar char="•"/>
+              <a:defRPr sz="1600" kern="1200">
+                <a:solidFill>
+                  <a:schemeClr val="tx1"/>
+                </a:solidFill>
+                <a:latin typeface="+mn-lt"/>
+                <a:ea typeface="+mn-ea"/>
+                <a:cs typeface="+mn-cs"/>
+              </a:defRPr>
+            </a:lvl5pPr>
+            <a:lvl6pPr marL="2514600" indent="-228600" algn="l" defTabSz="914400" rtl="0" eaLnBrk="1" latinLnBrk="0" hangingPunct="1">
+              <a:lnSpc>
+                <a:spcPct val="120000"/>
+              </a:lnSpc>
+              <a:spcBef>
+                <a:spcPts val="500"/>
+              </a:spcBef>
+              <a:buSzPct val="125000"/>
+              <a:buFont typeface="Arial" panose="020B0604020202020204" pitchFamily="34" charset="0"/>
+              <a:buChar char="•"/>
+              <a:defRPr sz="1400" kern="1200">
+                <a:solidFill>
+                  <a:schemeClr val="tx1"/>
+                </a:solidFill>
+                <a:latin typeface="+mn-lt"/>
+                <a:ea typeface="+mn-ea"/>
+                <a:cs typeface="+mn-cs"/>
+              </a:defRPr>
+            </a:lvl6pPr>
+            <a:lvl7pPr marL="2971800" indent="-228600" algn="l" defTabSz="914400" rtl="0" eaLnBrk="1" latinLnBrk="0" hangingPunct="1">
+              <a:lnSpc>
+                <a:spcPct val="120000"/>
+              </a:lnSpc>
+              <a:spcBef>
+                <a:spcPts val="500"/>
+              </a:spcBef>
+              <a:buSzPct val="125000"/>
+              <a:buFont typeface="Arial" panose="020B0604020202020204" pitchFamily="34" charset="0"/>
+              <a:buChar char="•"/>
+              <a:defRPr sz="1400" kern="1200">
+                <a:solidFill>
+                  <a:schemeClr val="tx1"/>
+                </a:solidFill>
+                <a:latin typeface="+mn-lt"/>
+                <a:ea typeface="+mn-ea"/>
+                <a:cs typeface="+mn-cs"/>
+              </a:defRPr>
+            </a:lvl7pPr>
+            <a:lvl8pPr marL="3429000" indent="-228600" algn="l" defTabSz="914400" rtl="0" eaLnBrk="1" latinLnBrk="0" hangingPunct="1">
+              <a:lnSpc>
+                <a:spcPct val="120000"/>
+              </a:lnSpc>
+              <a:spcBef>
+                <a:spcPts val="500"/>
+              </a:spcBef>
+              <a:buSzPct val="125000"/>
+              <a:buFont typeface="Arial" panose="020B0604020202020204" pitchFamily="34" charset="0"/>
+              <a:buChar char="•"/>
+              <a:defRPr sz="1400" kern="1200">
+                <a:solidFill>
+                  <a:schemeClr val="tx1"/>
+                </a:solidFill>
+                <a:latin typeface="+mn-lt"/>
+                <a:ea typeface="+mn-ea"/>
+                <a:cs typeface="+mn-cs"/>
+              </a:defRPr>
+            </a:lvl8pPr>
+            <a:lvl9pPr marL="3886200" indent="-228600" algn="l" defTabSz="914400" rtl="0" eaLnBrk="1" latinLnBrk="0" hangingPunct="1">
+              <a:lnSpc>
+                <a:spcPct val="120000"/>
+              </a:lnSpc>
+              <a:spcBef>
+                <a:spcPts val="500"/>
+              </a:spcBef>
+              <a:buSzPct val="125000"/>
+              <a:buFont typeface="Arial" panose="020B0604020202020204" pitchFamily="34" charset="0"/>
+              <a:buChar char="•"/>
+              <a:defRPr sz="1400" kern="1200">
+                <a:solidFill>
+                  <a:schemeClr val="tx1"/>
+                </a:solidFill>
+                <a:latin typeface="+mn-lt"/>
+                <a:ea typeface="+mn-ea"/>
+                <a:cs typeface="+mn-cs"/>
+              </a:defRPr>
+            </a:lvl9pPr>
+          </a:lstStyle>
+          <a:p>
+            <a:pPr marL="0" indent="0" algn="ctr">
+              <a:buNone/>
+            </a:pPr>
+            <a:r>
+              <a:rPr lang="fr-CH" sz="3600" dirty="0" smtClean="0"/>
+              <a:t>Joueur</a:t>
+            </a:r>
+          </a:p>
+          <a:p>
+            <a:pPr lvl="1" algn="ctr"/>
+            <a:endParaRPr lang="fr-CH" sz="3600" dirty="0" smtClean="0"/>
+          </a:p>
+          <a:p>
+            <a:pPr algn="ctr"/>
+            <a:endParaRPr lang="fr-CH" sz="3600" dirty="0"/>
+          </a:p>
+        </p:txBody>
+      </p:sp>
     </p:spTree>
     <p:extLst>
       <p:ext uri="{BB962C8B-B14F-4D97-AF65-F5344CB8AC3E}">
@@ -13517,6 +14161,7 @@
           <a:bodyPr/>
           <a:lstStyle/>
           <a:p>
+            <a:pPr algn="ctr"/>
             <a:r>
               <a:rPr lang="fr-CH" sz="6000" dirty="0"/>
               <a:t>Explications</a:t>
@@ -13530,84 +14175,27 @@
               <a:t>détaillées</a:t>
             </a:r>
             <a:endParaRPr lang="fr-CH" sz="6000" dirty="0"/>
-          </a:p>
-        </p:txBody>
-      </p:sp>
-      <p:sp>
-        <p:nvSpPr>
-          <p:cNvPr id="3" name="Espace réservé du contenu 2"/>
-          <p:cNvSpPr>
-            <a:spLocks noGrp="1"/>
-          </p:cNvSpPr>
-          <p:nvPr>
-            <p:ph idx="1"/>
-          </p:nvPr>
-        </p:nvSpPr>
-        <p:spPr/>
-        <p:txBody>
-          <a:bodyPr/>
-          <a:lstStyle/>
-          <a:p>
-            <a:r>
-              <a:rPr lang="fr-CH" dirty="0" smtClean="0"/>
-              <a:t>Terrain</a:t>
-            </a:r>
-            <a:endParaRPr lang="fr-CH" dirty="0"/>
-          </a:p>
-          <a:p>
-            <a:pPr lvl="1"/>
-            <a:r>
-              <a:rPr lang="fr-CH" dirty="0" smtClean="0"/>
-              <a:t>Bordures</a:t>
-            </a:r>
-          </a:p>
-          <a:p>
-            <a:pPr lvl="1"/>
-            <a:r>
-              <a:rPr lang="fr-CH" dirty="0" smtClean="0"/>
-              <a:t>Obstacles</a:t>
-            </a:r>
-          </a:p>
-          <a:p>
-            <a:pPr lvl="1"/>
-            <a:r>
-              <a:rPr lang="fr-CH" dirty="0" smtClean="0"/>
-              <a:t>Point d’apparition</a:t>
-            </a:r>
-            <a:endParaRPr lang="fr-CH" dirty="0"/>
-          </a:p>
-          <a:p>
-            <a:endParaRPr lang="fr-CH" dirty="0" smtClean="0"/>
-          </a:p>
-          <a:p>
-            <a:endParaRPr lang="fr-CH" dirty="0"/>
           </a:p>
         </p:txBody>
       </p:sp>
       <p:pic>
         <p:nvPicPr>
-          <p:cNvPr id="5" name="Image 4"/>
+          <p:cNvPr id="6" name="Image 5"/>
           <p:cNvPicPr>
             <a:picLocks noChangeAspect="1"/>
           </p:cNvPicPr>
           <p:nvPr/>
         </p:nvPicPr>
         <p:blipFill>
-          <a:blip r:embed="rId2" cstate="print">
-            <a:extLst>
-              <a:ext uri="{28A0092B-C50C-407E-A947-70E740481C1C}">
-                <a14:useLocalDpi xmlns:a14="http://schemas.microsoft.com/office/drawing/2010/main" val="0"/>
-              </a:ext>
-            </a:extLst>
-          </a:blip>
+          <a:blip r:embed="rId2"/>
           <a:stretch>
             <a:fillRect/>
           </a:stretch>
         </p:blipFill>
         <p:spPr>
           <a:xfrm>
-            <a:off x="8019634" y="2097088"/>
-            <a:ext cx="3027777" cy="3035808"/>
+            <a:off x="1589989" y="2375412"/>
+            <a:ext cx="6318400" cy="3418738"/>
           </a:xfrm>
           <a:prstGeom prst="rect">
             <a:avLst/>
@@ -13624,10 +14212,67 @@
           </a:effectLst>
         </p:spPr>
       </p:pic>
+      <p:sp>
+        <p:nvSpPr>
+          <p:cNvPr id="7" name="Espace réservé du contenu 6"/>
+          <p:cNvSpPr>
+            <a:spLocks noGrp="1"/>
+          </p:cNvSpPr>
+          <p:nvPr>
+            <p:ph idx="1"/>
+          </p:nvPr>
+        </p:nvSpPr>
+        <p:spPr>
+          <a:xfrm>
+            <a:off x="5291501" y="1679357"/>
+            <a:ext cx="1605822" cy="539175"/>
+          </a:xfrm>
+        </p:spPr>
+        <p:txBody>
+          <a:bodyPr>
+            <a:noAutofit/>
+          </a:bodyPr>
+          <a:lstStyle/>
+          <a:p>
+            <a:pPr marL="0" indent="0">
+              <a:buNone/>
+            </a:pPr>
+            <a:r>
+              <a:rPr lang="fr-CH" sz="3600" dirty="0" smtClean="0"/>
+              <a:t>Ennemis</a:t>
+            </a:r>
+            <a:endParaRPr lang="fr-CH" sz="3600" dirty="0"/>
+          </a:p>
+        </p:txBody>
+      </p:sp>
+      <p:pic>
+        <p:nvPicPr>
+          <p:cNvPr id="4" name="Image 3"/>
+          <p:cNvPicPr>
+            <a:picLocks noChangeAspect="1"/>
+          </p:cNvPicPr>
+          <p:nvPr/>
+        </p:nvPicPr>
+        <p:blipFill>
+          <a:blip r:embed="rId3"/>
+          <a:stretch>
+            <a:fillRect/>
+          </a:stretch>
+        </p:blipFill>
+        <p:spPr>
+          <a:xfrm>
+            <a:off x="8152676" y="2375412"/>
+            <a:ext cx="2448393" cy="869180"/>
+          </a:xfrm>
+          <a:prstGeom prst="rect">
+            <a:avLst/>
+          </a:prstGeom>
+        </p:spPr>
+      </p:pic>
     </p:spTree>
     <p:extLst>
       <p:ext uri="{BB962C8B-B14F-4D97-AF65-F5344CB8AC3E}">
-        <p14:creationId xmlns:p14="http://schemas.microsoft.com/office/powerpoint/2010/main" val="2838069425"/>
+        <p14:creationId xmlns:p14="http://schemas.microsoft.com/office/powerpoint/2010/main" val="4006505722"/>
       </p:ext>
     </p:extLst>
   </p:cSld>
@@ -13742,6 +14387,7 @@
           <a:bodyPr/>
           <a:lstStyle/>
           <a:p>
+            <a:pPr algn="ctr"/>
             <a:r>
               <a:rPr lang="fr-CH" sz="6000" dirty="0" smtClean="0"/>
               <a:t>conclusion</a:t>
@@ -13762,31 +14408,61 @@
         </p:nvSpPr>
         <p:spPr/>
         <p:txBody>
-          <a:bodyPr/>
+          <a:bodyPr>
+            <a:normAutofit/>
+          </a:bodyPr>
           <a:lstStyle/>
           <a:p>
             <a:r>
               <a:rPr lang="fr-CH" dirty="0" smtClean="0"/>
-              <a:t>Difficultés</a:t>
-            </a:r>
-          </a:p>
-          <a:p>
+              <a:t>Difficultés rencontrées</a:t>
+            </a:r>
+          </a:p>
+          <a:p>
+            <a:pPr lvl="1"/>
             <a:r>
               <a:rPr lang="fr-CH" dirty="0" smtClean="0"/>
-              <a:t>Points positifs tirés du projet</a:t>
-            </a:r>
-          </a:p>
-          <a:p>
-            <a:r>
-              <a:rPr lang="fr-CH" dirty="0" err="1" smtClean="0"/>
-              <a:t>Construct</a:t>
-            </a:r>
+              <a:t>Partage des fichiers</a:t>
+            </a:r>
+          </a:p>
+          <a:p>
+            <a:pPr lvl="1"/>
             <a:r>
               <a:rPr lang="fr-CH" dirty="0" smtClean="0"/>
-              <a:t> 3</a:t>
-            </a:r>
-          </a:p>
-          <a:p>
+              <a:t>Temps</a:t>
+            </a:r>
+            <a:endParaRPr lang="fr-CH" dirty="0" smtClean="0"/>
+          </a:p>
+          <a:p>
+            <a:r>
+              <a:rPr lang="fr-CH" dirty="0" smtClean="0"/>
+              <a:t>Points positifs tirés du </a:t>
+            </a:r>
+            <a:r>
+              <a:rPr lang="fr-CH" dirty="0" smtClean="0"/>
+              <a:t>projet</a:t>
+            </a:r>
+          </a:p>
+          <a:p>
+            <a:pPr lvl="1"/>
+            <a:r>
+              <a:rPr lang="fr-CH" dirty="0" smtClean="0"/>
+              <a:t>Expériences</a:t>
+            </a:r>
+            <a:endParaRPr lang="fr-CH" dirty="0" smtClean="0"/>
+          </a:p>
+          <a:p>
+            <a:r>
+              <a:rPr lang="fr-CH" dirty="0" smtClean="0"/>
+              <a:t>Construct3</a:t>
+            </a:r>
+          </a:p>
+          <a:p>
+            <a:pPr lvl="1"/>
+            <a:r>
+              <a:rPr lang="fr-CH" dirty="0" smtClean="0"/>
+              <a:t>Ses point forts / faibles</a:t>
+            </a:r>
             <a:endParaRPr lang="fr-CH" dirty="0" smtClean="0"/>
           </a:p>
           <a:p>

--- a/docs/virus306_presentation.pptx
+++ b/docs/virus306_presentation.pptx
@@ -113,6 +113,11 @@
       </a:defRPr>
     </a:lvl9pPr>
   </p:defaultTextStyle>
+  <p:extLst>
+    <p:ext uri="{EFAFB233-063F-42B5-8137-9DF3F51BA10A}">
+      <p15:sldGuideLst xmlns:p15="http://schemas.microsoft.com/office/powerpoint/2012/main"/>
+    </p:ext>
+  </p:extLst>
 </p:presentation>
 </file>
 
@@ -166,7 +171,7 @@
           <a:noFill/>
           <a:extLst>
             <a:ext uri="{909E8E84-426E-40dd-AFC4-6F175D3DCCD1}">
-              <a14:hiddenFill xmlns:a14="http://schemas.microsoft.com/office/drawing/2010/main" xmlns="">
+              <a14:hiddenFill xmlns="" xmlns:a14="http://schemas.microsoft.com/office/drawing/2010/main">
                 <a:solidFill>
                   <a:srgbClr val="FFFFFF"/>
                 </a:solidFill>
@@ -226,7 +231,7 @@
             </a:ln>
             <a:extLst>
               <a:ext uri="{91240B29-F687-4f45-9708-019B960494DF}">
-                <a14:hiddenLine xmlns:a14="http://schemas.microsoft.com/office/drawing/2010/main" xmlns="" w="9525">
+                <a14:hiddenLine xmlns="" xmlns:a14="http://schemas.microsoft.com/office/drawing/2010/main" w="9525">
                   <a:solidFill>
                     <a:srgbClr val="000000"/>
                   </a:solidFill>
@@ -316,7 +321,7 @@
             </a:ln>
             <a:extLst>
               <a:ext uri="{91240B29-F687-4f45-9708-019B960494DF}">
-                <a14:hiddenLine xmlns:a14="http://schemas.microsoft.com/office/drawing/2010/main" xmlns="" w="9525">
+                <a14:hiddenLine xmlns="" xmlns:a14="http://schemas.microsoft.com/office/drawing/2010/main" w="9525">
                   <a:solidFill>
                     <a:srgbClr val="000000"/>
                   </a:solidFill>
@@ -406,7 +411,7 @@
             </a:ln>
             <a:extLst>
               <a:ext uri="{91240B29-F687-4f45-9708-019B960494DF}">
-                <a14:hiddenLine xmlns:a14="http://schemas.microsoft.com/office/drawing/2010/main" xmlns="" w="9525">
+                <a14:hiddenLine xmlns="" xmlns:a14="http://schemas.microsoft.com/office/drawing/2010/main" w="9525">
                   <a:solidFill>
                     <a:srgbClr val="000000"/>
                   </a:solidFill>
@@ -440,7 +445,7 @@
             </a:ln>
             <a:extLst>
               <a:ext uri="{91240B29-F687-4f45-9708-019B960494DF}">
-                <a14:hiddenLine xmlns:a14="http://schemas.microsoft.com/office/drawing/2010/main" xmlns="" w="9525">
+                <a14:hiddenLine xmlns="" xmlns:a14="http://schemas.microsoft.com/office/drawing/2010/main" w="9525">
                   <a:solidFill>
                     <a:srgbClr val="000000"/>
                   </a:solidFill>
@@ -530,7 +535,7 @@
             </a:ln>
             <a:extLst>
               <a:ext uri="{91240B29-F687-4f45-9708-019B960494DF}">
-                <a14:hiddenLine xmlns:a14="http://schemas.microsoft.com/office/drawing/2010/main" xmlns="" w="9525">
+                <a14:hiddenLine xmlns="" xmlns:a14="http://schemas.microsoft.com/office/drawing/2010/main" w="9525">
                   <a:solidFill>
                     <a:srgbClr val="000000"/>
                   </a:solidFill>
@@ -592,7 +597,7 @@
             </a:ln>
             <a:extLst>
               <a:ext uri="{91240B29-F687-4f45-9708-019B960494DF}">
-                <a14:hiddenLine xmlns:a14="http://schemas.microsoft.com/office/drawing/2010/main" xmlns="" w="9525">
+                <a14:hiddenLine xmlns="" xmlns:a14="http://schemas.microsoft.com/office/drawing/2010/main" w="9525">
                   <a:solidFill>
                     <a:srgbClr val="000000"/>
                   </a:solidFill>
@@ -654,7 +659,7 @@
             </a:ln>
             <a:extLst>
               <a:ext uri="{91240B29-F687-4f45-9708-019B960494DF}">
-                <a14:hiddenLine xmlns:a14="http://schemas.microsoft.com/office/drawing/2010/main" xmlns="" w="9525">
+                <a14:hiddenLine xmlns="" xmlns:a14="http://schemas.microsoft.com/office/drawing/2010/main" w="9525">
                   <a:solidFill>
                     <a:srgbClr val="000000"/>
                   </a:solidFill>
@@ -744,7 +749,7 @@
             </a:ln>
             <a:extLst>
               <a:ext uri="{91240B29-F687-4f45-9708-019B960494DF}">
-                <a14:hiddenLine xmlns:a14="http://schemas.microsoft.com/office/drawing/2010/main" xmlns="" w="9525">
+                <a14:hiddenLine xmlns="" xmlns:a14="http://schemas.microsoft.com/office/drawing/2010/main" w="9525">
                   <a:solidFill>
                     <a:srgbClr val="000000"/>
                   </a:solidFill>
@@ -806,7 +811,7 @@
             </a:ln>
             <a:extLst>
               <a:ext uri="{91240B29-F687-4f45-9708-019B960494DF}">
-                <a14:hiddenLine xmlns:a14="http://schemas.microsoft.com/office/drawing/2010/main" xmlns="" w="9525">
+                <a14:hiddenLine xmlns="" xmlns:a14="http://schemas.microsoft.com/office/drawing/2010/main" w="9525">
                   <a:solidFill>
                     <a:srgbClr val="000000"/>
                   </a:solidFill>
@@ -868,7 +873,7 @@
             </a:ln>
             <a:extLst>
               <a:ext uri="{91240B29-F687-4f45-9708-019B960494DF}">
-                <a14:hiddenLine xmlns:a14="http://schemas.microsoft.com/office/drawing/2010/main" xmlns="" w="9525">
+                <a14:hiddenLine xmlns="" xmlns:a14="http://schemas.microsoft.com/office/drawing/2010/main" w="9525">
                   <a:solidFill>
                     <a:srgbClr val="000000"/>
                   </a:solidFill>
@@ -958,7 +963,7 @@
             </a:ln>
             <a:extLst>
               <a:ext uri="{91240B29-F687-4f45-9708-019B960494DF}">
-                <a14:hiddenLine xmlns:a14="http://schemas.microsoft.com/office/drawing/2010/main" xmlns="" w="9525">
+                <a14:hiddenLine xmlns="" xmlns:a14="http://schemas.microsoft.com/office/drawing/2010/main" w="9525">
                   <a:solidFill>
                     <a:srgbClr val="000000"/>
                   </a:solidFill>
@@ -1048,7 +1053,7 @@
             </a:ln>
             <a:extLst>
               <a:ext uri="{91240B29-F687-4f45-9708-019B960494DF}">
-                <a14:hiddenLine xmlns:a14="http://schemas.microsoft.com/office/drawing/2010/main" xmlns="" w="9525">
+                <a14:hiddenLine xmlns="" xmlns:a14="http://schemas.microsoft.com/office/drawing/2010/main" w="9525">
                   <a:solidFill>
                     <a:srgbClr val="000000"/>
                   </a:solidFill>
@@ -1110,7 +1115,7 @@
             </a:ln>
             <a:extLst>
               <a:ext uri="{91240B29-F687-4f45-9708-019B960494DF}">
-                <a14:hiddenLine xmlns:a14="http://schemas.microsoft.com/office/drawing/2010/main" xmlns="" w="9525">
+                <a14:hiddenLine xmlns="" xmlns:a14="http://schemas.microsoft.com/office/drawing/2010/main" w="9525">
                   <a:solidFill>
                     <a:srgbClr val="000000"/>
                   </a:solidFill>
@@ -1220,7 +1225,7 @@
             </a:ln>
             <a:extLst>
               <a:ext uri="{91240B29-F687-4f45-9708-019B960494DF}">
-                <a14:hiddenLine xmlns:a14="http://schemas.microsoft.com/office/drawing/2010/main" xmlns="" w="9525">
+                <a14:hiddenLine xmlns="" xmlns:a14="http://schemas.microsoft.com/office/drawing/2010/main" w="9525">
                   <a:solidFill>
                     <a:srgbClr val="000000"/>
                   </a:solidFill>
@@ -1282,7 +1287,7 @@
             </a:ln>
             <a:extLst>
               <a:ext uri="{91240B29-F687-4f45-9708-019B960494DF}">
-                <a14:hiddenLine xmlns:a14="http://schemas.microsoft.com/office/drawing/2010/main" xmlns="" w="9525">
+                <a14:hiddenLine xmlns="" xmlns:a14="http://schemas.microsoft.com/office/drawing/2010/main" w="9525">
                   <a:solidFill>
                     <a:srgbClr val="000000"/>
                   </a:solidFill>
@@ -1372,7 +1377,7 @@
             </a:ln>
             <a:extLst>
               <a:ext uri="{91240B29-F687-4f45-9708-019B960494DF}">
-                <a14:hiddenLine xmlns:a14="http://schemas.microsoft.com/office/drawing/2010/main" xmlns="" w="9525">
+                <a14:hiddenLine xmlns="" xmlns:a14="http://schemas.microsoft.com/office/drawing/2010/main" w="9525">
                   <a:solidFill>
                     <a:srgbClr val="000000"/>
                   </a:solidFill>
@@ -1462,7 +1467,7 @@
             </a:ln>
             <a:extLst>
               <a:ext uri="{91240B29-F687-4f45-9708-019B960494DF}">
-                <a14:hiddenLine xmlns:a14="http://schemas.microsoft.com/office/drawing/2010/main" xmlns="" w="9525">
+                <a14:hiddenLine xmlns="" xmlns:a14="http://schemas.microsoft.com/office/drawing/2010/main" w="9525">
                   <a:solidFill>
                     <a:srgbClr val="000000"/>
                   </a:solidFill>
@@ -1524,7 +1529,7 @@
             </a:ln>
             <a:extLst>
               <a:ext uri="{91240B29-F687-4f45-9708-019B960494DF}">
-                <a14:hiddenLine xmlns:a14="http://schemas.microsoft.com/office/drawing/2010/main" xmlns="" w="9525">
+                <a14:hiddenLine xmlns="" xmlns:a14="http://schemas.microsoft.com/office/drawing/2010/main" w="9525">
                   <a:solidFill>
                     <a:srgbClr val="000000"/>
                   </a:solidFill>
@@ -1614,7 +1619,7 @@
             </a:ln>
             <a:extLst>
               <a:ext uri="{91240B29-F687-4f45-9708-019B960494DF}">
-                <a14:hiddenLine xmlns:a14="http://schemas.microsoft.com/office/drawing/2010/main" xmlns="" w="9525">
+                <a14:hiddenLine xmlns="" xmlns:a14="http://schemas.microsoft.com/office/drawing/2010/main" w="9525">
                   <a:solidFill>
                     <a:srgbClr val="000000"/>
                   </a:solidFill>
@@ -1704,7 +1709,7 @@
             </a:ln>
             <a:extLst>
               <a:ext uri="{91240B29-F687-4f45-9708-019B960494DF}">
-                <a14:hiddenLine xmlns:a14="http://schemas.microsoft.com/office/drawing/2010/main" xmlns="" w="9525">
+                <a14:hiddenLine xmlns="" xmlns:a14="http://schemas.microsoft.com/office/drawing/2010/main" w="9525">
                   <a:solidFill>
                     <a:srgbClr val="000000"/>
                   </a:solidFill>
@@ -1760,7 +1765,7 @@
             </a:ln>
             <a:extLst>
               <a:ext uri="{91240B29-F687-4f45-9708-019B960494DF}">
-                <a14:hiddenLine xmlns:a14="http://schemas.microsoft.com/office/drawing/2010/main" xmlns="" w="9525">
+                <a14:hiddenLine xmlns="" xmlns:a14="http://schemas.microsoft.com/office/drawing/2010/main" w="9525">
                   <a:solidFill>
                     <a:srgbClr val="000000"/>
                   </a:solidFill>
@@ -1850,7 +1855,7 @@
             </a:ln>
             <a:extLst>
               <a:ext uri="{91240B29-F687-4f45-9708-019B960494DF}">
-                <a14:hiddenLine xmlns:a14="http://schemas.microsoft.com/office/drawing/2010/main" xmlns="" w="9525">
+                <a14:hiddenLine xmlns="" xmlns:a14="http://schemas.microsoft.com/office/drawing/2010/main" w="9525">
                   <a:solidFill>
                     <a:srgbClr val="000000"/>
                   </a:solidFill>
@@ -1906,7 +1911,7 @@
             </a:ln>
             <a:extLst>
               <a:ext uri="{91240B29-F687-4f45-9708-019B960494DF}">
-                <a14:hiddenLine xmlns:a14="http://schemas.microsoft.com/office/drawing/2010/main" xmlns="" w="9525">
+                <a14:hiddenLine xmlns="" xmlns:a14="http://schemas.microsoft.com/office/drawing/2010/main" w="9525">
                   <a:solidFill>
                     <a:srgbClr val="000000"/>
                   </a:solidFill>
@@ -1996,7 +2001,7 @@
             </a:ln>
             <a:extLst>
               <a:ext uri="{91240B29-F687-4f45-9708-019B960494DF}">
-                <a14:hiddenLine xmlns:a14="http://schemas.microsoft.com/office/drawing/2010/main" xmlns="" w="9525">
+                <a14:hiddenLine xmlns="" xmlns:a14="http://schemas.microsoft.com/office/drawing/2010/main" w="9525">
                   <a:solidFill>
                     <a:srgbClr val="000000"/>
                   </a:solidFill>
@@ -2064,7 +2069,7 @@
             </a:ln>
             <a:extLst>
               <a:ext uri="{91240B29-F687-4f45-9708-019B960494DF}">
-                <a14:hiddenLine xmlns:a14="http://schemas.microsoft.com/office/drawing/2010/main" xmlns="" w="9525">
+                <a14:hiddenLine xmlns="" xmlns:a14="http://schemas.microsoft.com/office/drawing/2010/main" w="9525">
                   <a:solidFill>
                     <a:srgbClr val="000000"/>
                   </a:solidFill>
@@ -2154,7 +2159,7 @@
             </a:ln>
             <a:extLst>
               <a:ext uri="{91240B29-F687-4f45-9708-019B960494DF}">
-                <a14:hiddenLine xmlns:a14="http://schemas.microsoft.com/office/drawing/2010/main" xmlns="" w="9525">
+                <a14:hiddenLine xmlns="" xmlns:a14="http://schemas.microsoft.com/office/drawing/2010/main" w="9525">
                   <a:solidFill>
                     <a:srgbClr val="000000"/>
                   </a:solidFill>
@@ -2222,7 +2227,7 @@
             </a:ln>
             <a:extLst>
               <a:ext uri="{91240B29-F687-4f45-9708-019B960494DF}">
-                <a14:hiddenLine xmlns:a14="http://schemas.microsoft.com/office/drawing/2010/main" xmlns="" w="9525">
+                <a14:hiddenLine xmlns="" xmlns:a14="http://schemas.microsoft.com/office/drawing/2010/main" w="9525">
                   <a:solidFill>
                     <a:srgbClr val="000000"/>
                   </a:solidFill>
@@ -2312,7 +2317,7 @@
             </a:ln>
             <a:extLst>
               <a:ext uri="{91240B29-F687-4f45-9708-019B960494DF}">
-                <a14:hiddenLine xmlns:a14="http://schemas.microsoft.com/office/drawing/2010/main" xmlns="" w="9525">
+                <a14:hiddenLine xmlns="" xmlns:a14="http://schemas.microsoft.com/office/drawing/2010/main" w="9525">
                   <a:solidFill>
                     <a:srgbClr val="000000"/>
                   </a:solidFill>
@@ -2346,7 +2351,7 @@
             </a:ln>
             <a:extLst>
               <a:ext uri="{91240B29-F687-4f45-9708-019B960494DF}">
-                <a14:hiddenLine xmlns:a14="http://schemas.microsoft.com/office/drawing/2010/main" xmlns="" w="9525">
+                <a14:hiddenLine xmlns="" xmlns:a14="http://schemas.microsoft.com/office/drawing/2010/main" w="9525">
                   <a:solidFill>
                     <a:srgbClr val="000000"/>
                   </a:solidFill>
@@ -2436,7 +2441,7 @@
             </a:ln>
             <a:extLst>
               <a:ext uri="{91240B29-F687-4f45-9708-019B960494DF}">
-                <a14:hiddenLine xmlns:a14="http://schemas.microsoft.com/office/drawing/2010/main" xmlns="" w="9525">
+                <a14:hiddenLine xmlns="" xmlns:a14="http://schemas.microsoft.com/office/drawing/2010/main" w="9525">
                   <a:solidFill>
                     <a:srgbClr val="000000"/>
                   </a:solidFill>
@@ -2498,7 +2503,7 @@
             </a:ln>
             <a:extLst>
               <a:ext uri="{91240B29-F687-4f45-9708-019B960494DF}">
-                <a14:hiddenLine xmlns:a14="http://schemas.microsoft.com/office/drawing/2010/main" xmlns="" w="9525">
+                <a14:hiddenLine xmlns="" xmlns:a14="http://schemas.microsoft.com/office/drawing/2010/main" w="9525">
                   <a:solidFill>
                     <a:srgbClr val="000000"/>
                   </a:solidFill>
@@ -2560,7 +2565,7 @@
             </a:ln>
             <a:extLst>
               <a:ext uri="{91240B29-F687-4f45-9708-019B960494DF}">
-                <a14:hiddenLine xmlns:a14="http://schemas.microsoft.com/office/drawing/2010/main" xmlns="" w="9525">
+                <a14:hiddenLine xmlns="" xmlns:a14="http://schemas.microsoft.com/office/drawing/2010/main" w="9525">
                   <a:solidFill>
                     <a:srgbClr val="000000"/>
                   </a:solidFill>
@@ -2650,7 +2655,7 @@
             </a:ln>
             <a:extLst>
               <a:ext uri="{91240B29-F687-4f45-9708-019B960494DF}">
-                <a14:hiddenLine xmlns:a14="http://schemas.microsoft.com/office/drawing/2010/main" xmlns="" w="9525">
+                <a14:hiddenLine xmlns="" xmlns:a14="http://schemas.microsoft.com/office/drawing/2010/main" w="9525">
                   <a:solidFill>
                     <a:srgbClr val="000000"/>
                   </a:solidFill>
@@ -2718,7 +2723,7 @@
             </a:ln>
             <a:extLst>
               <a:ext uri="{91240B29-F687-4f45-9708-019B960494DF}">
-                <a14:hiddenLine xmlns:a14="http://schemas.microsoft.com/office/drawing/2010/main" xmlns="" w="9525">
+                <a14:hiddenLine xmlns="" xmlns:a14="http://schemas.microsoft.com/office/drawing/2010/main" w="9525">
                   <a:solidFill>
                     <a:srgbClr val="000000"/>
                   </a:solidFill>
@@ -2780,7 +2785,7 @@
             </a:ln>
             <a:extLst>
               <a:ext uri="{91240B29-F687-4f45-9708-019B960494DF}">
-                <a14:hiddenLine xmlns:a14="http://schemas.microsoft.com/office/drawing/2010/main" xmlns="" w="9525">
+                <a14:hiddenLine xmlns="" xmlns:a14="http://schemas.microsoft.com/office/drawing/2010/main" w="9525">
                   <a:solidFill>
                     <a:srgbClr val="000000"/>
                   </a:solidFill>
@@ -2870,7 +2875,7 @@
             </a:ln>
             <a:extLst>
               <a:ext uri="{91240B29-F687-4f45-9708-019B960494DF}">
-                <a14:hiddenLine xmlns:a14="http://schemas.microsoft.com/office/drawing/2010/main" xmlns="" w="9525">
+                <a14:hiddenLine xmlns="" xmlns:a14="http://schemas.microsoft.com/office/drawing/2010/main" w="9525">
                   <a:solidFill>
                     <a:srgbClr val="000000"/>
                   </a:solidFill>
@@ -2932,7 +2937,7 @@
             </a:ln>
             <a:extLst>
               <a:ext uri="{91240B29-F687-4f45-9708-019B960494DF}">
-                <a14:hiddenLine xmlns:a14="http://schemas.microsoft.com/office/drawing/2010/main" xmlns="" w="9525">
+                <a14:hiddenLine xmlns="" xmlns:a14="http://schemas.microsoft.com/office/drawing/2010/main" w="9525">
                   <a:solidFill>
                     <a:srgbClr val="000000"/>
                   </a:solidFill>
@@ -3022,7 +3027,7 @@
             </a:ln>
             <a:extLst>
               <a:ext uri="{91240B29-F687-4f45-9708-019B960494DF}">
-                <a14:hiddenLine xmlns:a14="http://schemas.microsoft.com/office/drawing/2010/main" xmlns="" w="9525">
+                <a14:hiddenLine xmlns="" xmlns:a14="http://schemas.microsoft.com/office/drawing/2010/main" w="9525">
                   <a:solidFill>
                     <a:srgbClr val="000000"/>
                   </a:solidFill>
@@ -3084,7 +3089,7 @@
             </a:ln>
             <a:extLst>
               <a:ext uri="{91240B29-F687-4f45-9708-019B960494DF}">
-                <a14:hiddenLine xmlns:a14="http://schemas.microsoft.com/office/drawing/2010/main" xmlns="" w="9525">
+                <a14:hiddenLine xmlns="" xmlns:a14="http://schemas.microsoft.com/office/drawing/2010/main" w="9525">
                   <a:solidFill>
                     <a:srgbClr val="000000"/>
                   </a:solidFill>
@@ -3174,7 +3179,7 @@
             </a:ln>
             <a:extLst>
               <a:ext uri="{91240B29-F687-4f45-9708-019B960494DF}">
-                <a14:hiddenLine xmlns:a14="http://schemas.microsoft.com/office/drawing/2010/main" xmlns="" w="9525">
+                <a14:hiddenLine xmlns="" xmlns:a14="http://schemas.microsoft.com/office/drawing/2010/main" w="9525">
                   <a:solidFill>
                     <a:srgbClr val="000000"/>
                   </a:solidFill>
@@ -3208,7 +3213,7 @@
             </a:ln>
             <a:extLst>
               <a:ext uri="{91240B29-F687-4f45-9708-019B960494DF}">
-                <a14:hiddenLine xmlns:a14="http://schemas.microsoft.com/office/drawing/2010/main" xmlns="" w="9525">
+                <a14:hiddenLine xmlns="" xmlns:a14="http://schemas.microsoft.com/office/drawing/2010/main" w="9525">
                   <a:solidFill>
                     <a:srgbClr val="000000"/>
                   </a:solidFill>
@@ -3273,7 +3278,7 @@
             </a:ln>
             <a:extLst>
               <a:ext uri="{91240B29-F687-4f45-9708-019B960494DF}">
-                <a14:hiddenLine xmlns:a14="http://schemas.microsoft.com/office/drawing/2010/main" xmlns="" w="9525">
+                <a14:hiddenLine xmlns="" xmlns:a14="http://schemas.microsoft.com/office/drawing/2010/main" w="9525">
                   <a:solidFill>
                     <a:srgbClr val="000000"/>
                   </a:solidFill>
@@ -3363,7 +3368,7 @@
             </a:ln>
             <a:extLst>
               <a:ext uri="{91240B29-F687-4f45-9708-019B960494DF}">
-                <a14:hiddenLine xmlns:a14="http://schemas.microsoft.com/office/drawing/2010/main" xmlns="" w="9525">
+                <a14:hiddenLine xmlns="" xmlns:a14="http://schemas.microsoft.com/office/drawing/2010/main" w="9525">
                   <a:solidFill>
                     <a:srgbClr val="000000"/>
                   </a:solidFill>
@@ -3425,7 +3430,7 @@
             </a:ln>
             <a:extLst>
               <a:ext uri="{91240B29-F687-4f45-9708-019B960494DF}">
-                <a14:hiddenLine xmlns:a14="http://schemas.microsoft.com/office/drawing/2010/main" xmlns="" w="9525">
+                <a14:hiddenLine xmlns="" xmlns:a14="http://schemas.microsoft.com/office/drawing/2010/main" w="9525">
                   <a:solidFill>
                     <a:srgbClr val="000000"/>
                   </a:solidFill>
@@ -3515,7 +3520,7 @@
             </a:ln>
             <a:extLst>
               <a:ext uri="{91240B29-F687-4f45-9708-019B960494DF}">
-                <a14:hiddenLine xmlns:a14="http://schemas.microsoft.com/office/drawing/2010/main" xmlns="" w="9525">
+                <a14:hiddenLine xmlns="" xmlns:a14="http://schemas.microsoft.com/office/drawing/2010/main" w="9525">
                   <a:solidFill>
                     <a:srgbClr val="000000"/>
                   </a:solidFill>
@@ -3605,7 +3610,7 @@
             </a:ln>
             <a:extLst>
               <a:ext uri="{91240B29-F687-4f45-9708-019B960494DF}">
-                <a14:hiddenLine xmlns:a14="http://schemas.microsoft.com/office/drawing/2010/main" xmlns="" w="9525">
+                <a14:hiddenLine xmlns="" xmlns:a14="http://schemas.microsoft.com/office/drawing/2010/main" w="9525">
                   <a:solidFill>
                     <a:srgbClr val="000000"/>
                   </a:solidFill>
@@ -3670,7 +3675,7 @@
             </a:ln>
             <a:extLst>
               <a:ext uri="{91240B29-F687-4f45-9708-019B960494DF}">
-                <a14:hiddenLine xmlns:a14="http://schemas.microsoft.com/office/drawing/2010/main" xmlns="" w="9525">
+                <a14:hiddenLine xmlns="" xmlns:a14="http://schemas.microsoft.com/office/drawing/2010/main" w="9525">
                   <a:solidFill>
                     <a:srgbClr val="000000"/>
                   </a:solidFill>
@@ -3732,7 +3737,7 @@
             </a:ln>
             <a:extLst>
               <a:ext uri="{91240B29-F687-4f45-9708-019B960494DF}">
-                <a14:hiddenLine xmlns:a14="http://schemas.microsoft.com/office/drawing/2010/main" xmlns="" w="9525">
+                <a14:hiddenLine xmlns="" xmlns:a14="http://schemas.microsoft.com/office/drawing/2010/main" w="9525">
                   <a:solidFill>
                     <a:srgbClr val="000000"/>
                   </a:solidFill>
@@ -3822,7 +3827,7 @@
             </a:ln>
             <a:extLst>
               <a:ext uri="{91240B29-F687-4f45-9708-019B960494DF}">
-                <a14:hiddenLine xmlns:a14="http://schemas.microsoft.com/office/drawing/2010/main" xmlns="" w="9525">
+                <a14:hiddenLine xmlns="" xmlns:a14="http://schemas.microsoft.com/office/drawing/2010/main" w="9525">
                   <a:solidFill>
                     <a:srgbClr val="000000"/>
                   </a:solidFill>
@@ -3912,7 +3917,7 @@
             </a:ln>
             <a:extLst>
               <a:ext uri="{91240B29-F687-4f45-9708-019B960494DF}">
-                <a14:hiddenLine xmlns:a14="http://schemas.microsoft.com/office/drawing/2010/main" xmlns="" w="9525">
+                <a14:hiddenLine xmlns="" xmlns:a14="http://schemas.microsoft.com/office/drawing/2010/main" w="9525">
                   <a:solidFill>
                     <a:srgbClr val="000000"/>
                   </a:solidFill>
@@ -3974,7 +3979,7 @@
             </a:ln>
             <a:extLst>
               <a:ext uri="{91240B29-F687-4f45-9708-019B960494DF}">
-                <a14:hiddenLine xmlns:a14="http://schemas.microsoft.com/office/drawing/2010/main" xmlns="" w="9525">
+                <a14:hiddenLine xmlns="" xmlns:a14="http://schemas.microsoft.com/office/drawing/2010/main" w="9525">
                   <a:solidFill>
                     <a:srgbClr val="000000"/>
                   </a:solidFill>
@@ -4094,7 +4099,7 @@
             </a:ln>
             <a:extLst>
               <a:ext uri="{91240B29-F687-4f45-9708-019B960494DF}">
-                <a14:hiddenLine xmlns:a14="http://schemas.microsoft.com/office/drawing/2010/main" xmlns="" w="9525">
+                <a14:hiddenLine xmlns="" xmlns:a14="http://schemas.microsoft.com/office/drawing/2010/main" w="9525">
                   <a:solidFill>
                     <a:srgbClr val="000000"/>
                   </a:solidFill>
@@ -4162,7 +4167,7 @@
             </a:ln>
             <a:extLst>
               <a:ext uri="{91240B29-F687-4f45-9708-019B960494DF}">
-                <a14:hiddenLine xmlns:a14="http://schemas.microsoft.com/office/drawing/2010/main" xmlns="" w="9525">
+                <a14:hiddenLine xmlns="" xmlns:a14="http://schemas.microsoft.com/office/drawing/2010/main" w="9525">
                   <a:solidFill>
                     <a:srgbClr val="000000"/>
                   </a:solidFill>
@@ -4252,7 +4257,7 @@
             </a:ln>
             <a:extLst>
               <a:ext uri="{91240B29-F687-4f45-9708-019B960494DF}">
-                <a14:hiddenLine xmlns:a14="http://schemas.microsoft.com/office/drawing/2010/main" xmlns="" w="9525">
+                <a14:hiddenLine xmlns="" xmlns:a14="http://schemas.microsoft.com/office/drawing/2010/main" w="9525">
                   <a:solidFill>
                     <a:srgbClr val="000000"/>
                   </a:solidFill>
@@ -9059,7 +9064,7 @@
           <a:noFill/>
           <a:extLst>
             <a:ext uri="{909E8E84-426E-40dd-AFC4-6F175D3DCCD1}">
-              <a14:hiddenFill xmlns:a14="http://schemas.microsoft.com/office/drawing/2010/main" xmlns="">
+              <a14:hiddenFill xmlns="" xmlns:a14="http://schemas.microsoft.com/office/drawing/2010/main">
                 <a:solidFill>
                   <a:srgbClr val="FFFFFF"/>
                 </a:solidFill>
@@ -9133,7 +9138,7 @@
               </a:ln>
               <a:extLst>
                 <a:ext uri="{91240B29-F687-4f45-9708-019B960494DF}">
-                  <a14:hiddenLine xmlns:a14="http://schemas.microsoft.com/office/drawing/2010/main" xmlns="" w="9525">
+                  <a14:hiddenLine xmlns="" xmlns:a14="http://schemas.microsoft.com/office/drawing/2010/main" w="9525">
                     <a:solidFill>
                       <a:srgbClr val="000000"/>
                     </a:solidFill>
@@ -9223,7 +9228,7 @@
               </a:ln>
               <a:extLst>
                 <a:ext uri="{91240B29-F687-4f45-9708-019B960494DF}">
-                  <a14:hiddenLine xmlns:a14="http://schemas.microsoft.com/office/drawing/2010/main" xmlns="" w="9525">
+                  <a14:hiddenLine xmlns="" xmlns:a14="http://schemas.microsoft.com/office/drawing/2010/main" w="9525">
                     <a:solidFill>
                       <a:srgbClr val="000000"/>
                     </a:solidFill>
@@ -9313,7 +9318,7 @@
               </a:ln>
               <a:extLst>
                 <a:ext uri="{91240B29-F687-4f45-9708-019B960494DF}">
-                  <a14:hiddenLine xmlns:a14="http://schemas.microsoft.com/office/drawing/2010/main" xmlns="" w="9525">
+                  <a14:hiddenLine xmlns="" xmlns:a14="http://schemas.microsoft.com/office/drawing/2010/main" w="9525">
                     <a:solidFill>
                       <a:srgbClr val="000000"/>
                     </a:solidFill>
@@ -9375,7 +9380,7 @@
               </a:ln>
               <a:extLst>
                 <a:ext uri="{91240B29-F687-4f45-9708-019B960494DF}">
-                  <a14:hiddenLine xmlns:a14="http://schemas.microsoft.com/office/drawing/2010/main" xmlns="" w="9525">
+                  <a14:hiddenLine xmlns="" xmlns:a14="http://schemas.microsoft.com/office/drawing/2010/main" w="9525">
                     <a:solidFill>
                       <a:srgbClr val="000000"/>
                     </a:solidFill>
@@ -9465,7 +9470,7 @@
               </a:ln>
               <a:extLst>
                 <a:ext uri="{91240B29-F687-4f45-9708-019B960494DF}">
-                  <a14:hiddenLine xmlns:a14="http://schemas.microsoft.com/office/drawing/2010/main" xmlns="" w="9525">
+                  <a14:hiddenLine xmlns="" xmlns:a14="http://schemas.microsoft.com/office/drawing/2010/main" w="9525">
                     <a:solidFill>
                       <a:srgbClr val="000000"/>
                     </a:solidFill>
@@ -9527,7 +9532,7 @@
               </a:ln>
               <a:extLst>
                 <a:ext uri="{91240B29-F687-4f45-9708-019B960494DF}">
-                  <a14:hiddenLine xmlns:a14="http://schemas.microsoft.com/office/drawing/2010/main" xmlns="" w="9525">
+                  <a14:hiddenLine xmlns="" xmlns:a14="http://schemas.microsoft.com/office/drawing/2010/main" w="9525">
                     <a:solidFill>
                       <a:srgbClr val="000000"/>
                     </a:solidFill>
@@ -9589,7 +9594,7 @@
               </a:ln>
               <a:extLst>
                 <a:ext uri="{91240B29-F687-4f45-9708-019B960494DF}">
-                  <a14:hiddenLine xmlns:a14="http://schemas.microsoft.com/office/drawing/2010/main" xmlns="" w="9525">
+                  <a14:hiddenLine xmlns="" xmlns:a14="http://schemas.microsoft.com/office/drawing/2010/main" w="9525">
                     <a:solidFill>
                       <a:srgbClr val="000000"/>
                     </a:solidFill>
@@ -9679,7 +9684,7 @@
               </a:ln>
               <a:extLst>
                 <a:ext uri="{91240B29-F687-4f45-9708-019B960494DF}">
-                  <a14:hiddenLine xmlns:a14="http://schemas.microsoft.com/office/drawing/2010/main" xmlns="" w="9525">
+                  <a14:hiddenLine xmlns="" xmlns:a14="http://schemas.microsoft.com/office/drawing/2010/main" w="9525">
                     <a:solidFill>
                       <a:srgbClr val="000000"/>
                     </a:solidFill>
@@ -9769,7 +9774,7 @@
               </a:ln>
               <a:extLst>
                 <a:ext uri="{91240B29-F687-4f45-9708-019B960494DF}">
-                  <a14:hiddenLine xmlns:a14="http://schemas.microsoft.com/office/drawing/2010/main" xmlns="" w="9525">
+                  <a14:hiddenLine xmlns="" xmlns:a14="http://schemas.microsoft.com/office/drawing/2010/main" w="9525">
                     <a:solidFill>
                       <a:srgbClr val="000000"/>
                     </a:solidFill>
@@ -9831,7 +9836,7 @@
               </a:ln>
               <a:extLst>
                 <a:ext uri="{91240B29-F687-4f45-9708-019B960494DF}">
-                  <a14:hiddenLine xmlns:a14="http://schemas.microsoft.com/office/drawing/2010/main" xmlns="" w="9525">
+                  <a14:hiddenLine xmlns="" xmlns:a14="http://schemas.microsoft.com/office/drawing/2010/main" w="9525">
                     <a:solidFill>
                       <a:srgbClr val="000000"/>
                     </a:solidFill>
@@ -9941,7 +9946,7 @@
               </a:ln>
               <a:extLst>
                 <a:ext uri="{91240B29-F687-4f45-9708-019B960494DF}">
-                  <a14:hiddenLine xmlns:a14="http://schemas.microsoft.com/office/drawing/2010/main" xmlns="" w="9525">
+                  <a14:hiddenLine xmlns="" xmlns:a14="http://schemas.microsoft.com/office/drawing/2010/main" w="9525">
                     <a:solidFill>
                       <a:srgbClr val="000000"/>
                     </a:solidFill>
@@ -10025,7 +10030,7 @@
               </a:ln>
               <a:extLst>
                 <a:ext uri="{91240B29-F687-4f45-9708-019B960494DF}">
-                  <a14:hiddenLine xmlns:a14="http://schemas.microsoft.com/office/drawing/2010/main" xmlns="" w="9525">
+                  <a14:hiddenLine xmlns="" xmlns:a14="http://schemas.microsoft.com/office/drawing/2010/main" w="9525">
                     <a:solidFill>
                       <a:srgbClr val="000000"/>
                     </a:solidFill>
@@ -10087,7 +10092,7 @@
               </a:ln>
               <a:extLst>
                 <a:ext uri="{91240B29-F687-4f45-9708-019B960494DF}">
-                  <a14:hiddenLine xmlns:a14="http://schemas.microsoft.com/office/drawing/2010/main" xmlns="" w="9525">
+                  <a14:hiddenLine xmlns="" xmlns:a14="http://schemas.microsoft.com/office/drawing/2010/main" w="9525">
                     <a:solidFill>
                       <a:srgbClr val="000000"/>
                     </a:solidFill>
@@ -10149,7 +10154,7 @@
               </a:ln>
               <a:extLst>
                 <a:ext uri="{91240B29-F687-4f45-9708-019B960494DF}">
-                  <a14:hiddenLine xmlns:a14="http://schemas.microsoft.com/office/drawing/2010/main" xmlns="" w="9525">
+                  <a14:hiddenLine xmlns="" xmlns:a14="http://schemas.microsoft.com/office/drawing/2010/main" w="9525">
                     <a:solidFill>
                       <a:srgbClr val="000000"/>
                     </a:solidFill>
@@ -10239,7 +10244,7 @@
               </a:ln>
               <a:extLst>
                 <a:ext uri="{91240B29-F687-4f45-9708-019B960494DF}">
-                  <a14:hiddenLine xmlns:a14="http://schemas.microsoft.com/office/drawing/2010/main" xmlns="" w="9525">
+                  <a14:hiddenLine xmlns="" xmlns:a14="http://schemas.microsoft.com/office/drawing/2010/main" w="9525">
                     <a:solidFill>
                       <a:srgbClr val="000000"/>
                     </a:solidFill>
@@ -10273,7 +10278,7 @@
               </a:ln>
               <a:extLst>
                 <a:ext uri="{91240B29-F687-4f45-9708-019B960494DF}">
-                  <a14:hiddenLine xmlns:a14="http://schemas.microsoft.com/office/drawing/2010/main" xmlns="" w="9525">
+                  <a14:hiddenLine xmlns="" xmlns:a14="http://schemas.microsoft.com/office/drawing/2010/main" w="9525">
                     <a:solidFill>
                       <a:srgbClr val="000000"/>
                     </a:solidFill>
@@ -10338,7 +10343,7 @@
               </a:ln>
               <a:extLst>
                 <a:ext uri="{91240B29-F687-4f45-9708-019B960494DF}">
-                  <a14:hiddenLine xmlns:a14="http://schemas.microsoft.com/office/drawing/2010/main" xmlns="" w="9525">
+                  <a14:hiddenLine xmlns="" xmlns:a14="http://schemas.microsoft.com/office/drawing/2010/main" w="9525">
                     <a:solidFill>
                       <a:srgbClr val="000000"/>
                     </a:solidFill>
@@ -10428,7 +10433,7 @@
               </a:ln>
               <a:extLst>
                 <a:ext uri="{91240B29-F687-4f45-9708-019B960494DF}">
-                  <a14:hiddenLine xmlns:a14="http://schemas.microsoft.com/office/drawing/2010/main" xmlns="" w="9525">
+                  <a14:hiddenLine xmlns="" xmlns:a14="http://schemas.microsoft.com/office/drawing/2010/main" w="9525">
                     <a:solidFill>
                       <a:srgbClr val="000000"/>
                     </a:solidFill>
@@ -10490,7 +10495,7 @@
               </a:ln>
               <a:extLst>
                 <a:ext uri="{91240B29-F687-4f45-9708-019B960494DF}">
-                  <a14:hiddenLine xmlns:a14="http://schemas.microsoft.com/office/drawing/2010/main" xmlns="" w="9525">
+                  <a14:hiddenLine xmlns="" xmlns:a14="http://schemas.microsoft.com/office/drawing/2010/main" w="9525">
                     <a:solidFill>
                       <a:srgbClr val="000000"/>
                     </a:solidFill>
@@ -10580,7 +10585,7 @@
               </a:ln>
               <a:extLst>
                 <a:ext uri="{91240B29-F687-4f45-9708-019B960494DF}">
-                  <a14:hiddenLine xmlns:a14="http://schemas.microsoft.com/office/drawing/2010/main" xmlns="" w="9525">
+                  <a14:hiddenLine xmlns="" xmlns:a14="http://schemas.microsoft.com/office/drawing/2010/main" w="9525">
                     <a:solidFill>
                       <a:srgbClr val="000000"/>
                     </a:solidFill>
@@ -10645,7 +10650,7 @@
               </a:ln>
               <a:extLst>
                 <a:ext uri="{91240B29-F687-4f45-9708-019B960494DF}">
-                  <a14:hiddenLine xmlns:a14="http://schemas.microsoft.com/office/drawing/2010/main" xmlns="" w="9525">
+                  <a14:hiddenLine xmlns="" xmlns:a14="http://schemas.microsoft.com/office/drawing/2010/main" w="9525">
                     <a:solidFill>
                       <a:srgbClr val="000000"/>
                     </a:solidFill>
@@ -10707,7 +10712,7 @@
               </a:ln>
               <a:extLst>
                 <a:ext uri="{91240B29-F687-4f45-9708-019B960494DF}">
-                  <a14:hiddenLine xmlns:a14="http://schemas.microsoft.com/office/drawing/2010/main" xmlns="" w="9525">
+                  <a14:hiddenLine xmlns="" xmlns:a14="http://schemas.microsoft.com/office/drawing/2010/main" w="9525">
                     <a:solidFill>
                       <a:srgbClr val="000000"/>
                     </a:solidFill>
@@ -10797,7 +10802,7 @@
               </a:ln>
               <a:extLst>
                 <a:ext uri="{91240B29-F687-4f45-9708-019B960494DF}">
-                  <a14:hiddenLine xmlns:a14="http://schemas.microsoft.com/office/drawing/2010/main" xmlns="" w="9525">
+                  <a14:hiddenLine xmlns="" xmlns:a14="http://schemas.microsoft.com/office/drawing/2010/main" w="9525">
                     <a:solidFill>
                       <a:srgbClr val="000000"/>
                     </a:solidFill>
@@ -10887,7 +10892,7 @@
               </a:ln>
               <a:extLst>
                 <a:ext uri="{91240B29-F687-4f45-9708-019B960494DF}">
-                  <a14:hiddenLine xmlns:a14="http://schemas.microsoft.com/office/drawing/2010/main" xmlns="" w="9525">
+                  <a14:hiddenLine xmlns="" xmlns:a14="http://schemas.microsoft.com/office/drawing/2010/main" w="9525">
                     <a:solidFill>
                       <a:srgbClr val="000000"/>
                     </a:solidFill>
@@ -10952,7 +10957,7 @@
               </a:ln>
               <a:extLst>
                 <a:ext uri="{91240B29-F687-4f45-9708-019B960494DF}">
-                  <a14:hiddenLine xmlns:a14="http://schemas.microsoft.com/office/drawing/2010/main" xmlns="" w="9525">
+                  <a14:hiddenLine xmlns="" xmlns:a14="http://schemas.microsoft.com/office/drawing/2010/main" w="9525">
                     <a:solidFill>
                       <a:srgbClr val="000000"/>
                     </a:solidFill>
@@ -11072,7 +11077,7 @@
               </a:ln>
               <a:extLst>
                 <a:ext uri="{91240B29-F687-4f45-9708-019B960494DF}">
-                  <a14:hiddenLine xmlns:a14="http://schemas.microsoft.com/office/drawing/2010/main" xmlns="" w="9525">
+                  <a14:hiddenLine xmlns="" xmlns:a14="http://schemas.microsoft.com/office/drawing/2010/main" w="9525">
                     <a:solidFill>
                       <a:srgbClr val="000000"/>
                     </a:solidFill>
@@ -11170,7 +11175,7 @@
               </a:ln>
               <a:extLst>
                 <a:ext uri="{91240B29-F687-4f45-9708-019B960494DF}">
-                  <a14:hiddenLine xmlns:a14="http://schemas.microsoft.com/office/drawing/2010/main" xmlns="" w="9525">
+                  <a14:hiddenLine xmlns="" xmlns:a14="http://schemas.microsoft.com/office/drawing/2010/main" w="9525">
                     <a:solidFill>
                       <a:srgbClr val="000000"/>
                     </a:solidFill>
@@ -11285,7 +11290,7 @@
               </a:ln>
               <a:extLst>
                 <a:ext uri="{91240B29-F687-4f45-9708-019B960494DF}">
-                  <a14:hiddenLine xmlns:a14="http://schemas.microsoft.com/office/drawing/2010/main" xmlns="" w="9525">
+                  <a14:hiddenLine xmlns="" xmlns:a14="http://schemas.microsoft.com/office/drawing/2010/main" w="9525">
                     <a:solidFill>
                       <a:srgbClr val="000000"/>
                     </a:solidFill>
@@ -11375,7 +11380,7 @@
               </a:ln>
               <a:extLst>
                 <a:ext uri="{91240B29-F687-4f45-9708-019B960494DF}">
-                  <a14:hiddenLine xmlns:a14="http://schemas.microsoft.com/office/drawing/2010/main" xmlns="" w="9525">
+                  <a14:hiddenLine xmlns="" xmlns:a14="http://schemas.microsoft.com/office/drawing/2010/main" w="9525">
                     <a:solidFill>
                       <a:srgbClr val="000000"/>
                     </a:solidFill>
@@ -11440,7 +11445,7 @@
               </a:ln>
               <a:extLst>
                 <a:ext uri="{91240B29-F687-4f45-9708-019B960494DF}">
-                  <a14:hiddenLine xmlns:a14="http://schemas.microsoft.com/office/drawing/2010/main" xmlns="" w="9525">
+                  <a14:hiddenLine xmlns="" xmlns:a14="http://schemas.microsoft.com/office/drawing/2010/main" w="9525">
                     <a:solidFill>
                       <a:srgbClr val="000000"/>
                     </a:solidFill>
@@ -11530,7 +11535,7 @@
               </a:ln>
               <a:extLst>
                 <a:ext uri="{91240B29-F687-4f45-9708-019B960494DF}">
-                  <a14:hiddenLine xmlns:a14="http://schemas.microsoft.com/office/drawing/2010/main" xmlns="" w="9525">
+                  <a14:hiddenLine xmlns="" xmlns:a14="http://schemas.microsoft.com/office/drawing/2010/main" w="9525">
                     <a:solidFill>
                       <a:srgbClr val="000000"/>
                     </a:solidFill>
@@ -11598,7 +11603,7 @@
               </a:ln>
               <a:extLst>
                 <a:ext uri="{91240B29-F687-4f45-9708-019B960494DF}">
-                  <a14:hiddenLine xmlns:a14="http://schemas.microsoft.com/office/drawing/2010/main" xmlns="" w="9525">
+                  <a14:hiddenLine xmlns="" xmlns:a14="http://schemas.microsoft.com/office/drawing/2010/main" w="9525">
                     <a:solidFill>
                       <a:srgbClr val="000000"/>
                     </a:solidFill>
@@ -11688,7 +11693,7 @@
               </a:ln>
               <a:extLst>
                 <a:ext uri="{91240B29-F687-4f45-9708-019B960494DF}">
-                  <a14:hiddenLine xmlns:a14="http://schemas.microsoft.com/office/drawing/2010/main" xmlns="" w="9525">
+                  <a14:hiddenLine xmlns="" xmlns:a14="http://schemas.microsoft.com/office/drawing/2010/main" w="9525">
                     <a:solidFill>
                       <a:srgbClr val="000000"/>
                     </a:solidFill>
@@ -11756,7 +11761,7 @@
               </a:ln>
               <a:extLst>
                 <a:ext uri="{91240B29-F687-4f45-9708-019B960494DF}">
-                  <a14:hiddenLine xmlns:a14="http://schemas.microsoft.com/office/drawing/2010/main" xmlns="" w="9525">
+                  <a14:hiddenLine xmlns="" xmlns:a14="http://schemas.microsoft.com/office/drawing/2010/main" w="9525">
                     <a:solidFill>
                       <a:srgbClr val="000000"/>
                     </a:solidFill>
@@ -11846,7 +11851,7 @@
               </a:ln>
               <a:extLst>
                 <a:ext uri="{91240B29-F687-4f45-9708-019B960494DF}">
-                  <a14:hiddenLine xmlns:a14="http://schemas.microsoft.com/office/drawing/2010/main" xmlns="" w="9525">
+                  <a14:hiddenLine xmlns="" xmlns:a14="http://schemas.microsoft.com/office/drawing/2010/main" w="9525">
                     <a:solidFill>
                       <a:srgbClr val="000000"/>
                     </a:solidFill>
@@ -11880,7 +11885,7 @@
               </a:ln>
               <a:extLst>
                 <a:ext uri="{91240B29-F687-4f45-9708-019B960494DF}">
-                  <a14:hiddenLine xmlns:a14="http://schemas.microsoft.com/office/drawing/2010/main" xmlns="" w="9525">
+                  <a14:hiddenLine xmlns="" xmlns:a14="http://schemas.microsoft.com/office/drawing/2010/main" w="9525">
                     <a:solidFill>
                       <a:srgbClr val="000000"/>
                     </a:solidFill>
@@ -13337,36 +13342,6 @@
       </p:sp>
       <p:pic>
         <p:nvPicPr>
-          <p:cNvPr id="4" name="Image 3"/>
-          <p:cNvPicPr>
-            <a:picLocks noChangeAspect="1"/>
-          </p:cNvPicPr>
-          <p:nvPr/>
-        </p:nvPicPr>
-        <p:blipFill>
-          <a:blip r:embed="rId2">
-            <a:extLst>
-              <a:ext uri="{28A0092B-C50C-407E-A947-70E740481C1C}">
-                <a14:useLocalDpi xmlns:a14="http://schemas.microsoft.com/office/drawing/2010/main" val="0"/>
-              </a:ext>
-            </a:extLst>
-          </a:blip>
-          <a:stretch>
-            <a:fillRect/>
-          </a:stretch>
-        </p:blipFill>
-        <p:spPr>
-          <a:xfrm rot="10800000">
-            <a:off x="5276088" y="3392486"/>
-            <a:ext cx="3271691" cy="1956753"/>
-          </a:xfrm>
-          <a:prstGeom prst="rect">
-            <a:avLst/>
-          </a:prstGeom>
-        </p:spPr>
-      </p:pic>
-      <p:pic>
-        <p:nvPicPr>
           <p:cNvPr id="5" name="Image 4"/>
           <p:cNvPicPr>
             <a:picLocks noChangeAspect="1"/>
@@ -13374,7 +13349,7 @@
           <p:nvPr/>
         </p:nvPicPr>
         <p:blipFill>
-          <a:blip r:embed="rId3"/>
+          <a:blip r:embed="rId2"/>
           <a:stretch>
             <a:fillRect/>
           </a:stretch>
@@ -13397,6 +13372,73 @@
               </a:srgbClr>
             </a:outerShdw>
           </a:effectLst>
+        </p:spPr>
+      </p:pic>
+      <p:pic>
+        <p:nvPicPr>
+          <p:cNvPr id="6" name="Image 5"/>
+          <p:cNvPicPr>
+            <a:picLocks noChangeAspect="1"/>
+          </p:cNvPicPr>
+          <p:nvPr/>
+        </p:nvPicPr>
+        <p:blipFill rotWithShape="1">
+          <a:blip r:embed="rId3">
+            <a:extLst>
+              <a:ext uri="{28A0092B-C50C-407E-A947-70E740481C1C}">
+                <a14:useLocalDpi xmlns:a14="http://schemas.microsoft.com/office/drawing/2010/main" val="0"/>
+              </a:ext>
+            </a:extLst>
+          </a:blip>
+          <a:srcRect r="6286" b="6229"/>
+          <a:stretch/>
+        </p:blipFill>
+        <p:spPr bwMode="auto">
+          <a:xfrm>
+            <a:off x="5272667" y="3396343"/>
+            <a:ext cx="4444837" cy="2690530"/>
+          </a:xfrm>
+          <a:prstGeom prst="rect">
+            <a:avLst/>
+          </a:prstGeom>
+          <a:solidFill>
+            <a:srgbClr val="FFFFFF">
+              <a:shade val="85000"/>
+            </a:srgbClr>
+          </a:solidFill>
+          <a:ln w="88900" cap="sq" cmpd="sng" algn="ctr">
+            <a:solidFill>
+              <a:srgbClr val="FFFFFF"/>
+            </a:solidFill>
+            <a:prstDash val="solid"/>
+            <a:miter lim="800000"/>
+            <a:headEnd type="none" w="med" len="med"/>
+            <a:tailEnd type="none" w="med" len="med"/>
+          </a:ln>
+          <a:effectLst>
+            <a:outerShdw blurRad="55000" dist="18000" dir="5400000" algn="tl" rotWithShape="0">
+              <a:srgbClr val="000000">
+                <a:alpha val="40000"/>
+              </a:srgbClr>
+            </a:outerShdw>
+          </a:effectLst>
+          <a:scene3d>
+            <a:camera prst="orthographicFront"/>
+            <a:lightRig rig="twoPt" dir="t">
+              <a:rot lat="0" lon="0" rev="7200000"/>
+            </a:lightRig>
+          </a:scene3d>
+          <a:sp3d>
+            <a:bevelT w="25400" h="19050"/>
+            <a:contourClr>
+              <a:srgbClr val="FFFFFF"/>
+            </a:contourClr>
+          </a:sp3d>
+          <a:extLst>
+            <a:ext uri="{53640926-AAD7-44D8-BBD7-CCE9431645EC}">
+              <a14:shadowObscured xmlns:a14="http://schemas.microsoft.com/office/drawing/2010/main"/>
+            </a:ext>
+          </a:extLst>
         </p:spPr>
       </p:pic>
     </p:spTree>

--- a/docs/virus306_presentation.pptx
+++ b/docs/virus306_presentation.pptx
@@ -171,7 +171,7 @@
           <a:noFill/>
           <a:extLst>
             <a:ext uri="{909E8E84-426E-40dd-AFC4-6F175D3DCCD1}">
-              <a14:hiddenFill xmlns="" xmlns:a14="http://schemas.microsoft.com/office/drawing/2010/main">
+              <a14:hiddenFill xmlns:a14="http://schemas.microsoft.com/office/drawing/2010/main" xmlns="">
                 <a:solidFill>
                   <a:srgbClr val="FFFFFF"/>
                 </a:solidFill>
@@ -231,7 +231,7 @@
             </a:ln>
             <a:extLst>
               <a:ext uri="{91240B29-F687-4f45-9708-019B960494DF}">
-                <a14:hiddenLine xmlns="" xmlns:a14="http://schemas.microsoft.com/office/drawing/2010/main" w="9525">
+                <a14:hiddenLine xmlns:a14="http://schemas.microsoft.com/office/drawing/2010/main" xmlns="" w="9525">
                   <a:solidFill>
                     <a:srgbClr val="000000"/>
                   </a:solidFill>
@@ -321,7 +321,7 @@
             </a:ln>
             <a:extLst>
               <a:ext uri="{91240B29-F687-4f45-9708-019B960494DF}">
-                <a14:hiddenLine xmlns="" xmlns:a14="http://schemas.microsoft.com/office/drawing/2010/main" w="9525">
+                <a14:hiddenLine xmlns:a14="http://schemas.microsoft.com/office/drawing/2010/main" xmlns="" w="9525">
                   <a:solidFill>
                     <a:srgbClr val="000000"/>
                   </a:solidFill>
@@ -411,7 +411,7 @@
             </a:ln>
             <a:extLst>
               <a:ext uri="{91240B29-F687-4f45-9708-019B960494DF}">
-                <a14:hiddenLine xmlns="" xmlns:a14="http://schemas.microsoft.com/office/drawing/2010/main" w="9525">
+                <a14:hiddenLine xmlns:a14="http://schemas.microsoft.com/office/drawing/2010/main" xmlns="" w="9525">
                   <a:solidFill>
                     <a:srgbClr val="000000"/>
                   </a:solidFill>
@@ -445,7 +445,7 @@
             </a:ln>
             <a:extLst>
               <a:ext uri="{91240B29-F687-4f45-9708-019B960494DF}">
-                <a14:hiddenLine xmlns="" xmlns:a14="http://schemas.microsoft.com/office/drawing/2010/main" w="9525">
+                <a14:hiddenLine xmlns:a14="http://schemas.microsoft.com/office/drawing/2010/main" xmlns="" w="9525">
                   <a:solidFill>
                     <a:srgbClr val="000000"/>
                   </a:solidFill>
@@ -535,7 +535,7 @@
             </a:ln>
             <a:extLst>
               <a:ext uri="{91240B29-F687-4f45-9708-019B960494DF}">
-                <a14:hiddenLine xmlns="" xmlns:a14="http://schemas.microsoft.com/office/drawing/2010/main" w="9525">
+                <a14:hiddenLine xmlns:a14="http://schemas.microsoft.com/office/drawing/2010/main" xmlns="" w="9525">
                   <a:solidFill>
                     <a:srgbClr val="000000"/>
                   </a:solidFill>
@@ -597,7 +597,7 @@
             </a:ln>
             <a:extLst>
               <a:ext uri="{91240B29-F687-4f45-9708-019B960494DF}">
-                <a14:hiddenLine xmlns="" xmlns:a14="http://schemas.microsoft.com/office/drawing/2010/main" w="9525">
+                <a14:hiddenLine xmlns:a14="http://schemas.microsoft.com/office/drawing/2010/main" xmlns="" w="9525">
                   <a:solidFill>
                     <a:srgbClr val="000000"/>
                   </a:solidFill>
@@ -659,7 +659,7 @@
             </a:ln>
             <a:extLst>
               <a:ext uri="{91240B29-F687-4f45-9708-019B960494DF}">
-                <a14:hiddenLine xmlns="" xmlns:a14="http://schemas.microsoft.com/office/drawing/2010/main" w="9525">
+                <a14:hiddenLine xmlns:a14="http://schemas.microsoft.com/office/drawing/2010/main" xmlns="" w="9525">
                   <a:solidFill>
                     <a:srgbClr val="000000"/>
                   </a:solidFill>
@@ -749,7 +749,7 @@
             </a:ln>
             <a:extLst>
               <a:ext uri="{91240B29-F687-4f45-9708-019B960494DF}">
-                <a14:hiddenLine xmlns="" xmlns:a14="http://schemas.microsoft.com/office/drawing/2010/main" w="9525">
+                <a14:hiddenLine xmlns:a14="http://schemas.microsoft.com/office/drawing/2010/main" xmlns="" w="9525">
                   <a:solidFill>
                     <a:srgbClr val="000000"/>
                   </a:solidFill>
@@ -811,7 +811,7 @@
             </a:ln>
             <a:extLst>
               <a:ext uri="{91240B29-F687-4f45-9708-019B960494DF}">
-                <a14:hiddenLine xmlns="" xmlns:a14="http://schemas.microsoft.com/office/drawing/2010/main" w="9525">
+                <a14:hiddenLine xmlns:a14="http://schemas.microsoft.com/office/drawing/2010/main" xmlns="" w="9525">
                   <a:solidFill>
                     <a:srgbClr val="000000"/>
                   </a:solidFill>
@@ -873,7 +873,7 @@
             </a:ln>
             <a:extLst>
               <a:ext uri="{91240B29-F687-4f45-9708-019B960494DF}">
-                <a14:hiddenLine xmlns="" xmlns:a14="http://schemas.microsoft.com/office/drawing/2010/main" w="9525">
+                <a14:hiddenLine xmlns:a14="http://schemas.microsoft.com/office/drawing/2010/main" xmlns="" w="9525">
                   <a:solidFill>
                     <a:srgbClr val="000000"/>
                   </a:solidFill>
@@ -963,7 +963,7 @@
             </a:ln>
             <a:extLst>
               <a:ext uri="{91240B29-F687-4f45-9708-019B960494DF}">
-                <a14:hiddenLine xmlns="" xmlns:a14="http://schemas.microsoft.com/office/drawing/2010/main" w="9525">
+                <a14:hiddenLine xmlns:a14="http://schemas.microsoft.com/office/drawing/2010/main" xmlns="" w="9525">
                   <a:solidFill>
                     <a:srgbClr val="000000"/>
                   </a:solidFill>
@@ -1053,7 +1053,7 @@
             </a:ln>
             <a:extLst>
               <a:ext uri="{91240B29-F687-4f45-9708-019B960494DF}">
-                <a14:hiddenLine xmlns="" xmlns:a14="http://schemas.microsoft.com/office/drawing/2010/main" w="9525">
+                <a14:hiddenLine xmlns:a14="http://schemas.microsoft.com/office/drawing/2010/main" xmlns="" w="9525">
                   <a:solidFill>
                     <a:srgbClr val="000000"/>
                   </a:solidFill>
@@ -1115,7 +1115,7 @@
             </a:ln>
             <a:extLst>
               <a:ext uri="{91240B29-F687-4f45-9708-019B960494DF}">
-                <a14:hiddenLine xmlns="" xmlns:a14="http://schemas.microsoft.com/office/drawing/2010/main" w="9525">
+                <a14:hiddenLine xmlns:a14="http://schemas.microsoft.com/office/drawing/2010/main" xmlns="" w="9525">
                   <a:solidFill>
                     <a:srgbClr val="000000"/>
                   </a:solidFill>
@@ -1225,7 +1225,7 @@
             </a:ln>
             <a:extLst>
               <a:ext uri="{91240B29-F687-4f45-9708-019B960494DF}">
-                <a14:hiddenLine xmlns="" xmlns:a14="http://schemas.microsoft.com/office/drawing/2010/main" w="9525">
+                <a14:hiddenLine xmlns:a14="http://schemas.microsoft.com/office/drawing/2010/main" xmlns="" w="9525">
                   <a:solidFill>
                     <a:srgbClr val="000000"/>
                   </a:solidFill>
@@ -1287,7 +1287,7 @@
             </a:ln>
             <a:extLst>
               <a:ext uri="{91240B29-F687-4f45-9708-019B960494DF}">
-                <a14:hiddenLine xmlns="" xmlns:a14="http://schemas.microsoft.com/office/drawing/2010/main" w="9525">
+                <a14:hiddenLine xmlns:a14="http://schemas.microsoft.com/office/drawing/2010/main" xmlns="" w="9525">
                   <a:solidFill>
                     <a:srgbClr val="000000"/>
                   </a:solidFill>
@@ -1377,7 +1377,7 @@
             </a:ln>
             <a:extLst>
               <a:ext uri="{91240B29-F687-4f45-9708-019B960494DF}">
-                <a14:hiddenLine xmlns="" xmlns:a14="http://schemas.microsoft.com/office/drawing/2010/main" w="9525">
+                <a14:hiddenLine xmlns:a14="http://schemas.microsoft.com/office/drawing/2010/main" xmlns="" w="9525">
                   <a:solidFill>
                     <a:srgbClr val="000000"/>
                   </a:solidFill>
@@ -1467,7 +1467,7 @@
             </a:ln>
             <a:extLst>
               <a:ext uri="{91240B29-F687-4f45-9708-019B960494DF}">
-                <a14:hiddenLine xmlns="" xmlns:a14="http://schemas.microsoft.com/office/drawing/2010/main" w="9525">
+                <a14:hiddenLine xmlns:a14="http://schemas.microsoft.com/office/drawing/2010/main" xmlns="" w="9525">
                   <a:solidFill>
                     <a:srgbClr val="000000"/>
                   </a:solidFill>
@@ -1529,7 +1529,7 @@
             </a:ln>
             <a:extLst>
               <a:ext uri="{91240B29-F687-4f45-9708-019B960494DF}">
-                <a14:hiddenLine xmlns="" xmlns:a14="http://schemas.microsoft.com/office/drawing/2010/main" w="9525">
+                <a14:hiddenLine xmlns:a14="http://schemas.microsoft.com/office/drawing/2010/main" xmlns="" w="9525">
                   <a:solidFill>
                     <a:srgbClr val="000000"/>
                   </a:solidFill>
@@ -1619,7 +1619,7 @@
             </a:ln>
             <a:extLst>
               <a:ext uri="{91240B29-F687-4f45-9708-019B960494DF}">
-                <a14:hiddenLine xmlns="" xmlns:a14="http://schemas.microsoft.com/office/drawing/2010/main" w="9525">
+                <a14:hiddenLine xmlns:a14="http://schemas.microsoft.com/office/drawing/2010/main" xmlns="" w="9525">
                   <a:solidFill>
                     <a:srgbClr val="000000"/>
                   </a:solidFill>
@@ -1709,7 +1709,7 @@
             </a:ln>
             <a:extLst>
               <a:ext uri="{91240B29-F687-4f45-9708-019B960494DF}">
-                <a14:hiddenLine xmlns="" xmlns:a14="http://schemas.microsoft.com/office/drawing/2010/main" w="9525">
+                <a14:hiddenLine xmlns:a14="http://schemas.microsoft.com/office/drawing/2010/main" xmlns="" w="9525">
                   <a:solidFill>
                     <a:srgbClr val="000000"/>
                   </a:solidFill>
@@ -1765,7 +1765,7 @@
             </a:ln>
             <a:extLst>
               <a:ext uri="{91240B29-F687-4f45-9708-019B960494DF}">
-                <a14:hiddenLine xmlns="" xmlns:a14="http://schemas.microsoft.com/office/drawing/2010/main" w="9525">
+                <a14:hiddenLine xmlns:a14="http://schemas.microsoft.com/office/drawing/2010/main" xmlns="" w="9525">
                   <a:solidFill>
                     <a:srgbClr val="000000"/>
                   </a:solidFill>
@@ -1855,7 +1855,7 @@
             </a:ln>
             <a:extLst>
               <a:ext uri="{91240B29-F687-4f45-9708-019B960494DF}">
-                <a14:hiddenLine xmlns="" xmlns:a14="http://schemas.microsoft.com/office/drawing/2010/main" w="9525">
+                <a14:hiddenLine xmlns:a14="http://schemas.microsoft.com/office/drawing/2010/main" xmlns="" w="9525">
                   <a:solidFill>
                     <a:srgbClr val="000000"/>
                   </a:solidFill>
@@ -1911,7 +1911,7 @@
             </a:ln>
             <a:extLst>
               <a:ext uri="{91240B29-F687-4f45-9708-019B960494DF}">
-                <a14:hiddenLine xmlns="" xmlns:a14="http://schemas.microsoft.com/office/drawing/2010/main" w="9525">
+                <a14:hiddenLine xmlns:a14="http://schemas.microsoft.com/office/drawing/2010/main" xmlns="" w="9525">
                   <a:solidFill>
                     <a:srgbClr val="000000"/>
                   </a:solidFill>
@@ -2001,7 +2001,7 @@
             </a:ln>
             <a:extLst>
               <a:ext uri="{91240B29-F687-4f45-9708-019B960494DF}">
-                <a14:hiddenLine xmlns="" xmlns:a14="http://schemas.microsoft.com/office/drawing/2010/main" w="9525">
+                <a14:hiddenLine xmlns:a14="http://schemas.microsoft.com/office/drawing/2010/main" xmlns="" w="9525">
                   <a:solidFill>
                     <a:srgbClr val="000000"/>
                   </a:solidFill>
@@ -2069,7 +2069,7 @@
             </a:ln>
             <a:extLst>
               <a:ext uri="{91240B29-F687-4f45-9708-019B960494DF}">
-                <a14:hiddenLine xmlns="" xmlns:a14="http://schemas.microsoft.com/office/drawing/2010/main" w="9525">
+                <a14:hiddenLine xmlns:a14="http://schemas.microsoft.com/office/drawing/2010/main" xmlns="" w="9525">
                   <a:solidFill>
                     <a:srgbClr val="000000"/>
                   </a:solidFill>
@@ -2159,7 +2159,7 @@
             </a:ln>
             <a:extLst>
               <a:ext uri="{91240B29-F687-4f45-9708-019B960494DF}">
-                <a14:hiddenLine xmlns="" xmlns:a14="http://schemas.microsoft.com/office/drawing/2010/main" w="9525">
+                <a14:hiddenLine xmlns:a14="http://schemas.microsoft.com/office/drawing/2010/main" xmlns="" w="9525">
                   <a:solidFill>
                     <a:srgbClr val="000000"/>
                   </a:solidFill>
@@ -2227,7 +2227,7 @@
             </a:ln>
             <a:extLst>
               <a:ext uri="{91240B29-F687-4f45-9708-019B960494DF}">
-                <a14:hiddenLine xmlns="" xmlns:a14="http://schemas.microsoft.com/office/drawing/2010/main" w="9525">
+                <a14:hiddenLine xmlns:a14="http://schemas.microsoft.com/office/drawing/2010/main" xmlns="" w="9525">
                   <a:solidFill>
                     <a:srgbClr val="000000"/>
                   </a:solidFill>
@@ -2317,7 +2317,7 @@
             </a:ln>
             <a:extLst>
               <a:ext uri="{91240B29-F687-4f45-9708-019B960494DF}">
-                <a14:hiddenLine xmlns="" xmlns:a14="http://schemas.microsoft.com/office/drawing/2010/main" w="9525">
+                <a14:hiddenLine xmlns:a14="http://schemas.microsoft.com/office/drawing/2010/main" xmlns="" w="9525">
                   <a:solidFill>
                     <a:srgbClr val="000000"/>
                   </a:solidFill>
@@ -2351,7 +2351,7 @@
             </a:ln>
             <a:extLst>
               <a:ext uri="{91240B29-F687-4f45-9708-019B960494DF}">
-                <a14:hiddenLine xmlns="" xmlns:a14="http://schemas.microsoft.com/office/drawing/2010/main" w="9525">
+                <a14:hiddenLine xmlns:a14="http://schemas.microsoft.com/office/drawing/2010/main" xmlns="" w="9525">
                   <a:solidFill>
                     <a:srgbClr val="000000"/>
                   </a:solidFill>
@@ -2441,7 +2441,7 @@
             </a:ln>
             <a:extLst>
               <a:ext uri="{91240B29-F687-4f45-9708-019B960494DF}">
-                <a14:hiddenLine xmlns="" xmlns:a14="http://schemas.microsoft.com/office/drawing/2010/main" w="9525">
+                <a14:hiddenLine xmlns:a14="http://schemas.microsoft.com/office/drawing/2010/main" xmlns="" w="9525">
                   <a:solidFill>
                     <a:srgbClr val="000000"/>
                   </a:solidFill>
@@ -2503,7 +2503,7 @@
             </a:ln>
             <a:extLst>
               <a:ext uri="{91240B29-F687-4f45-9708-019B960494DF}">
-                <a14:hiddenLine xmlns="" xmlns:a14="http://schemas.microsoft.com/office/drawing/2010/main" w="9525">
+                <a14:hiddenLine xmlns:a14="http://schemas.microsoft.com/office/drawing/2010/main" xmlns="" w="9525">
                   <a:solidFill>
                     <a:srgbClr val="000000"/>
                   </a:solidFill>
@@ -2565,7 +2565,7 @@
             </a:ln>
             <a:extLst>
               <a:ext uri="{91240B29-F687-4f45-9708-019B960494DF}">
-                <a14:hiddenLine xmlns="" xmlns:a14="http://schemas.microsoft.com/office/drawing/2010/main" w="9525">
+                <a14:hiddenLine xmlns:a14="http://schemas.microsoft.com/office/drawing/2010/main" xmlns="" w="9525">
                   <a:solidFill>
                     <a:srgbClr val="000000"/>
                   </a:solidFill>
@@ -2655,7 +2655,7 @@
             </a:ln>
             <a:extLst>
               <a:ext uri="{91240B29-F687-4f45-9708-019B960494DF}">
-                <a14:hiddenLine xmlns="" xmlns:a14="http://schemas.microsoft.com/office/drawing/2010/main" w="9525">
+                <a14:hiddenLine xmlns:a14="http://schemas.microsoft.com/office/drawing/2010/main" xmlns="" w="9525">
                   <a:solidFill>
                     <a:srgbClr val="000000"/>
                   </a:solidFill>
@@ -2723,7 +2723,7 @@
             </a:ln>
             <a:extLst>
               <a:ext uri="{91240B29-F687-4f45-9708-019B960494DF}">
-                <a14:hiddenLine xmlns="" xmlns:a14="http://schemas.microsoft.com/office/drawing/2010/main" w="9525">
+                <a14:hiddenLine xmlns:a14="http://schemas.microsoft.com/office/drawing/2010/main" xmlns="" w="9525">
                   <a:solidFill>
                     <a:srgbClr val="000000"/>
                   </a:solidFill>
@@ -2785,7 +2785,7 @@
             </a:ln>
             <a:extLst>
               <a:ext uri="{91240B29-F687-4f45-9708-019B960494DF}">
-                <a14:hiddenLine xmlns="" xmlns:a14="http://schemas.microsoft.com/office/drawing/2010/main" w="9525">
+                <a14:hiddenLine xmlns:a14="http://schemas.microsoft.com/office/drawing/2010/main" xmlns="" w="9525">
                   <a:solidFill>
                     <a:srgbClr val="000000"/>
                   </a:solidFill>
@@ -2875,7 +2875,7 @@
             </a:ln>
             <a:extLst>
               <a:ext uri="{91240B29-F687-4f45-9708-019B960494DF}">
-                <a14:hiddenLine xmlns="" xmlns:a14="http://schemas.microsoft.com/office/drawing/2010/main" w="9525">
+                <a14:hiddenLine xmlns:a14="http://schemas.microsoft.com/office/drawing/2010/main" xmlns="" w="9525">
                   <a:solidFill>
                     <a:srgbClr val="000000"/>
                   </a:solidFill>
@@ -2937,7 +2937,7 @@
             </a:ln>
             <a:extLst>
               <a:ext uri="{91240B29-F687-4f45-9708-019B960494DF}">
-                <a14:hiddenLine xmlns="" xmlns:a14="http://schemas.microsoft.com/office/drawing/2010/main" w="9525">
+                <a14:hiddenLine xmlns:a14="http://schemas.microsoft.com/office/drawing/2010/main" xmlns="" w="9525">
                   <a:solidFill>
                     <a:srgbClr val="000000"/>
                   </a:solidFill>
@@ -3027,7 +3027,7 @@
             </a:ln>
             <a:extLst>
               <a:ext uri="{91240B29-F687-4f45-9708-019B960494DF}">
-                <a14:hiddenLine xmlns="" xmlns:a14="http://schemas.microsoft.com/office/drawing/2010/main" w="9525">
+                <a14:hiddenLine xmlns:a14="http://schemas.microsoft.com/office/drawing/2010/main" xmlns="" w="9525">
                   <a:solidFill>
                     <a:srgbClr val="000000"/>
                   </a:solidFill>
@@ -3089,7 +3089,7 @@
             </a:ln>
             <a:extLst>
               <a:ext uri="{91240B29-F687-4f45-9708-019B960494DF}">
-                <a14:hiddenLine xmlns="" xmlns:a14="http://schemas.microsoft.com/office/drawing/2010/main" w="9525">
+                <a14:hiddenLine xmlns:a14="http://schemas.microsoft.com/office/drawing/2010/main" xmlns="" w="9525">
                   <a:solidFill>
                     <a:srgbClr val="000000"/>
                   </a:solidFill>
@@ -3179,7 +3179,7 @@
             </a:ln>
             <a:extLst>
               <a:ext uri="{91240B29-F687-4f45-9708-019B960494DF}">
-                <a14:hiddenLine xmlns="" xmlns:a14="http://schemas.microsoft.com/office/drawing/2010/main" w="9525">
+                <a14:hiddenLine xmlns:a14="http://schemas.microsoft.com/office/drawing/2010/main" xmlns="" w="9525">
                   <a:solidFill>
                     <a:srgbClr val="000000"/>
                   </a:solidFill>
@@ -3213,7 +3213,7 @@
             </a:ln>
             <a:extLst>
               <a:ext uri="{91240B29-F687-4f45-9708-019B960494DF}">
-                <a14:hiddenLine xmlns="" xmlns:a14="http://schemas.microsoft.com/office/drawing/2010/main" w="9525">
+                <a14:hiddenLine xmlns:a14="http://schemas.microsoft.com/office/drawing/2010/main" xmlns="" w="9525">
                   <a:solidFill>
                     <a:srgbClr val="000000"/>
                   </a:solidFill>
@@ -3278,7 +3278,7 @@
             </a:ln>
             <a:extLst>
               <a:ext uri="{91240B29-F687-4f45-9708-019B960494DF}">
-                <a14:hiddenLine xmlns="" xmlns:a14="http://schemas.microsoft.com/office/drawing/2010/main" w="9525">
+                <a14:hiddenLine xmlns:a14="http://schemas.microsoft.com/office/drawing/2010/main" xmlns="" w="9525">
                   <a:solidFill>
                     <a:srgbClr val="000000"/>
                   </a:solidFill>
@@ -3368,7 +3368,7 @@
             </a:ln>
             <a:extLst>
               <a:ext uri="{91240B29-F687-4f45-9708-019B960494DF}">
-                <a14:hiddenLine xmlns="" xmlns:a14="http://schemas.microsoft.com/office/drawing/2010/main" w="9525">
+                <a14:hiddenLine xmlns:a14="http://schemas.microsoft.com/office/drawing/2010/main" xmlns="" w="9525">
                   <a:solidFill>
                     <a:srgbClr val="000000"/>
                   </a:solidFill>
@@ -3430,7 +3430,7 @@
             </a:ln>
             <a:extLst>
               <a:ext uri="{91240B29-F687-4f45-9708-019B960494DF}">
-                <a14:hiddenLine xmlns="" xmlns:a14="http://schemas.microsoft.com/office/drawing/2010/main" w="9525">
+                <a14:hiddenLine xmlns:a14="http://schemas.microsoft.com/office/drawing/2010/main" xmlns="" w="9525">
                   <a:solidFill>
                     <a:srgbClr val="000000"/>
                   </a:solidFill>
@@ -3520,7 +3520,7 @@
             </a:ln>
             <a:extLst>
               <a:ext uri="{91240B29-F687-4f45-9708-019B960494DF}">
-                <a14:hiddenLine xmlns="" xmlns:a14="http://schemas.microsoft.com/office/drawing/2010/main" w="9525">
+                <a14:hiddenLine xmlns:a14="http://schemas.microsoft.com/office/drawing/2010/main" xmlns="" w="9525">
                   <a:solidFill>
                     <a:srgbClr val="000000"/>
                   </a:solidFill>
@@ -3610,7 +3610,7 @@
             </a:ln>
             <a:extLst>
               <a:ext uri="{91240B29-F687-4f45-9708-019B960494DF}">
-                <a14:hiddenLine xmlns="" xmlns:a14="http://schemas.microsoft.com/office/drawing/2010/main" w="9525">
+                <a14:hiddenLine xmlns:a14="http://schemas.microsoft.com/office/drawing/2010/main" xmlns="" w="9525">
                   <a:solidFill>
                     <a:srgbClr val="000000"/>
                   </a:solidFill>
@@ -3675,7 +3675,7 @@
             </a:ln>
             <a:extLst>
               <a:ext uri="{91240B29-F687-4f45-9708-019B960494DF}">
-                <a14:hiddenLine xmlns="" xmlns:a14="http://schemas.microsoft.com/office/drawing/2010/main" w="9525">
+                <a14:hiddenLine xmlns:a14="http://schemas.microsoft.com/office/drawing/2010/main" xmlns="" w="9525">
                   <a:solidFill>
                     <a:srgbClr val="000000"/>
                   </a:solidFill>
@@ -3737,7 +3737,7 @@
             </a:ln>
             <a:extLst>
               <a:ext uri="{91240B29-F687-4f45-9708-019B960494DF}">
-                <a14:hiddenLine xmlns="" xmlns:a14="http://schemas.microsoft.com/office/drawing/2010/main" w="9525">
+                <a14:hiddenLine xmlns:a14="http://schemas.microsoft.com/office/drawing/2010/main" xmlns="" w="9525">
                   <a:solidFill>
                     <a:srgbClr val="000000"/>
                   </a:solidFill>
@@ -3827,7 +3827,7 @@
             </a:ln>
             <a:extLst>
               <a:ext uri="{91240B29-F687-4f45-9708-019B960494DF}">
-                <a14:hiddenLine xmlns="" xmlns:a14="http://schemas.microsoft.com/office/drawing/2010/main" w="9525">
+                <a14:hiddenLine xmlns:a14="http://schemas.microsoft.com/office/drawing/2010/main" xmlns="" w="9525">
                   <a:solidFill>
                     <a:srgbClr val="000000"/>
                   </a:solidFill>
@@ -3917,7 +3917,7 @@
             </a:ln>
             <a:extLst>
               <a:ext uri="{91240B29-F687-4f45-9708-019B960494DF}">
-                <a14:hiddenLine xmlns="" xmlns:a14="http://schemas.microsoft.com/office/drawing/2010/main" w="9525">
+                <a14:hiddenLine xmlns:a14="http://schemas.microsoft.com/office/drawing/2010/main" xmlns="" w="9525">
                   <a:solidFill>
                     <a:srgbClr val="000000"/>
                   </a:solidFill>
@@ -3979,7 +3979,7 @@
             </a:ln>
             <a:extLst>
               <a:ext uri="{91240B29-F687-4f45-9708-019B960494DF}">
-                <a14:hiddenLine xmlns="" xmlns:a14="http://schemas.microsoft.com/office/drawing/2010/main" w="9525">
+                <a14:hiddenLine xmlns:a14="http://schemas.microsoft.com/office/drawing/2010/main" xmlns="" w="9525">
                   <a:solidFill>
                     <a:srgbClr val="000000"/>
                   </a:solidFill>
@@ -4099,7 +4099,7 @@
             </a:ln>
             <a:extLst>
               <a:ext uri="{91240B29-F687-4f45-9708-019B960494DF}">
-                <a14:hiddenLine xmlns="" xmlns:a14="http://schemas.microsoft.com/office/drawing/2010/main" w="9525">
+                <a14:hiddenLine xmlns:a14="http://schemas.microsoft.com/office/drawing/2010/main" xmlns="" w="9525">
                   <a:solidFill>
                     <a:srgbClr val="000000"/>
                   </a:solidFill>
@@ -4167,7 +4167,7 @@
             </a:ln>
             <a:extLst>
               <a:ext uri="{91240B29-F687-4f45-9708-019B960494DF}">
-                <a14:hiddenLine xmlns="" xmlns:a14="http://schemas.microsoft.com/office/drawing/2010/main" w="9525">
+                <a14:hiddenLine xmlns:a14="http://schemas.microsoft.com/office/drawing/2010/main" xmlns="" w="9525">
                   <a:solidFill>
                     <a:srgbClr val="000000"/>
                   </a:solidFill>
@@ -4257,7 +4257,7 @@
             </a:ln>
             <a:extLst>
               <a:ext uri="{91240B29-F687-4f45-9708-019B960494DF}">
-                <a14:hiddenLine xmlns="" xmlns:a14="http://schemas.microsoft.com/office/drawing/2010/main" w="9525">
+                <a14:hiddenLine xmlns:a14="http://schemas.microsoft.com/office/drawing/2010/main" xmlns="" w="9525">
                   <a:solidFill>
                     <a:srgbClr val="000000"/>
                   </a:solidFill>
@@ -9064,7 +9064,7 @@
           <a:noFill/>
           <a:extLst>
             <a:ext uri="{909E8E84-426E-40dd-AFC4-6F175D3DCCD1}">
-              <a14:hiddenFill xmlns="" xmlns:a14="http://schemas.microsoft.com/office/drawing/2010/main">
+              <a14:hiddenFill xmlns:a14="http://schemas.microsoft.com/office/drawing/2010/main" xmlns="">
                 <a:solidFill>
                   <a:srgbClr val="FFFFFF"/>
                 </a:solidFill>
@@ -9138,7 +9138,7 @@
               </a:ln>
               <a:extLst>
                 <a:ext uri="{91240B29-F687-4f45-9708-019B960494DF}">
-                  <a14:hiddenLine xmlns="" xmlns:a14="http://schemas.microsoft.com/office/drawing/2010/main" w="9525">
+                  <a14:hiddenLine xmlns:a14="http://schemas.microsoft.com/office/drawing/2010/main" xmlns="" w="9525">
                     <a:solidFill>
                       <a:srgbClr val="000000"/>
                     </a:solidFill>
@@ -9228,7 +9228,7 @@
               </a:ln>
               <a:extLst>
                 <a:ext uri="{91240B29-F687-4f45-9708-019B960494DF}">
-                  <a14:hiddenLine xmlns="" xmlns:a14="http://schemas.microsoft.com/office/drawing/2010/main" w="9525">
+                  <a14:hiddenLine xmlns:a14="http://schemas.microsoft.com/office/drawing/2010/main" xmlns="" w="9525">
                     <a:solidFill>
                       <a:srgbClr val="000000"/>
                     </a:solidFill>
@@ -9318,7 +9318,7 @@
               </a:ln>
               <a:extLst>
                 <a:ext uri="{91240B29-F687-4f45-9708-019B960494DF}">
-                  <a14:hiddenLine xmlns="" xmlns:a14="http://schemas.microsoft.com/office/drawing/2010/main" w="9525">
+                  <a14:hiddenLine xmlns:a14="http://schemas.microsoft.com/office/drawing/2010/main" xmlns="" w="9525">
                     <a:solidFill>
                       <a:srgbClr val="000000"/>
                     </a:solidFill>
@@ -9380,7 +9380,7 @@
               </a:ln>
               <a:extLst>
                 <a:ext uri="{91240B29-F687-4f45-9708-019B960494DF}">
-                  <a14:hiddenLine xmlns="" xmlns:a14="http://schemas.microsoft.com/office/drawing/2010/main" w="9525">
+                  <a14:hiddenLine xmlns:a14="http://schemas.microsoft.com/office/drawing/2010/main" xmlns="" w="9525">
                     <a:solidFill>
                       <a:srgbClr val="000000"/>
                     </a:solidFill>
@@ -9470,7 +9470,7 @@
               </a:ln>
               <a:extLst>
                 <a:ext uri="{91240B29-F687-4f45-9708-019B960494DF}">
-                  <a14:hiddenLine xmlns="" xmlns:a14="http://schemas.microsoft.com/office/drawing/2010/main" w="9525">
+                  <a14:hiddenLine xmlns:a14="http://schemas.microsoft.com/office/drawing/2010/main" xmlns="" w="9525">
                     <a:solidFill>
                       <a:srgbClr val="000000"/>
                     </a:solidFill>
@@ -9532,7 +9532,7 @@
               </a:ln>
               <a:extLst>
                 <a:ext uri="{91240B29-F687-4f45-9708-019B960494DF}">
-                  <a14:hiddenLine xmlns="" xmlns:a14="http://schemas.microsoft.com/office/drawing/2010/main" w="9525">
+                  <a14:hiddenLine xmlns:a14="http://schemas.microsoft.com/office/drawing/2010/main" xmlns="" w="9525">
                     <a:solidFill>
                       <a:srgbClr val="000000"/>
                     </a:solidFill>
@@ -9594,7 +9594,7 @@
               </a:ln>
               <a:extLst>
                 <a:ext uri="{91240B29-F687-4f45-9708-019B960494DF}">
-                  <a14:hiddenLine xmlns="" xmlns:a14="http://schemas.microsoft.com/office/drawing/2010/main" w="9525">
+                  <a14:hiddenLine xmlns:a14="http://schemas.microsoft.com/office/drawing/2010/main" xmlns="" w="9525">
                     <a:solidFill>
                       <a:srgbClr val="000000"/>
                     </a:solidFill>
@@ -9684,7 +9684,7 @@
               </a:ln>
               <a:extLst>
                 <a:ext uri="{91240B29-F687-4f45-9708-019B960494DF}">
-                  <a14:hiddenLine xmlns="" xmlns:a14="http://schemas.microsoft.com/office/drawing/2010/main" w="9525">
+                  <a14:hiddenLine xmlns:a14="http://schemas.microsoft.com/office/drawing/2010/main" xmlns="" w="9525">
                     <a:solidFill>
                       <a:srgbClr val="000000"/>
                     </a:solidFill>
@@ -9774,7 +9774,7 @@
               </a:ln>
               <a:extLst>
                 <a:ext uri="{91240B29-F687-4f45-9708-019B960494DF}">
-                  <a14:hiddenLine xmlns="" xmlns:a14="http://schemas.microsoft.com/office/drawing/2010/main" w="9525">
+                  <a14:hiddenLine xmlns:a14="http://schemas.microsoft.com/office/drawing/2010/main" xmlns="" w="9525">
                     <a:solidFill>
                       <a:srgbClr val="000000"/>
                     </a:solidFill>
@@ -9836,7 +9836,7 @@
               </a:ln>
               <a:extLst>
                 <a:ext uri="{91240B29-F687-4f45-9708-019B960494DF}">
-                  <a14:hiddenLine xmlns="" xmlns:a14="http://schemas.microsoft.com/office/drawing/2010/main" w="9525">
+                  <a14:hiddenLine xmlns:a14="http://schemas.microsoft.com/office/drawing/2010/main" xmlns="" w="9525">
                     <a:solidFill>
                       <a:srgbClr val="000000"/>
                     </a:solidFill>
@@ -9946,7 +9946,7 @@
               </a:ln>
               <a:extLst>
                 <a:ext uri="{91240B29-F687-4f45-9708-019B960494DF}">
-                  <a14:hiddenLine xmlns="" xmlns:a14="http://schemas.microsoft.com/office/drawing/2010/main" w="9525">
+                  <a14:hiddenLine xmlns:a14="http://schemas.microsoft.com/office/drawing/2010/main" xmlns="" w="9525">
                     <a:solidFill>
                       <a:srgbClr val="000000"/>
                     </a:solidFill>
@@ -10030,7 +10030,7 @@
               </a:ln>
               <a:extLst>
                 <a:ext uri="{91240B29-F687-4f45-9708-019B960494DF}">
-                  <a14:hiddenLine xmlns="" xmlns:a14="http://schemas.microsoft.com/office/drawing/2010/main" w="9525">
+                  <a14:hiddenLine xmlns:a14="http://schemas.microsoft.com/office/drawing/2010/main" xmlns="" w="9525">
                     <a:solidFill>
                       <a:srgbClr val="000000"/>
                     </a:solidFill>
@@ -10092,7 +10092,7 @@
               </a:ln>
               <a:extLst>
                 <a:ext uri="{91240B29-F687-4f45-9708-019B960494DF}">
-                  <a14:hiddenLine xmlns="" xmlns:a14="http://schemas.microsoft.com/office/drawing/2010/main" w="9525">
+                  <a14:hiddenLine xmlns:a14="http://schemas.microsoft.com/office/drawing/2010/main" xmlns="" w="9525">
                     <a:solidFill>
                       <a:srgbClr val="000000"/>
                     </a:solidFill>
@@ -10154,7 +10154,7 @@
               </a:ln>
               <a:extLst>
                 <a:ext uri="{91240B29-F687-4f45-9708-019B960494DF}">
-                  <a14:hiddenLine xmlns="" xmlns:a14="http://schemas.microsoft.com/office/drawing/2010/main" w="9525">
+                  <a14:hiddenLine xmlns:a14="http://schemas.microsoft.com/office/drawing/2010/main" xmlns="" w="9525">
                     <a:solidFill>
                       <a:srgbClr val="000000"/>
                     </a:solidFill>
@@ -10244,7 +10244,7 @@
               </a:ln>
               <a:extLst>
                 <a:ext uri="{91240B29-F687-4f45-9708-019B960494DF}">
-                  <a14:hiddenLine xmlns="" xmlns:a14="http://schemas.microsoft.com/office/drawing/2010/main" w="9525">
+                  <a14:hiddenLine xmlns:a14="http://schemas.microsoft.com/office/drawing/2010/main" xmlns="" w="9525">
                     <a:solidFill>
                       <a:srgbClr val="000000"/>
                     </a:solidFill>
@@ -10278,7 +10278,7 @@
               </a:ln>
               <a:extLst>
                 <a:ext uri="{91240B29-F687-4f45-9708-019B960494DF}">
-                  <a14:hiddenLine xmlns="" xmlns:a14="http://schemas.microsoft.com/office/drawing/2010/main" w="9525">
+                  <a14:hiddenLine xmlns:a14="http://schemas.microsoft.com/office/drawing/2010/main" xmlns="" w="9525">
                     <a:solidFill>
                       <a:srgbClr val="000000"/>
                     </a:solidFill>
@@ -10343,7 +10343,7 @@
               </a:ln>
               <a:extLst>
                 <a:ext uri="{91240B29-F687-4f45-9708-019B960494DF}">
-                  <a14:hiddenLine xmlns="" xmlns:a14="http://schemas.microsoft.com/office/drawing/2010/main" w="9525">
+                  <a14:hiddenLine xmlns:a14="http://schemas.microsoft.com/office/drawing/2010/main" xmlns="" w="9525">
                     <a:solidFill>
                       <a:srgbClr val="000000"/>
                     </a:solidFill>
@@ -10433,7 +10433,7 @@
               </a:ln>
               <a:extLst>
                 <a:ext uri="{91240B29-F687-4f45-9708-019B960494DF}">
-                  <a14:hiddenLine xmlns="" xmlns:a14="http://schemas.microsoft.com/office/drawing/2010/main" w="9525">
+                  <a14:hiddenLine xmlns:a14="http://schemas.microsoft.com/office/drawing/2010/main" xmlns="" w="9525">
                     <a:solidFill>
                       <a:srgbClr val="000000"/>
                     </a:solidFill>
@@ -10495,7 +10495,7 @@
               </a:ln>
               <a:extLst>
                 <a:ext uri="{91240B29-F687-4f45-9708-019B960494DF}">
-                  <a14:hiddenLine xmlns="" xmlns:a14="http://schemas.microsoft.com/office/drawing/2010/main" w="9525">
+                  <a14:hiddenLine xmlns:a14="http://schemas.microsoft.com/office/drawing/2010/main" xmlns="" w="9525">
                     <a:solidFill>
                       <a:srgbClr val="000000"/>
                     </a:solidFill>
@@ -10585,7 +10585,7 @@
               </a:ln>
               <a:extLst>
                 <a:ext uri="{91240B29-F687-4f45-9708-019B960494DF}">
-                  <a14:hiddenLine xmlns="" xmlns:a14="http://schemas.microsoft.com/office/drawing/2010/main" w="9525">
+                  <a14:hiddenLine xmlns:a14="http://schemas.microsoft.com/office/drawing/2010/main" xmlns="" w="9525">
                     <a:solidFill>
                       <a:srgbClr val="000000"/>
                     </a:solidFill>
@@ -10650,7 +10650,7 @@
               </a:ln>
               <a:extLst>
                 <a:ext uri="{91240B29-F687-4f45-9708-019B960494DF}">
-                  <a14:hiddenLine xmlns="" xmlns:a14="http://schemas.microsoft.com/office/drawing/2010/main" w="9525">
+                  <a14:hiddenLine xmlns:a14="http://schemas.microsoft.com/office/drawing/2010/main" xmlns="" w="9525">
                     <a:solidFill>
                       <a:srgbClr val="000000"/>
                     </a:solidFill>
@@ -10712,7 +10712,7 @@
               </a:ln>
               <a:extLst>
                 <a:ext uri="{91240B29-F687-4f45-9708-019B960494DF}">
-                  <a14:hiddenLine xmlns="" xmlns:a14="http://schemas.microsoft.com/office/drawing/2010/main" w="9525">
+                  <a14:hiddenLine xmlns:a14="http://schemas.microsoft.com/office/drawing/2010/main" xmlns="" w="9525">
                     <a:solidFill>
                       <a:srgbClr val="000000"/>
                     </a:solidFill>
@@ -10802,7 +10802,7 @@
               </a:ln>
               <a:extLst>
                 <a:ext uri="{91240B29-F687-4f45-9708-019B960494DF}">
-                  <a14:hiddenLine xmlns="" xmlns:a14="http://schemas.microsoft.com/office/drawing/2010/main" w="9525">
+                  <a14:hiddenLine xmlns:a14="http://schemas.microsoft.com/office/drawing/2010/main" xmlns="" w="9525">
                     <a:solidFill>
                       <a:srgbClr val="000000"/>
                     </a:solidFill>
@@ -10892,7 +10892,7 @@
               </a:ln>
               <a:extLst>
                 <a:ext uri="{91240B29-F687-4f45-9708-019B960494DF}">
-                  <a14:hiddenLine xmlns="" xmlns:a14="http://schemas.microsoft.com/office/drawing/2010/main" w="9525">
+                  <a14:hiddenLine xmlns:a14="http://schemas.microsoft.com/office/drawing/2010/main" xmlns="" w="9525">
                     <a:solidFill>
                       <a:srgbClr val="000000"/>
                     </a:solidFill>
@@ -10957,7 +10957,7 @@
               </a:ln>
               <a:extLst>
                 <a:ext uri="{91240B29-F687-4f45-9708-019B960494DF}">
-                  <a14:hiddenLine xmlns="" xmlns:a14="http://schemas.microsoft.com/office/drawing/2010/main" w="9525">
+                  <a14:hiddenLine xmlns:a14="http://schemas.microsoft.com/office/drawing/2010/main" xmlns="" w="9525">
                     <a:solidFill>
                       <a:srgbClr val="000000"/>
                     </a:solidFill>
@@ -11077,7 +11077,7 @@
               </a:ln>
               <a:extLst>
                 <a:ext uri="{91240B29-F687-4f45-9708-019B960494DF}">
-                  <a14:hiddenLine xmlns="" xmlns:a14="http://schemas.microsoft.com/office/drawing/2010/main" w="9525">
+                  <a14:hiddenLine xmlns:a14="http://schemas.microsoft.com/office/drawing/2010/main" xmlns="" w="9525">
                     <a:solidFill>
                       <a:srgbClr val="000000"/>
                     </a:solidFill>
@@ -11175,7 +11175,7 @@
               </a:ln>
               <a:extLst>
                 <a:ext uri="{91240B29-F687-4f45-9708-019B960494DF}">
-                  <a14:hiddenLine xmlns="" xmlns:a14="http://schemas.microsoft.com/office/drawing/2010/main" w="9525">
+                  <a14:hiddenLine xmlns:a14="http://schemas.microsoft.com/office/drawing/2010/main" xmlns="" w="9525">
                     <a:solidFill>
                       <a:srgbClr val="000000"/>
                     </a:solidFill>
@@ -11290,7 +11290,7 @@
               </a:ln>
               <a:extLst>
                 <a:ext uri="{91240B29-F687-4f45-9708-019B960494DF}">
-                  <a14:hiddenLine xmlns="" xmlns:a14="http://schemas.microsoft.com/office/drawing/2010/main" w="9525">
+                  <a14:hiddenLine xmlns:a14="http://schemas.microsoft.com/office/drawing/2010/main" xmlns="" w="9525">
                     <a:solidFill>
                       <a:srgbClr val="000000"/>
                     </a:solidFill>
@@ -11380,7 +11380,7 @@
               </a:ln>
               <a:extLst>
                 <a:ext uri="{91240B29-F687-4f45-9708-019B960494DF}">
-                  <a14:hiddenLine xmlns="" xmlns:a14="http://schemas.microsoft.com/office/drawing/2010/main" w="9525">
+                  <a14:hiddenLine xmlns:a14="http://schemas.microsoft.com/office/drawing/2010/main" xmlns="" w="9525">
                     <a:solidFill>
                       <a:srgbClr val="000000"/>
                     </a:solidFill>
@@ -11445,7 +11445,7 @@
               </a:ln>
               <a:extLst>
                 <a:ext uri="{91240B29-F687-4f45-9708-019B960494DF}">
-                  <a14:hiddenLine xmlns="" xmlns:a14="http://schemas.microsoft.com/office/drawing/2010/main" w="9525">
+                  <a14:hiddenLine xmlns:a14="http://schemas.microsoft.com/office/drawing/2010/main" xmlns="" w="9525">
                     <a:solidFill>
                       <a:srgbClr val="000000"/>
                     </a:solidFill>
@@ -11535,7 +11535,7 @@
               </a:ln>
               <a:extLst>
                 <a:ext uri="{91240B29-F687-4f45-9708-019B960494DF}">
-                  <a14:hiddenLine xmlns="" xmlns:a14="http://schemas.microsoft.com/office/drawing/2010/main" w="9525">
+                  <a14:hiddenLine xmlns:a14="http://schemas.microsoft.com/office/drawing/2010/main" xmlns="" w="9525">
                     <a:solidFill>
                       <a:srgbClr val="000000"/>
                     </a:solidFill>
@@ -11603,7 +11603,7 @@
               </a:ln>
               <a:extLst>
                 <a:ext uri="{91240B29-F687-4f45-9708-019B960494DF}">
-                  <a14:hiddenLine xmlns="" xmlns:a14="http://schemas.microsoft.com/office/drawing/2010/main" w="9525">
+                  <a14:hiddenLine xmlns:a14="http://schemas.microsoft.com/office/drawing/2010/main" xmlns="" w="9525">
                     <a:solidFill>
                       <a:srgbClr val="000000"/>
                     </a:solidFill>
@@ -11693,7 +11693,7 @@
               </a:ln>
               <a:extLst>
                 <a:ext uri="{91240B29-F687-4f45-9708-019B960494DF}">
-                  <a14:hiddenLine xmlns="" xmlns:a14="http://schemas.microsoft.com/office/drawing/2010/main" w="9525">
+                  <a14:hiddenLine xmlns:a14="http://schemas.microsoft.com/office/drawing/2010/main" xmlns="" w="9525">
                     <a:solidFill>
                       <a:srgbClr val="000000"/>
                     </a:solidFill>
@@ -11761,7 +11761,7 @@
               </a:ln>
               <a:extLst>
                 <a:ext uri="{91240B29-F687-4f45-9708-019B960494DF}">
-                  <a14:hiddenLine xmlns="" xmlns:a14="http://schemas.microsoft.com/office/drawing/2010/main" w="9525">
+                  <a14:hiddenLine xmlns:a14="http://schemas.microsoft.com/office/drawing/2010/main" xmlns="" w="9525">
                     <a:solidFill>
                       <a:srgbClr val="000000"/>
                     </a:solidFill>
@@ -11851,7 +11851,7 @@
               </a:ln>
               <a:extLst>
                 <a:ext uri="{91240B29-F687-4f45-9708-019B960494DF}">
-                  <a14:hiddenLine xmlns="" xmlns:a14="http://schemas.microsoft.com/office/drawing/2010/main" w="9525">
+                  <a14:hiddenLine xmlns:a14="http://schemas.microsoft.com/office/drawing/2010/main" xmlns="" w="9525">
                     <a:solidFill>
                       <a:srgbClr val="000000"/>
                     </a:solidFill>
@@ -11885,7 +11885,7 @@
               </a:ln>
               <a:extLst>
                 <a:ext uri="{91240B29-F687-4f45-9708-019B960494DF}">
-                  <a14:hiddenLine xmlns="" xmlns:a14="http://schemas.microsoft.com/office/drawing/2010/main" w="9525">
+                  <a14:hiddenLine xmlns:a14="http://schemas.microsoft.com/office/drawing/2010/main" xmlns="" w="9525">
                     <a:solidFill>
                       <a:srgbClr val="000000"/>
                     </a:solidFill>
@@ -12900,26 +12900,14 @@
             </a:r>
             <a:r>
               <a:rPr lang="fr-CH" dirty="0" smtClean="0"/>
-              <a:t> up 2D </a:t>
-            </a:r>
+              <a:t> up 2D en vue de dessus.</a:t>
+            </a:r>
+          </a:p>
+          <a:p>
+            <a:pPr lvl="1"/>
             <a:r>
               <a:rPr lang="fr-CH" dirty="0" smtClean="0"/>
-              <a:t>en vue de dessus.</a:t>
-            </a:r>
-          </a:p>
-          <a:p>
-            <a:pPr lvl="1"/>
-            <a:r>
-              <a:rPr lang="fr-CH" dirty="0" smtClean="0"/>
-              <a:t>Survivre </a:t>
-            </a:r>
-            <a:r>
-              <a:rPr lang="fr-CH" dirty="0" smtClean="0"/>
-              <a:t>à des vagues </a:t>
-            </a:r>
-            <a:r>
-              <a:rPr lang="fr-CH" dirty="0" smtClean="0"/>
-              <a:t>d’attaques</a:t>
+              <a:t>Survivre à des vagues d’attaques</a:t>
             </a:r>
           </a:p>
           <a:p>
@@ -12928,7 +12916,6 @@
               <a:rPr lang="fr-CH" dirty="0" smtClean="0"/>
               <a:t>Score final</a:t>
             </a:r>
-            <a:endParaRPr lang="fr-CH" dirty="0" smtClean="0"/>
           </a:p>
         </p:txBody>
       </p:sp>
@@ -13060,20 +13047,11 @@
               <a:rPr lang="fr-CH" dirty="0" smtClean="0"/>
               <a:t>Construct3</a:t>
             </a:r>
-            <a:endParaRPr lang="fr-CH" dirty="0" smtClean="0"/>
           </a:p>
           <a:p>
             <a:r>
               <a:rPr lang="fr-CH" dirty="0" smtClean="0"/>
-              <a:t>Répartition </a:t>
-            </a:r>
-            <a:r>
-              <a:rPr lang="fr-CH" dirty="0" smtClean="0"/>
-              <a:t>du travail en 3 </a:t>
-            </a:r>
-            <a:r>
-              <a:rPr lang="fr-CH" dirty="0" smtClean="0"/>
-              <a:t>parties</a:t>
+              <a:t>Répartition du travail en 3 parties</a:t>
             </a:r>
           </a:p>
           <a:p>
@@ -13102,15 +13080,7 @@
           <a:p>
             <a:r>
               <a:rPr lang="fr-CH" dirty="0" smtClean="0"/>
-              <a:t>Documentation </a:t>
-            </a:r>
-            <a:r>
-              <a:rPr lang="fr-CH" dirty="0" smtClean="0"/>
-              <a:t>du </a:t>
-            </a:r>
-            <a:r>
-              <a:rPr lang="fr-CH" dirty="0" smtClean="0"/>
-              <a:t>projet</a:t>
+              <a:t>Documentation du projet</a:t>
             </a:r>
           </a:p>
           <a:p>
@@ -13146,7 +13116,6 @@
               <a:rPr lang="fr-CH" dirty="0" smtClean="0"/>
               <a:t>GitHub</a:t>
             </a:r>
-            <a:endParaRPr lang="fr-CH" dirty="0" smtClean="0"/>
           </a:p>
         </p:txBody>
       </p:sp>
@@ -13305,11 +13274,7 @@
             </a:pPr>
             <a:r>
               <a:rPr lang="fr-CH" dirty="0" smtClean="0"/>
-              <a:t>Les o</a:t>
-            </a:r>
-            <a:r>
-              <a:rPr lang="fr-CH" dirty="0" smtClean="0"/>
-              <a:t>bstacles</a:t>
+              <a:t>Les obstacles</a:t>
             </a:r>
           </a:p>
           <a:p>
@@ -13342,11 +13307,7 @@
             </a:pPr>
             <a:r>
               <a:rPr lang="fr-CH" dirty="0" smtClean="0"/>
-              <a:t>Les p</a:t>
-            </a:r>
-            <a:r>
-              <a:rPr lang="fr-CH" dirty="0" smtClean="0"/>
-              <a:t>oints d’apparition</a:t>
+              <a:t>Les points d’apparition</a:t>
             </a:r>
             <a:endParaRPr lang="fr-CH" dirty="0"/>
           </a:p>
@@ -13362,7 +13323,6 @@
               <a:rPr lang="fr-CH" dirty="0" smtClean="0"/>
               <a:t>- Répartis sur toute la map</a:t>
             </a:r>
-            <a:endParaRPr lang="fr-CH" dirty="0" smtClean="0"/>
           </a:p>
           <a:p>
             <a:endParaRPr lang="fr-CH" dirty="0"/>
@@ -13704,7 +13664,9 @@
           </a:xfrm>
         </p:spPr>
         <p:txBody>
-          <a:bodyPr/>
+          <a:bodyPr>
+            <a:normAutofit fontScale="92500" lnSpcReduction="10000"/>
+          </a:bodyPr>
           <a:lstStyle/>
           <a:p>
             <a:pPr marL="457200" lvl="1" indent="0">
@@ -13716,12 +13678,31 @@
             </a:r>
           </a:p>
           <a:p>
-            <a:pPr marL="457200" lvl="1" indent="0">
-              <a:buNone/>
+            <a:pPr lvl="1">
+              <a:buFontTx/>
+              <a:buChar char="-"/>
             </a:pPr>
             <a:r>
               <a:rPr lang="fr-CH" dirty="0" smtClean="0"/>
-              <a:t>- Que peut-il faire?</a:t>
+              <a:t>Que </a:t>
+            </a:r>
+            <a:r>
+              <a:rPr lang="fr-CH" dirty="0" smtClean="0"/>
+              <a:t>peut-il faire</a:t>
+            </a:r>
+            <a:r>
+              <a:rPr lang="fr-CH" dirty="0" smtClean="0"/>
+              <a:t>?</a:t>
+            </a:r>
+          </a:p>
+          <a:p>
+            <a:pPr lvl="1">
+              <a:buFontTx/>
+              <a:buChar char="-"/>
+            </a:pPr>
+            <a:r>
+              <a:rPr lang="fr-CH" smtClean="0"/>
+              <a:t>Sa vie</a:t>
             </a:r>
             <a:endParaRPr lang="fr-CH" dirty="0"/>
           </a:p>
@@ -13788,7 +13769,6 @@
               <a:rPr lang="fr-CH" dirty="0" smtClean="0"/>
               <a:t>	- Mode de tir</a:t>
             </a:r>
-            <a:endParaRPr lang="fr-CH" dirty="0" smtClean="0"/>
           </a:p>
           <a:p>
             <a:endParaRPr lang="fr-CH" dirty="0"/>
@@ -14431,16 +14411,11 @@
               <a:rPr lang="fr-CH" dirty="0" smtClean="0"/>
               <a:t>Temps</a:t>
             </a:r>
-            <a:endParaRPr lang="fr-CH" dirty="0" smtClean="0"/>
           </a:p>
           <a:p>
             <a:r>
               <a:rPr lang="fr-CH" dirty="0" smtClean="0"/>
-              <a:t>Points positifs tirés du </a:t>
-            </a:r>
-            <a:r>
-              <a:rPr lang="fr-CH" dirty="0" smtClean="0"/>
-              <a:t>projet</a:t>
+              <a:t>Points positifs tirés du projet</a:t>
             </a:r>
           </a:p>
           <a:p>
@@ -14449,7 +14424,6 @@
               <a:rPr lang="fr-CH" dirty="0" smtClean="0"/>
               <a:t>Expériences</a:t>
             </a:r>
-            <a:endParaRPr lang="fr-CH" dirty="0" smtClean="0"/>
           </a:p>
           <a:p>
             <a:r>
@@ -14463,7 +14437,6 @@
               <a:rPr lang="fr-CH" dirty="0" smtClean="0"/>
               <a:t>Ses point forts / faibles</a:t>
             </a:r>
-            <a:endParaRPr lang="fr-CH" dirty="0" smtClean="0"/>
           </a:p>
           <a:p>
             <a:endParaRPr lang="fr-CH" dirty="0" smtClean="0"/>
